--- a/spring12/slidesS12/total-probability.pptx
+++ b/spring12/slidesS12/total-probability.pptx
@@ -19,7 +19,7 @@
     <p:sldId id="397" r:id="rId7"/>
   </p:sldIdLst>
   <p:sldSz cx="9144000" cy="6858000" type="screen4x3"/>
-  <p:notesSz cx="7315200" cy="9601200"/>
+  <p:notesSz cx="9601200" cy="7315200"/>
   <p:custDataLst>
     <p:tags r:id="rId11"/>
   </p:custDataLst>
@@ -189,7 +189,7 @@
         <p:spPr bwMode="auto">
           <a:xfrm>
             <a:off x="0" y="0"/>
-            <a:ext cx="3170238" cy="479425"/>
+            <a:ext cx="4160937" cy="365276"/>
           </a:xfrm>
           <a:prstGeom prst="rect">
             <a:avLst/>
@@ -236,8 +236,8 @@
         </p:nvSpPr>
         <p:spPr bwMode="auto">
           <a:xfrm>
-            <a:off x="4143375" y="0"/>
-            <a:ext cx="3170238" cy="479425"/>
+            <a:off x="5438180" y="0"/>
+            <a:ext cx="4160937" cy="365276"/>
           </a:xfrm>
           <a:prstGeom prst="rect">
             <a:avLst/>
@@ -284,8 +284,8 @@
         </p:nvSpPr>
         <p:spPr bwMode="auto">
           <a:xfrm>
-            <a:off x="0" y="9120188"/>
-            <a:ext cx="3170238" cy="479425"/>
+            <a:off x="0" y="6948715"/>
+            <a:ext cx="4160937" cy="365276"/>
           </a:xfrm>
           <a:prstGeom prst="rect">
             <a:avLst/>
@@ -332,8 +332,8 @@
         </p:nvSpPr>
         <p:spPr bwMode="auto">
           <a:xfrm>
-            <a:off x="4143375" y="9120188"/>
-            <a:ext cx="3170238" cy="479425"/>
+            <a:off x="5438180" y="6948715"/>
+            <a:ext cx="4160937" cy="365276"/>
           </a:xfrm>
           <a:prstGeom prst="rect">
             <a:avLst/>
@@ -424,7 +424,7 @@
         <p:spPr bwMode="auto">
           <a:xfrm>
             <a:off x="0" y="0"/>
-            <a:ext cx="3170238" cy="479425"/>
+            <a:ext cx="4160937" cy="365276"/>
           </a:xfrm>
           <a:prstGeom prst="rect">
             <a:avLst/>
@@ -471,8 +471,8 @@
         </p:nvSpPr>
         <p:spPr bwMode="auto">
           <a:xfrm>
-            <a:off x="4143375" y="0"/>
-            <a:ext cx="3170238" cy="479425"/>
+            <a:off x="5438180" y="0"/>
+            <a:ext cx="4160937" cy="365276"/>
           </a:xfrm>
           <a:prstGeom prst="rect">
             <a:avLst/>
@@ -519,8 +519,8 @@
         </p:nvSpPr>
         <p:spPr bwMode="auto">
           <a:xfrm>
-            <a:off x="1257300" y="720725"/>
-            <a:ext cx="4800600" cy="3600450"/>
+            <a:off x="2971800" y="549275"/>
+            <a:ext cx="3657600" cy="2743200"/>
           </a:xfrm>
           <a:prstGeom prst="rect">
             <a:avLst/>
@@ -548,8 +548,8 @@
         </p:nvSpPr>
         <p:spPr bwMode="auto">
           <a:xfrm>
-            <a:off x="731838" y="4560888"/>
-            <a:ext cx="5851525" cy="4319587"/>
+            <a:off x="960538" y="3474963"/>
+            <a:ext cx="7680127" cy="3291114"/>
           </a:xfrm>
           <a:prstGeom prst="rect">
             <a:avLst/>
@@ -619,8 +619,8 @@
         </p:nvSpPr>
         <p:spPr bwMode="auto">
           <a:xfrm>
-            <a:off x="0" y="9120188"/>
-            <a:ext cx="3170238" cy="479425"/>
+            <a:off x="0" y="6948715"/>
+            <a:ext cx="4160937" cy="365276"/>
           </a:xfrm>
           <a:prstGeom prst="rect">
             <a:avLst/>
@@ -667,8 +667,8 @@
         </p:nvSpPr>
         <p:spPr bwMode="auto">
           <a:xfrm>
-            <a:off x="4143375" y="9120188"/>
-            <a:ext cx="3170238" cy="479425"/>
+            <a:off x="5438180" y="6948715"/>
+            <a:ext cx="4160937" cy="365276"/>
           </a:xfrm>
           <a:prstGeom prst="rect">
             <a:avLst/>
@@ -2958,7 +2958,6 @@
               <a:rPr lang="en-US" sz="8000" dirty="0" smtClean="0"/>
               <a:t>Law of Total Probability</a:t>
             </a:r>
-            <a:endParaRPr lang="en-US" sz="8000" dirty="0" smtClean="0"/>
           </a:p>
         </p:txBody>
       </p:sp>
@@ -4221,7 +4220,7 @@
           <a:graphicData uri="http://schemas.openxmlformats.org/presentationml/2006/ole">
             <mc:AlternateContent xmlns:mc="http://schemas.openxmlformats.org/markup-compatibility/2006">
               <mc:Choice xmlns:v="urn:schemas-microsoft-com:vml" Requires="v">
-                <p:oleObj spid="_x0000_s334892" name="Equation" r:id="rId4" imgW="457200" imgH="304800" progId="Equation.DSMT4">
+                <p:oleObj spid="_x0000_s334896" name="Equation" r:id="rId4" imgW="457200" imgH="304800" progId="Equation.DSMT4">
                   <p:embed/>
                 </p:oleObj>
               </mc:Choice>
@@ -4291,7 +4290,7 @@
           <a:graphicData uri="http://schemas.openxmlformats.org/presentationml/2006/ole">
             <mc:AlternateContent xmlns:mc="http://schemas.openxmlformats.org/markup-compatibility/2006">
               <mc:Choice xmlns:v="urn:schemas-microsoft-com:vml" Requires="v">
-                <p:oleObj spid="_x0000_s334893" name="Equation" r:id="rId6" imgW="457200" imgH="304800" progId="Equation.DSMT4">
+                <p:oleObj spid="_x0000_s334897" name="Equation" r:id="rId6" imgW="457200" imgH="304800" progId="Equation.DSMT4">
                   <p:embed/>
                 </p:oleObj>
               </mc:Choice>
@@ -4361,7 +4360,7 @@
           <a:graphicData uri="http://schemas.openxmlformats.org/presentationml/2006/ole">
             <mc:AlternateContent xmlns:mc="http://schemas.openxmlformats.org/markup-compatibility/2006">
               <mc:Choice xmlns:v="urn:schemas-microsoft-com:vml" Requires="v">
-                <p:oleObj spid="_x0000_s334894" name="Equation" r:id="rId8" imgW="444500" imgH="304800" progId="Equation.DSMT4">
+                <p:oleObj spid="_x0000_s334898" name="Equation" r:id="rId8" imgW="444500" imgH="304800" progId="Equation.DSMT4">
                   <p:embed/>
                 </p:oleObj>
               </mc:Choice>
@@ -7684,7 +7683,7 @@
           <a:graphicData uri="http://schemas.openxmlformats.org/presentationml/2006/ole">
             <mc:AlternateContent xmlns:mc="http://schemas.openxmlformats.org/markup-compatibility/2006">
               <mc:Choice xmlns:v="urn:schemas-microsoft-com:vml" Requires="v">
-                <p:oleObj spid="_x0000_s326682" name="Equation" r:id="rId4" imgW="2197100" imgH="292100" progId="Equation.DSMT4">
+                <p:oleObj spid="_x0000_s326684" name="Equation" r:id="rId4" imgW="2197100" imgH="292100" progId="Equation.DSMT4">
                   <p:embed/>
                 </p:oleObj>
               </mc:Choice>
@@ -8554,17 +8553,7 @@
                 <a:latin typeface="Comic Sans MS" pitchFamily="66" charset="0"/>
                 <a:sym typeface="Symbol" pitchFamily="18" charset="2"/>
               </a:rPr>
-              <a:t>} 		</a:t>
-            </a:r>
-            <a:r>
-              <a:rPr lang="en-US" sz="6600" dirty="0" smtClean="0">
-                <a:solidFill>
-                  <a:srgbClr val="0000CC"/>
-                </a:solidFill>
-                <a:latin typeface="Comic Sans MS" pitchFamily="66" charset="0"/>
-                <a:sym typeface="Symbol" pitchFamily="18" charset="2"/>
-              </a:rPr>
-              <a:t>+ </a:t>
+              <a:t>} 		+ </a:t>
             </a:r>
             <a:r>
               <a:rPr lang="en-US" sz="6600" dirty="0" err="1" smtClean="0">
@@ -8875,7 +8864,7 @@
           <a:graphicData uri="http://schemas.openxmlformats.org/presentationml/2006/ole">
             <mc:AlternateContent xmlns:mc="http://schemas.openxmlformats.org/markup-compatibility/2006">
               <mc:Choice xmlns:v="urn:schemas-microsoft-com:vml" Requires="v">
-                <p:oleObj spid="_x0000_s353286" name="Equation" r:id="rId4" imgW="2197100" imgH="292100" progId="Equation.DSMT4">
+                <p:oleObj spid="_x0000_s353288" name="Equation" r:id="rId4" imgW="2197100" imgH="292100" progId="Equation.DSMT4">
                   <p:embed/>
                 </p:oleObj>
               </mc:Choice>
@@ -9682,7 +9671,7 @@
           <a:graphicData uri="http://schemas.openxmlformats.org/presentationml/2006/ole">
             <mc:AlternateContent xmlns:mc="http://schemas.openxmlformats.org/markup-compatibility/2006">
               <mc:Choice xmlns:v="urn:schemas-microsoft-com:vml" Requires="v">
-                <p:oleObj spid="_x0000_s327725" name="Equation" r:id="rId4" imgW="1447800" imgH="381000" progId="Equation.DSMT4">
+                <p:oleObj spid="_x0000_s327728" name="Equation" r:id="rId4" imgW="1447800" imgH="381000" progId="Equation.DSMT4">
                   <p:embed/>
                 </p:oleObj>
               </mc:Choice>
@@ -9752,7 +9741,7 @@
           <a:graphicData uri="http://schemas.openxmlformats.org/presentationml/2006/ole">
             <mc:AlternateContent xmlns:mc="http://schemas.openxmlformats.org/markup-compatibility/2006">
               <mc:Choice xmlns:v="urn:schemas-microsoft-com:vml" Requires="v">
-                <p:oleObj spid="_x0000_s327726" name="Equation" r:id="rId6" imgW="1435100" imgH="381000" progId="Equation.DSMT4">
+                <p:oleObj spid="_x0000_s327729" name="Equation" r:id="rId6" imgW="1435100" imgH="381000" progId="Equation.DSMT4">
                   <p:embed/>
                 </p:oleObj>
               </mc:Choice>

--- a/spring12/slidesS12/total-probability.pptx
+++ b/spring12/slidesS12/total-probability.pptx
@@ -5,10 +5,10 @@
     <p:sldMasterId id="2147483649" r:id="rId1"/>
   </p:sldMasterIdLst>
   <p:notesMasterIdLst>
-    <p:notesMasterId r:id="rId8"/>
+    <p:notesMasterId r:id="rId17"/>
   </p:notesMasterIdLst>
   <p:handoutMasterIdLst>
-    <p:handoutMasterId r:id="rId9"/>
+    <p:handoutMasterId r:id="rId18"/>
   </p:handoutMasterIdLst>
   <p:sldIdLst>
     <p:sldId id="306" r:id="rId2"/>
@@ -17,11 +17,20 @@
     <p:sldId id="396" r:id="rId5"/>
     <p:sldId id="402" r:id="rId6"/>
     <p:sldId id="397" r:id="rId7"/>
+    <p:sldId id="403" r:id="rId8"/>
+    <p:sldId id="407" r:id="rId9"/>
+    <p:sldId id="404" r:id="rId10"/>
+    <p:sldId id="408" r:id="rId11"/>
+    <p:sldId id="411" r:id="rId12"/>
+    <p:sldId id="412" r:id="rId13"/>
+    <p:sldId id="415" r:id="rId14"/>
+    <p:sldId id="417" r:id="rId15"/>
+    <p:sldId id="416" r:id="rId16"/>
   </p:sldIdLst>
   <p:sldSz cx="9144000" cy="6858000" type="screen4x3"/>
   <p:notesSz cx="9601200" cy="7315200"/>
   <p:custDataLst>
-    <p:tags r:id="rId11"/>
+    <p:tags r:id="rId20"/>
   </p:custDataLst>
   <p:defaultTextStyle>
     <a:defPPr>
@@ -931,6 +940,270 @@
 </p:notes>
 </file>
 
+<file path=ppt/notesSlides/notesSlide10.xml><?xml version="1.0" encoding="utf-8"?>
+<p:notes xmlns:a="http://schemas.openxmlformats.org/drawingml/2006/main" xmlns:r="http://schemas.openxmlformats.org/officeDocument/2006/relationships" xmlns:p="http://schemas.openxmlformats.org/presentationml/2006/main">
+  <p:cSld>
+    <p:spTree>
+      <p:nvGrpSpPr>
+        <p:cNvPr id="1" name=""/>
+        <p:cNvGrpSpPr/>
+        <p:nvPr/>
+      </p:nvGrpSpPr>
+      <p:grpSpPr>
+        <a:xfrm>
+          <a:off x="0" y="0"/>
+          <a:ext cx="0" cy="0"/>
+          <a:chOff x="0" y="0"/>
+          <a:chExt cx="0" cy="0"/>
+        </a:xfrm>
+      </p:grpSpPr>
+      <p:sp>
+        <p:nvSpPr>
+          <p:cNvPr id="69634" name="Rectangle 7"/>
+          <p:cNvSpPr>
+            <a:spLocks noGrp="1" noChangeArrowheads="1"/>
+          </p:cNvSpPr>
+          <p:nvPr>
+            <p:ph type="sldNum" sz="quarter" idx="5"/>
+          </p:nvPr>
+        </p:nvSpPr>
+        <p:spPr>
+          <a:noFill/>
+        </p:spPr>
+        <p:txBody>
+          <a:bodyPr/>
+          <a:lstStyle/>
+          <a:p>
+            <a:fld id="{47D539D4-74E1-492A-9468-BA66B65E4B96}" type="slidenum">
+              <a:rPr lang="en-US" smtClean="0"/>
+              <a:pPr/>
+              <a:t>10</a:t>
+            </a:fld>
+            <a:endParaRPr lang="en-US" smtClean="0"/>
+          </a:p>
+        </p:txBody>
+      </p:sp>
+      <p:sp>
+        <p:nvSpPr>
+          <p:cNvPr id="69635" name="Rectangle 2"/>
+          <p:cNvSpPr>
+            <a:spLocks noGrp="1" noRot="1" noChangeAspect="1" noChangeArrowheads="1" noTextEdit="1"/>
+          </p:cNvSpPr>
+          <p:nvPr>
+            <p:ph type="sldImg"/>
+          </p:nvPr>
+        </p:nvSpPr>
+        <p:spPr>
+          <a:ln/>
+        </p:spPr>
+      </p:sp>
+      <p:sp>
+        <p:nvSpPr>
+          <p:cNvPr id="69636" name="Rectangle 3"/>
+          <p:cNvSpPr>
+            <a:spLocks noGrp="1" noChangeArrowheads="1"/>
+          </p:cNvSpPr>
+          <p:nvPr>
+            <p:ph type="body" idx="1"/>
+          </p:nvPr>
+        </p:nvSpPr>
+        <p:spPr>
+          <a:noFill/>
+          <a:ln/>
+        </p:spPr>
+        <p:txBody>
+          <a:bodyPr/>
+          <a:lstStyle/>
+          <a:p>
+            <a:pPr eaLnBrk="1" hangingPunct="1"/>
+            <a:endParaRPr lang="en-US" smtClean="0"/>
+          </a:p>
+        </p:txBody>
+      </p:sp>
+    </p:spTree>
+  </p:cSld>
+  <p:clrMapOvr>
+    <a:masterClrMapping/>
+  </p:clrMapOvr>
+</p:notes>
+</file>
+
+<file path=ppt/notesSlides/notesSlide11.xml><?xml version="1.0" encoding="utf-8"?>
+<p:notes xmlns:a="http://schemas.openxmlformats.org/drawingml/2006/main" xmlns:r="http://schemas.openxmlformats.org/officeDocument/2006/relationships" xmlns:p="http://schemas.openxmlformats.org/presentationml/2006/main">
+  <p:cSld>
+    <p:spTree>
+      <p:nvGrpSpPr>
+        <p:cNvPr id="1" name=""/>
+        <p:cNvGrpSpPr/>
+        <p:nvPr/>
+      </p:nvGrpSpPr>
+      <p:grpSpPr>
+        <a:xfrm>
+          <a:off x="0" y="0"/>
+          <a:ext cx="0" cy="0"/>
+          <a:chOff x="0" y="0"/>
+          <a:chExt cx="0" cy="0"/>
+        </a:xfrm>
+      </p:grpSpPr>
+      <p:sp>
+        <p:nvSpPr>
+          <p:cNvPr id="69634" name="Rectangle 7"/>
+          <p:cNvSpPr>
+            <a:spLocks noGrp="1" noChangeArrowheads="1"/>
+          </p:cNvSpPr>
+          <p:nvPr>
+            <p:ph type="sldNum" sz="quarter" idx="5"/>
+          </p:nvPr>
+        </p:nvSpPr>
+        <p:spPr>
+          <a:noFill/>
+        </p:spPr>
+        <p:txBody>
+          <a:bodyPr/>
+          <a:lstStyle/>
+          <a:p>
+            <a:fld id="{47D539D4-74E1-492A-9468-BA66B65E4B96}" type="slidenum">
+              <a:rPr lang="en-US" smtClean="0"/>
+              <a:pPr/>
+              <a:t>11</a:t>
+            </a:fld>
+            <a:endParaRPr lang="en-US" smtClean="0"/>
+          </a:p>
+        </p:txBody>
+      </p:sp>
+      <p:sp>
+        <p:nvSpPr>
+          <p:cNvPr id="69635" name="Rectangle 2"/>
+          <p:cNvSpPr>
+            <a:spLocks noGrp="1" noRot="1" noChangeAspect="1" noChangeArrowheads="1" noTextEdit="1"/>
+          </p:cNvSpPr>
+          <p:nvPr>
+            <p:ph type="sldImg"/>
+          </p:nvPr>
+        </p:nvSpPr>
+        <p:spPr>
+          <a:ln/>
+        </p:spPr>
+      </p:sp>
+      <p:sp>
+        <p:nvSpPr>
+          <p:cNvPr id="69636" name="Rectangle 3"/>
+          <p:cNvSpPr>
+            <a:spLocks noGrp="1" noChangeArrowheads="1"/>
+          </p:cNvSpPr>
+          <p:nvPr>
+            <p:ph type="body" idx="1"/>
+          </p:nvPr>
+        </p:nvSpPr>
+        <p:spPr>
+          <a:noFill/>
+          <a:ln/>
+        </p:spPr>
+        <p:txBody>
+          <a:bodyPr/>
+          <a:lstStyle/>
+          <a:p>
+            <a:pPr eaLnBrk="1" hangingPunct="1"/>
+            <a:endParaRPr lang="en-US" smtClean="0"/>
+          </a:p>
+        </p:txBody>
+      </p:sp>
+    </p:spTree>
+  </p:cSld>
+  <p:clrMapOvr>
+    <a:masterClrMapping/>
+  </p:clrMapOvr>
+</p:notes>
+</file>
+
+<file path=ppt/notesSlides/notesSlide12.xml><?xml version="1.0" encoding="utf-8"?>
+<p:notes xmlns:a="http://schemas.openxmlformats.org/drawingml/2006/main" xmlns:r="http://schemas.openxmlformats.org/officeDocument/2006/relationships" xmlns:p="http://schemas.openxmlformats.org/presentationml/2006/main">
+  <p:cSld>
+    <p:spTree>
+      <p:nvGrpSpPr>
+        <p:cNvPr id="1" name=""/>
+        <p:cNvGrpSpPr/>
+        <p:nvPr/>
+      </p:nvGrpSpPr>
+      <p:grpSpPr>
+        <a:xfrm>
+          <a:off x="0" y="0"/>
+          <a:ext cx="0" cy="0"/>
+          <a:chOff x="0" y="0"/>
+          <a:chExt cx="0" cy="0"/>
+        </a:xfrm>
+      </p:grpSpPr>
+      <p:sp>
+        <p:nvSpPr>
+          <p:cNvPr id="69634" name="Rectangle 7"/>
+          <p:cNvSpPr>
+            <a:spLocks noGrp="1" noChangeArrowheads="1"/>
+          </p:cNvSpPr>
+          <p:nvPr>
+            <p:ph type="sldNum" sz="quarter" idx="5"/>
+          </p:nvPr>
+        </p:nvSpPr>
+        <p:spPr>
+          <a:noFill/>
+        </p:spPr>
+        <p:txBody>
+          <a:bodyPr/>
+          <a:lstStyle/>
+          <a:p>
+            <a:fld id="{47D539D4-74E1-492A-9468-BA66B65E4B96}" type="slidenum">
+              <a:rPr lang="en-US" smtClean="0"/>
+              <a:pPr/>
+              <a:t>12</a:t>
+            </a:fld>
+            <a:endParaRPr lang="en-US" smtClean="0"/>
+          </a:p>
+        </p:txBody>
+      </p:sp>
+      <p:sp>
+        <p:nvSpPr>
+          <p:cNvPr id="69635" name="Rectangle 2"/>
+          <p:cNvSpPr>
+            <a:spLocks noGrp="1" noRot="1" noChangeAspect="1" noChangeArrowheads="1" noTextEdit="1"/>
+          </p:cNvSpPr>
+          <p:nvPr>
+            <p:ph type="sldImg"/>
+          </p:nvPr>
+        </p:nvSpPr>
+        <p:spPr>
+          <a:ln/>
+        </p:spPr>
+      </p:sp>
+      <p:sp>
+        <p:nvSpPr>
+          <p:cNvPr id="69636" name="Rectangle 3"/>
+          <p:cNvSpPr>
+            <a:spLocks noGrp="1" noChangeArrowheads="1"/>
+          </p:cNvSpPr>
+          <p:nvPr>
+            <p:ph type="body" idx="1"/>
+          </p:nvPr>
+        </p:nvSpPr>
+        <p:spPr>
+          <a:noFill/>
+          <a:ln/>
+        </p:spPr>
+        <p:txBody>
+          <a:bodyPr/>
+          <a:lstStyle/>
+          <a:p>
+            <a:pPr eaLnBrk="1" hangingPunct="1"/>
+            <a:endParaRPr lang="en-US" smtClean="0"/>
+          </a:p>
+        </p:txBody>
+      </p:sp>
+    </p:spTree>
+  </p:cSld>
+  <p:clrMapOvr>
+    <a:masterClrMapping/>
+  </p:clrMapOvr>
+</p:notes>
+</file>
+
 <file path=ppt/notesSlides/notesSlide2.xml><?xml version="1.0" encoding="utf-8"?>
 <p:notes xmlns:a="http://schemas.openxmlformats.org/drawingml/2006/main" xmlns:r="http://schemas.openxmlformats.org/officeDocument/2006/relationships" xmlns:p="http://schemas.openxmlformats.org/presentationml/2006/main">
   <p:cSld>
@@ -1343,6 +1616,270 @@
       <p:sp>
         <p:nvSpPr>
           <p:cNvPr id="71684" name="Rectangle 3"/>
+          <p:cNvSpPr>
+            <a:spLocks noGrp="1" noChangeArrowheads="1"/>
+          </p:cNvSpPr>
+          <p:nvPr>
+            <p:ph type="body" idx="1"/>
+          </p:nvPr>
+        </p:nvSpPr>
+        <p:spPr>
+          <a:noFill/>
+          <a:ln/>
+        </p:spPr>
+        <p:txBody>
+          <a:bodyPr/>
+          <a:lstStyle/>
+          <a:p>
+            <a:pPr eaLnBrk="1" hangingPunct="1"/>
+            <a:endParaRPr lang="en-US" smtClean="0"/>
+          </a:p>
+        </p:txBody>
+      </p:sp>
+    </p:spTree>
+  </p:cSld>
+  <p:clrMapOvr>
+    <a:masterClrMapping/>
+  </p:clrMapOvr>
+</p:notes>
+</file>
+
+<file path=ppt/notesSlides/notesSlide7.xml><?xml version="1.0" encoding="utf-8"?>
+<p:notes xmlns:a="http://schemas.openxmlformats.org/drawingml/2006/main" xmlns:r="http://schemas.openxmlformats.org/officeDocument/2006/relationships" xmlns:p="http://schemas.openxmlformats.org/presentationml/2006/main">
+  <p:cSld>
+    <p:spTree>
+      <p:nvGrpSpPr>
+        <p:cNvPr id="1" name=""/>
+        <p:cNvGrpSpPr/>
+        <p:nvPr/>
+      </p:nvGrpSpPr>
+      <p:grpSpPr>
+        <a:xfrm>
+          <a:off x="0" y="0"/>
+          <a:ext cx="0" cy="0"/>
+          <a:chOff x="0" y="0"/>
+          <a:chExt cx="0" cy="0"/>
+        </a:xfrm>
+      </p:grpSpPr>
+      <p:sp>
+        <p:nvSpPr>
+          <p:cNvPr id="69634" name="Rectangle 7"/>
+          <p:cNvSpPr>
+            <a:spLocks noGrp="1" noChangeArrowheads="1"/>
+          </p:cNvSpPr>
+          <p:nvPr>
+            <p:ph type="sldNum" sz="quarter" idx="5"/>
+          </p:nvPr>
+        </p:nvSpPr>
+        <p:spPr>
+          <a:noFill/>
+        </p:spPr>
+        <p:txBody>
+          <a:bodyPr/>
+          <a:lstStyle/>
+          <a:p>
+            <a:fld id="{47D539D4-74E1-492A-9468-BA66B65E4B96}" type="slidenum">
+              <a:rPr lang="en-US" smtClean="0"/>
+              <a:pPr/>
+              <a:t>7</a:t>
+            </a:fld>
+            <a:endParaRPr lang="en-US" smtClean="0"/>
+          </a:p>
+        </p:txBody>
+      </p:sp>
+      <p:sp>
+        <p:nvSpPr>
+          <p:cNvPr id="69635" name="Rectangle 2"/>
+          <p:cNvSpPr>
+            <a:spLocks noGrp="1" noRot="1" noChangeAspect="1" noChangeArrowheads="1" noTextEdit="1"/>
+          </p:cNvSpPr>
+          <p:nvPr>
+            <p:ph type="sldImg"/>
+          </p:nvPr>
+        </p:nvSpPr>
+        <p:spPr>
+          <a:ln/>
+        </p:spPr>
+      </p:sp>
+      <p:sp>
+        <p:nvSpPr>
+          <p:cNvPr id="69636" name="Rectangle 3"/>
+          <p:cNvSpPr>
+            <a:spLocks noGrp="1" noChangeArrowheads="1"/>
+          </p:cNvSpPr>
+          <p:nvPr>
+            <p:ph type="body" idx="1"/>
+          </p:nvPr>
+        </p:nvSpPr>
+        <p:spPr>
+          <a:noFill/>
+          <a:ln/>
+        </p:spPr>
+        <p:txBody>
+          <a:bodyPr/>
+          <a:lstStyle/>
+          <a:p>
+            <a:pPr eaLnBrk="1" hangingPunct="1"/>
+            <a:endParaRPr lang="en-US" smtClean="0"/>
+          </a:p>
+        </p:txBody>
+      </p:sp>
+    </p:spTree>
+  </p:cSld>
+  <p:clrMapOvr>
+    <a:masterClrMapping/>
+  </p:clrMapOvr>
+</p:notes>
+</file>
+
+<file path=ppt/notesSlides/notesSlide8.xml><?xml version="1.0" encoding="utf-8"?>
+<p:notes xmlns:a="http://schemas.openxmlformats.org/drawingml/2006/main" xmlns:r="http://schemas.openxmlformats.org/officeDocument/2006/relationships" xmlns:p="http://schemas.openxmlformats.org/presentationml/2006/main">
+  <p:cSld>
+    <p:spTree>
+      <p:nvGrpSpPr>
+        <p:cNvPr id="1" name=""/>
+        <p:cNvGrpSpPr/>
+        <p:nvPr/>
+      </p:nvGrpSpPr>
+      <p:grpSpPr>
+        <a:xfrm>
+          <a:off x="0" y="0"/>
+          <a:ext cx="0" cy="0"/>
+          <a:chOff x="0" y="0"/>
+          <a:chExt cx="0" cy="0"/>
+        </a:xfrm>
+      </p:grpSpPr>
+      <p:sp>
+        <p:nvSpPr>
+          <p:cNvPr id="69634" name="Rectangle 7"/>
+          <p:cNvSpPr>
+            <a:spLocks noGrp="1" noChangeArrowheads="1"/>
+          </p:cNvSpPr>
+          <p:nvPr>
+            <p:ph type="sldNum" sz="quarter" idx="5"/>
+          </p:nvPr>
+        </p:nvSpPr>
+        <p:spPr>
+          <a:noFill/>
+        </p:spPr>
+        <p:txBody>
+          <a:bodyPr/>
+          <a:lstStyle/>
+          <a:p>
+            <a:fld id="{47D539D4-74E1-492A-9468-BA66B65E4B96}" type="slidenum">
+              <a:rPr lang="en-US" smtClean="0"/>
+              <a:pPr/>
+              <a:t>8</a:t>
+            </a:fld>
+            <a:endParaRPr lang="en-US" smtClean="0"/>
+          </a:p>
+        </p:txBody>
+      </p:sp>
+      <p:sp>
+        <p:nvSpPr>
+          <p:cNvPr id="69635" name="Rectangle 2"/>
+          <p:cNvSpPr>
+            <a:spLocks noGrp="1" noRot="1" noChangeAspect="1" noChangeArrowheads="1" noTextEdit="1"/>
+          </p:cNvSpPr>
+          <p:nvPr>
+            <p:ph type="sldImg"/>
+          </p:nvPr>
+        </p:nvSpPr>
+        <p:spPr>
+          <a:ln/>
+        </p:spPr>
+      </p:sp>
+      <p:sp>
+        <p:nvSpPr>
+          <p:cNvPr id="69636" name="Rectangle 3"/>
+          <p:cNvSpPr>
+            <a:spLocks noGrp="1" noChangeArrowheads="1"/>
+          </p:cNvSpPr>
+          <p:nvPr>
+            <p:ph type="body" idx="1"/>
+          </p:nvPr>
+        </p:nvSpPr>
+        <p:spPr>
+          <a:noFill/>
+          <a:ln/>
+        </p:spPr>
+        <p:txBody>
+          <a:bodyPr/>
+          <a:lstStyle/>
+          <a:p>
+            <a:pPr eaLnBrk="1" hangingPunct="1"/>
+            <a:endParaRPr lang="en-US" smtClean="0"/>
+          </a:p>
+        </p:txBody>
+      </p:sp>
+    </p:spTree>
+  </p:cSld>
+  <p:clrMapOvr>
+    <a:masterClrMapping/>
+  </p:clrMapOvr>
+</p:notes>
+</file>
+
+<file path=ppt/notesSlides/notesSlide9.xml><?xml version="1.0" encoding="utf-8"?>
+<p:notes xmlns:a="http://schemas.openxmlformats.org/drawingml/2006/main" xmlns:r="http://schemas.openxmlformats.org/officeDocument/2006/relationships" xmlns:p="http://schemas.openxmlformats.org/presentationml/2006/main">
+  <p:cSld>
+    <p:spTree>
+      <p:nvGrpSpPr>
+        <p:cNvPr id="1" name=""/>
+        <p:cNvGrpSpPr/>
+        <p:nvPr/>
+      </p:nvGrpSpPr>
+      <p:grpSpPr>
+        <a:xfrm>
+          <a:off x="0" y="0"/>
+          <a:ext cx="0" cy="0"/>
+          <a:chOff x="0" y="0"/>
+          <a:chExt cx="0" cy="0"/>
+        </a:xfrm>
+      </p:grpSpPr>
+      <p:sp>
+        <p:nvSpPr>
+          <p:cNvPr id="69634" name="Rectangle 7"/>
+          <p:cNvSpPr>
+            <a:spLocks noGrp="1" noChangeArrowheads="1"/>
+          </p:cNvSpPr>
+          <p:nvPr>
+            <p:ph type="sldNum" sz="quarter" idx="5"/>
+          </p:nvPr>
+        </p:nvSpPr>
+        <p:spPr>
+          <a:noFill/>
+        </p:spPr>
+        <p:txBody>
+          <a:bodyPr/>
+          <a:lstStyle/>
+          <a:p>
+            <a:fld id="{47D539D4-74E1-492A-9468-BA66B65E4B96}" type="slidenum">
+              <a:rPr lang="en-US" smtClean="0"/>
+              <a:pPr/>
+              <a:t>9</a:t>
+            </a:fld>
+            <a:endParaRPr lang="en-US" smtClean="0"/>
+          </a:p>
+        </p:txBody>
+      </p:sp>
+      <p:sp>
+        <p:nvSpPr>
+          <p:cNvPr id="69635" name="Rectangle 2"/>
+          <p:cNvSpPr>
+            <a:spLocks noGrp="1" noRot="1" noChangeAspect="1" noChangeArrowheads="1" noTextEdit="1"/>
+          </p:cNvSpPr>
+          <p:nvPr>
+            <p:ph type="sldImg"/>
+          </p:nvPr>
+        </p:nvSpPr>
+        <p:spPr>
+          <a:ln/>
+        </p:spPr>
+      </p:sp>
+      <p:sp>
+        <p:nvSpPr>
+          <p:cNvPr id="69636" name="Rectangle 3"/>
           <p:cNvSpPr>
             <a:spLocks noGrp="1" noChangeArrowheads="1"/>
           </p:cNvSpPr>
@@ -3221,6 +3758,2841 @@
 </p:sld>
 </file>
 
+<file path=ppt/slides/slide10.xml><?xml version="1.0" encoding="utf-8"?>
+<p:sld xmlns:a="http://schemas.openxmlformats.org/drawingml/2006/main" xmlns:r="http://schemas.openxmlformats.org/officeDocument/2006/relationships" xmlns:p="http://schemas.openxmlformats.org/presentationml/2006/main">
+  <p:cSld>
+    <p:spTree>
+      <p:nvGrpSpPr>
+        <p:cNvPr id="1" name=""/>
+        <p:cNvGrpSpPr/>
+        <p:nvPr/>
+      </p:nvGrpSpPr>
+      <p:grpSpPr>
+        <a:xfrm>
+          <a:off x="0" y="0"/>
+          <a:ext cx="0" cy="0"/>
+          <a:chOff x="0" y="0"/>
+          <a:chExt cx="0" cy="0"/>
+        </a:xfrm>
+      </p:grpSpPr>
+      <p:sp>
+        <p:nvSpPr>
+          <p:cNvPr id="20" name="Slide Number Placeholder 3"/>
+          <p:cNvSpPr>
+            <a:spLocks noGrp="1"/>
+          </p:cNvSpPr>
+          <p:nvPr>
+            <p:ph type="sldNum" sz="quarter" idx="4"/>
+          </p:nvPr>
+        </p:nvSpPr>
+        <p:spPr>
+          <a:xfrm>
+            <a:off x="7696200" y="6629400"/>
+            <a:ext cx="1447800" cy="228600"/>
+          </a:xfrm>
+        </p:spPr>
+        <p:txBody>
+          <a:bodyPr/>
+          <a:lstStyle/>
+          <a:p>
+            <a:pPr>
+              <a:defRPr/>
+            </a:pPr>
+            <a:r>
+              <a:rPr lang="en-US" dirty="0" err="1"/>
+              <a:t>lec</a:t>
+            </a:r>
+            <a:r>
+              <a:rPr lang="en-US" dirty="0" smtClean="0"/>
+              <a:t> !2M.</a:t>
+            </a:r>
+            <a:fld id="{EAD82470-6C7C-49DD-8212-C557C8A87E2B}" type="slidenum">
+              <a:rPr lang="en-US" smtClean="0"/>
+              <a:pPr>
+                <a:defRPr/>
+              </a:pPr>
+              <a:t>10</a:t>
+            </a:fld>
+            <a:endParaRPr lang="en-US" dirty="0"/>
+          </a:p>
+        </p:txBody>
+      </p:sp>
+      <p:cxnSp>
+        <p:nvCxnSpPr>
+          <p:cNvPr id="30727" name="AutoShape 21"/>
+          <p:cNvCxnSpPr>
+            <a:cxnSpLocks noChangeShapeType="1"/>
+          </p:cNvCxnSpPr>
+          <p:nvPr/>
+        </p:nvCxnSpPr>
+        <p:spPr bwMode="auto">
+          <a:xfrm>
+            <a:off x="1219200" y="3543300"/>
+            <a:ext cx="0" cy="0"/>
+          </a:xfrm>
+          <a:prstGeom prst="straightConnector1">
+            <a:avLst/>
+          </a:prstGeom>
+          <a:noFill/>
+          <a:ln w="9525">
+            <a:solidFill>
+              <a:schemeClr val="tx1"/>
+            </a:solidFill>
+            <a:round/>
+            <a:headEnd/>
+            <a:tailEnd/>
+          </a:ln>
+        </p:spPr>
+      </p:cxnSp>
+      <p:sp>
+        <p:nvSpPr>
+          <p:cNvPr id="39" name="Rectangle 4"/>
+          <p:cNvSpPr txBox="1">
+            <a:spLocks noChangeArrowheads="1"/>
+          </p:cNvSpPr>
+          <p:nvPr/>
+        </p:nvSpPr>
+        <p:spPr bwMode="auto">
+          <a:xfrm>
+            <a:off x="7696200" y="6629400"/>
+            <a:ext cx="1447800" cy="228600"/>
+          </a:xfrm>
+          <a:prstGeom prst="rect">
+            <a:avLst/>
+          </a:prstGeom>
+          <a:noFill/>
+          <a:ln w="9525">
+            <a:noFill/>
+            <a:miter lim="800000"/>
+            <a:headEnd/>
+            <a:tailEnd/>
+          </a:ln>
+          <a:effectLst/>
+        </p:spPr>
+        <p:txBody>
+          <a:bodyPr vert="horz" wrap="square" lIns="91440" tIns="45720" rIns="91440" bIns="45720" numCol="1" anchor="t" anchorCtr="0" compatLnSpc="1">
+            <a:prstTxWarp prst="textNoShape">
+              <a:avLst/>
+            </a:prstTxWarp>
+          </a:bodyPr>
+          <a:lstStyle>
+            <a:lvl1pPr algn="r">
+              <a:defRPr sz="1200" dirty="0" err="1" smtClean="0">
+                <a:latin typeface="+mn-lt"/>
+              </a:defRPr>
+            </a:lvl1pPr>
+          </a:lstStyle>
+          <a:p>
+            <a:pPr marL="0" marR="0" lvl="0" indent="0" algn="r" defTabSz="914400" rtl="0" eaLnBrk="1" fontAlgn="base" latinLnBrk="0" hangingPunct="1">
+              <a:lnSpc>
+                <a:spcPct val="100000"/>
+              </a:lnSpc>
+              <a:spcBef>
+                <a:spcPct val="0"/>
+              </a:spcBef>
+              <a:spcAft>
+                <a:spcPct val="0"/>
+              </a:spcAft>
+              <a:buClrTx/>
+              <a:buSzTx/>
+              <a:buFontTx/>
+              <a:buNone/>
+              <a:tabLst/>
+              <a:defRPr/>
+            </a:pPr>
+            <a:r>
+              <a:rPr kumimoji="0" lang="en-US" sz="1200" b="0" i="0" u="none" strike="noStrike" kern="1200" cap="none" spc="0" normalizeH="0" baseline="0" noProof="0" dirty="0" err="1" smtClean="0">
+                <a:ln>
+                  <a:noFill/>
+                </a:ln>
+                <a:solidFill>
+                  <a:schemeClr val="tx1"/>
+                </a:solidFill>
+                <a:effectLst/>
+                <a:uLnTx/>
+                <a:uFillTx/>
+                <a:latin typeface="+mn-lt"/>
+                <a:ea typeface="+mn-ea"/>
+                <a:cs typeface="+mn-cs"/>
+              </a:rPr>
+              <a:t>lec</a:t>
+            </a:r>
+            <a:r>
+              <a:rPr kumimoji="0" lang="en-US" sz="1200" b="0" i="0" u="none" strike="noStrike" kern="1200" cap="none" spc="0" normalizeH="0" baseline="0" noProof="0" dirty="0" smtClean="0">
+                <a:ln>
+                  <a:noFill/>
+                </a:ln>
+                <a:solidFill>
+                  <a:schemeClr val="tx1"/>
+                </a:solidFill>
+                <a:effectLst/>
+                <a:uLnTx/>
+                <a:uFillTx/>
+                <a:latin typeface="+mn-lt"/>
+                <a:ea typeface="+mn-ea"/>
+                <a:cs typeface="+mn-cs"/>
+              </a:rPr>
+              <a:t> !2M.</a:t>
+            </a:r>
+            <a:fld id="{B9A0B45D-6AFD-413C-B761-B121FB8BE940}" type="slidenum">
+              <a:rPr kumimoji="0" lang="en-US" sz="1200" b="0" i="0" u="none" strike="noStrike" kern="1200" cap="none" spc="0" normalizeH="0" baseline="0" noProof="0" smtClean="0">
+                <a:ln>
+                  <a:noFill/>
+                </a:ln>
+                <a:solidFill>
+                  <a:schemeClr val="tx1"/>
+                </a:solidFill>
+                <a:effectLst/>
+                <a:uLnTx/>
+                <a:uFillTx/>
+                <a:latin typeface="+mn-lt"/>
+                <a:ea typeface="+mn-ea"/>
+                <a:cs typeface="+mn-cs"/>
+              </a:rPr>
+              <a:pPr marL="0" marR="0" lvl="0" indent="0" algn="r" defTabSz="914400" rtl="0" eaLnBrk="1" fontAlgn="base" latinLnBrk="0" hangingPunct="1">
+                <a:lnSpc>
+                  <a:spcPct val="100000"/>
+                </a:lnSpc>
+                <a:spcBef>
+                  <a:spcPct val="0"/>
+                </a:spcBef>
+                <a:spcAft>
+                  <a:spcPct val="0"/>
+                </a:spcAft>
+                <a:buClrTx/>
+                <a:buSzTx/>
+                <a:buFontTx/>
+                <a:buNone/>
+                <a:tabLst/>
+                <a:defRPr/>
+              </a:pPr>
+              <a:t>10</a:t>
+            </a:fld>
+            <a:endParaRPr kumimoji="0" lang="en-US" sz="1200" b="0" i="0" u="none" strike="noStrike" kern="1200" cap="none" spc="0" normalizeH="0" baseline="0" noProof="0" dirty="0">
+              <a:ln>
+                <a:noFill/>
+              </a:ln>
+              <a:solidFill>
+                <a:schemeClr val="tx1"/>
+              </a:solidFill>
+              <a:effectLst/>
+              <a:uLnTx/>
+              <a:uFillTx/>
+              <a:latin typeface="+mn-lt"/>
+              <a:ea typeface="+mn-ea"/>
+              <a:cs typeface="+mn-cs"/>
+            </a:endParaRPr>
+          </a:p>
+        </p:txBody>
+      </p:sp>
+      <p:sp>
+        <p:nvSpPr>
+          <p:cNvPr id="13" name="Rectangle 4"/>
+          <p:cNvSpPr txBox="1">
+            <a:spLocks noChangeArrowheads="1"/>
+          </p:cNvSpPr>
+          <p:nvPr/>
+        </p:nvSpPr>
+        <p:spPr bwMode="auto">
+          <a:xfrm>
+            <a:off x="1447800" y="381000"/>
+            <a:ext cx="6553200" cy="838200"/>
+          </a:xfrm>
+          <a:prstGeom prst="rect">
+            <a:avLst/>
+          </a:prstGeom>
+          <a:noFill/>
+          <a:ln w="9525">
+            <a:noFill/>
+            <a:miter lim="800000"/>
+            <a:headEnd/>
+            <a:tailEnd/>
+          </a:ln>
+        </p:spPr>
+        <p:txBody>
+          <a:bodyPr vert="horz" wrap="square" lIns="91440" tIns="45720" rIns="91440" bIns="45720" numCol="1" anchor="ctr" anchorCtr="0" compatLnSpc="1">
+            <a:prstTxWarp prst="textNoShape">
+              <a:avLst/>
+            </a:prstTxWarp>
+          </a:bodyPr>
+          <a:lstStyle>
+            <a:lvl1pPr algn="ctr" rtl="0" eaLnBrk="0" fontAlgn="base" hangingPunct="0">
+              <a:spcBef>
+                <a:spcPct val="0"/>
+              </a:spcBef>
+              <a:spcAft>
+                <a:spcPct val="0"/>
+              </a:spcAft>
+              <a:defRPr sz="3200" b="1">
+                <a:solidFill>
+                  <a:schemeClr val="tx2"/>
+                </a:solidFill>
+                <a:latin typeface="+mj-lt"/>
+                <a:ea typeface="+mj-ea"/>
+                <a:cs typeface="+mj-cs"/>
+              </a:defRPr>
+            </a:lvl1pPr>
+            <a:lvl2pPr algn="ctr" rtl="0" eaLnBrk="0" fontAlgn="base" hangingPunct="0">
+              <a:spcBef>
+                <a:spcPct val="0"/>
+              </a:spcBef>
+              <a:spcAft>
+                <a:spcPct val="0"/>
+              </a:spcAft>
+              <a:defRPr sz="3600" b="1">
+                <a:solidFill>
+                  <a:schemeClr val="tx2"/>
+                </a:solidFill>
+                <a:latin typeface="Comic Sans MS" pitchFamily="66" charset="0"/>
+              </a:defRPr>
+            </a:lvl2pPr>
+            <a:lvl3pPr algn="ctr" rtl="0" eaLnBrk="0" fontAlgn="base" hangingPunct="0">
+              <a:spcBef>
+                <a:spcPct val="0"/>
+              </a:spcBef>
+              <a:spcAft>
+                <a:spcPct val="0"/>
+              </a:spcAft>
+              <a:defRPr sz="3600" b="1">
+                <a:solidFill>
+                  <a:schemeClr val="tx2"/>
+                </a:solidFill>
+                <a:latin typeface="Comic Sans MS" pitchFamily="66" charset="0"/>
+              </a:defRPr>
+            </a:lvl3pPr>
+            <a:lvl4pPr algn="ctr" rtl="0" eaLnBrk="0" fontAlgn="base" hangingPunct="0">
+              <a:spcBef>
+                <a:spcPct val="0"/>
+              </a:spcBef>
+              <a:spcAft>
+                <a:spcPct val="0"/>
+              </a:spcAft>
+              <a:defRPr sz="3600" b="1">
+                <a:solidFill>
+                  <a:schemeClr val="tx2"/>
+                </a:solidFill>
+                <a:latin typeface="Comic Sans MS" pitchFamily="66" charset="0"/>
+              </a:defRPr>
+            </a:lvl4pPr>
+            <a:lvl5pPr algn="ctr" rtl="0" eaLnBrk="0" fontAlgn="base" hangingPunct="0">
+              <a:spcBef>
+                <a:spcPct val="0"/>
+              </a:spcBef>
+              <a:spcAft>
+                <a:spcPct val="0"/>
+              </a:spcAft>
+              <a:defRPr sz="3600" b="1">
+                <a:solidFill>
+                  <a:schemeClr val="tx2"/>
+                </a:solidFill>
+                <a:latin typeface="Comic Sans MS" pitchFamily="66" charset="0"/>
+              </a:defRPr>
+            </a:lvl5pPr>
+            <a:lvl6pPr marL="457200" algn="ctr" rtl="0" fontAlgn="base">
+              <a:spcBef>
+                <a:spcPct val="0"/>
+              </a:spcBef>
+              <a:spcAft>
+                <a:spcPct val="0"/>
+              </a:spcAft>
+              <a:defRPr sz="3600" b="1">
+                <a:solidFill>
+                  <a:schemeClr val="tx2"/>
+                </a:solidFill>
+                <a:latin typeface="Comic Sans MS" pitchFamily="66" charset="0"/>
+              </a:defRPr>
+            </a:lvl6pPr>
+            <a:lvl7pPr marL="914400" algn="ctr" rtl="0" fontAlgn="base">
+              <a:spcBef>
+                <a:spcPct val="0"/>
+              </a:spcBef>
+              <a:spcAft>
+                <a:spcPct val="0"/>
+              </a:spcAft>
+              <a:defRPr sz="3600" b="1">
+                <a:solidFill>
+                  <a:schemeClr val="tx2"/>
+                </a:solidFill>
+                <a:latin typeface="Comic Sans MS" pitchFamily="66" charset="0"/>
+              </a:defRPr>
+            </a:lvl7pPr>
+            <a:lvl8pPr marL="1371600" algn="ctr" rtl="0" fontAlgn="base">
+              <a:spcBef>
+                <a:spcPct val="0"/>
+              </a:spcBef>
+              <a:spcAft>
+                <a:spcPct val="0"/>
+              </a:spcAft>
+              <a:defRPr sz="3600" b="1">
+                <a:solidFill>
+                  <a:schemeClr val="tx2"/>
+                </a:solidFill>
+                <a:latin typeface="Comic Sans MS" pitchFamily="66" charset="0"/>
+              </a:defRPr>
+            </a:lvl8pPr>
+            <a:lvl9pPr marL="1828800" algn="ctr" rtl="0" fontAlgn="base">
+              <a:spcBef>
+                <a:spcPct val="0"/>
+              </a:spcBef>
+              <a:spcAft>
+                <a:spcPct val="0"/>
+              </a:spcAft>
+              <a:defRPr sz="3600" b="1">
+                <a:solidFill>
+                  <a:schemeClr val="tx2"/>
+                </a:solidFill>
+                <a:latin typeface="Comic Sans MS" pitchFamily="66" charset="0"/>
+              </a:defRPr>
+            </a:lvl9pPr>
+          </a:lstStyle>
+          <a:p>
+            <a:pPr eaLnBrk="1" hangingPunct="1"/>
+            <a:r>
+              <a:rPr lang="en-US" sz="4000" smtClean="0">
+                <a:solidFill>
+                  <a:schemeClr val="tx1"/>
+                </a:solidFill>
+              </a:rPr>
+              <a:t>TB testing by cases</a:t>
+            </a:r>
+            <a:endParaRPr lang="en-US" sz="4000" dirty="0" smtClean="0">
+              <a:solidFill>
+                <a:schemeClr val="tx1"/>
+              </a:solidFill>
+            </a:endParaRPr>
+          </a:p>
+        </p:txBody>
+      </p:sp>
+      <p:graphicFrame>
+        <p:nvGraphicFramePr>
+          <p:cNvPr id="8" name="Object 7"/>
+          <p:cNvGraphicFramePr>
+            <a:graphicFrameLocks noChangeAspect="1"/>
+          </p:cNvGraphicFramePr>
+          <p:nvPr>
+            <p:extLst>
+              <p:ext uri="{D42A27DB-BD31-4B8C-83A1-F6EECF244321}">
+                <p14:modId xmlns:p14="http://schemas.microsoft.com/office/powerpoint/2010/main" val="89498826"/>
+              </p:ext>
+            </p:extLst>
+          </p:nvPr>
+        </p:nvGraphicFramePr>
+        <p:xfrm>
+          <a:off x="828007" y="1203507"/>
+          <a:ext cx="6303043" cy="1801662"/>
+        </p:xfrm>
+        <a:graphic>
+          <a:graphicData uri="http://schemas.openxmlformats.org/presentationml/2006/ole">
+            <mc:AlternateContent xmlns:mc="http://schemas.openxmlformats.org/markup-compatibility/2006">
+              <mc:Choice xmlns:v="urn:schemas-microsoft-com:vml" Requires="v">
+                <p:oleObj spid="_x0000_s358407" name="Equation" r:id="rId4" imgW="1727200" imgH="495300" progId="Equation.DSMT4">
+                  <p:embed/>
+                </p:oleObj>
+              </mc:Choice>
+              <mc:Fallback>
+                <p:oleObj name="Equation" r:id="rId4" imgW="1727200" imgH="495300" progId="Equation.DSMT4">
+                  <p:embed/>
+                  <p:pic>
+                    <p:nvPicPr>
+                      <p:cNvPr id="0" name=""/>
+                      <p:cNvPicPr/>
+                      <p:nvPr/>
+                    </p:nvPicPr>
+                    <p:blipFill>
+                      <a:blip r:embed="rId5"/>
+                      <a:stretch>
+                        <a:fillRect/>
+                      </a:stretch>
+                    </p:blipFill>
+                    <p:spPr>
+                      <a:xfrm>
+                        <a:off x="828007" y="1203507"/>
+                        <a:ext cx="6303043" cy="1801662"/>
+                      </a:xfrm>
+                      <a:prstGeom prst="rect">
+                        <a:avLst/>
+                      </a:prstGeom>
+                    </p:spPr>
+                  </p:pic>
+                </p:oleObj>
+              </mc:Fallback>
+            </mc:AlternateContent>
+          </a:graphicData>
+        </a:graphic>
+      </p:graphicFrame>
+    </p:spTree>
+    <p:extLst>
+      <p:ext uri="{BB962C8B-B14F-4D97-AF65-F5344CB8AC3E}">
+        <p14:creationId xmlns:p14="http://schemas.microsoft.com/office/powerpoint/2010/main" val="92241869"/>
+      </p:ext>
+    </p:extLst>
+  </p:cSld>
+  <p:clrMapOvr>
+    <a:masterClrMapping/>
+  </p:clrMapOvr>
+  <mc:AlternateContent xmlns:mc="http://schemas.openxmlformats.org/markup-compatibility/2006">
+    <mc:Choice xmlns:p14="http://schemas.microsoft.com/office/powerpoint/2010/main" Requires="p14">
+      <p:transition spd="med" p14:dur="700">
+        <p:fade/>
+      </p:transition>
+    </mc:Choice>
+    <mc:Fallback>
+      <p:transition xmlns:p14="http://schemas.microsoft.com/office/powerpoint/2010/main" spd="med">
+        <p:fade/>
+      </p:transition>
+    </mc:Fallback>
+  </mc:AlternateContent>
+  <p:timing>
+    <p:tnLst>
+      <p:par>
+        <p:cTn xmlns:p14="http://schemas.microsoft.com/office/powerpoint/2010/main" id="1" dur="indefinite" restart="never" nodeType="tmRoot"/>
+      </p:par>
+    </p:tnLst>
+  </p:timing>
+</p:sld>
+</file>
+
+<file path=ppt/slides/slide11.xml><?xml version="1.0" encoding="utf-8"?>
+<p:sld xmlns:a="http://schemas.openxmlformats.org/drawingml/2006/main" xmlns:r="http://schemas.openxmlformats.org/officeDocument/2006/relationships" xmlns:p="http://schemas.openxmlformats.org/presentationml/2006/main">
+  <p:cSld>
+    <p:spTree>
+      <p:nvGrpSpPr>
+        <p:cNvPr id="1" name=""/>
+        <p:cNvGrpSpPr/>
+        <p:nvPr/>
+      </p:nvGrpSpPr>
+      <p:grpSpPr>
+        <a:xfrm>
+          <a:off x="0" y="0"/>
+          <a:ext cx="0" cy="0"/>
+          <a:chOff x="0" y="0"/>
+          <a:chExt cx="0" cy="0"/>
+        </a:xfrm>
+      </p:grpSpPr>
+      <p:sp>
+        <p:nvSpPr>
+          <p:cNvPr id="20" name="Slide Number Placeholder 3"/>
+          <p:cNvSpPr>
+            <a:spLocks noGrp="1"/>
+          </p:cNvSpPr>
+          <p:nvPr>
+            <p:ph type="sldNum" sz="quarter" idx="4"/>
+          </p:nvPr>
+        </p:nvSpPr>
+        <p:spPr>
+          <a:xfrm>
+            <a:off x="7696200" y="6629400"/>
+            <a:ext cx="1447800" cy="228600"/>
+          </a:xfrm>
+        </p:spPr>
+        <p:txBody>
+          <a:bodyPr/>
+          <a:lstStyle/>
+          <a:p>
+            <a:pPr>
+              <a:defRPr/>
+            </a:pPr>
+            <a:r>
+              <a:rPr lang="en-US" dirty="0" err="1"/>
+              <a:t>lec</a:t>
+            </a:r>
+            <a:r>
+              <a:rPr lang="en-US" dirty="0" smtClean="0"/>
+              <a:t> !2M.</a:t>
+            </a:r>
+            <a:fld id="{EAD82470-6C7C-49DD-8212-C557C8A87E2B}" type="slidenum">
+              <a:rPr lang="en-US" smtClean="0"/>
+              <a:pPr>
+                <a:defRPr/>
+              </a:pPr>
+              <a:t>11</a:t>
+            </a:fld>
+            <a:endParaRPr lang="en-US" dirty="0"/>
+          </a:p>
+        </p:txBody>
+      </p:sp>
+      <p:cxnSp>
+        <p:nvCxnSpPr>
+          <p:cNvPr id="30727" name="AutoShape 21"/>
+          <p:cNvCxnSpPr>
+            <a:cxnSpLocks noChangeShapeType="1"/>
+          </p:cNvCxnSpPr>
+          <p:nvPr/>
+        </p:nvCxnSpPr>
+        <p:spPr bwMode="auto">
+          <a:xfrm>
+            <a:off x="1219200" y="3543300"/>
+            <a:ext cx="0" cy="0"/>
+          </a:xfrm>
+          <a:prstGeom prst="straightConnector1">
+            <a:avLst/>
+          </a:prstGeom>
+          <a:noFill/>
+          <a:ln w="9525">
+            <a:solidFill>
+              <a:schemeClr val="tx1"/>
+            </a:solidFill>
+            <a:round/>
+            <a:headEnd/>
+            <a:tailEnd/>
+          </a:ln>
+        </p:spPr>
+      </p:cxnSp>
+      <p:sp>
+        <p:nvSpPr>
+          <p:cNvPr id="39" name="Rectangle 4"/>
+          <p:cNvSpPr txBox="1">
+            <a:spLocks noChangeArrowheads="1"/>
+          </p:cNvSpPr>
+          <p:nvPr/>
+        </p:nvSpPr>
+        <p:spPr bwMode="auto">
+          <a:xfrm>
+            <a:off x="7696200" y="6629400"/>
+            <a:ext cx="1447800" cy="228600"/>
+          </a:xfrm>
+          <a:prstGeom prst="rect">
+            <a:avLst/>
+          </a:prstGeom>
+          <a:noFill/>
+          <a:ln w="9525">
+            <a:noFill/>
+            <a:miter lim="800000"/>
+            <a:headEnd/>
+            <a:tailEnd/>
+          </a:ln>
+          <a:effectLst/>
+        </p:spPr>
+        <p:txBody>
+          <a:bodyPr vert="horz" wrap="square" lIns="91440" tIns="45720" rIns="91440" bIns="45720" numCol="1" anchor="t" anchorCtr="0" compatLnSpc="1">
+            <a:prstTxWarp prst="textNoShape">
+              <a:avLst/>
+            </a:prstTxWarp>
+          </a:bodyPr>
+          <a:lstStyle>
+            <a:lvl1pPr algn="r">
+              <a:defRPr sz="1200" dirty="0" err="1" smtClean="0">
+                <a:latin typeface="+mn-lt"/>
+              </a:defRPr>
+            </a:lvl1pPr>
+          </a:lstStyle>
+          <a:p>
+            <a:pPr marL="0" marR="0" lvl="0" indent="0" algn="r" defTabSz="914400" rtl="0" eaLnBrk="1" fontAlgn="base" latinLnBrk="0" hangingPunct="1">
+              <a:lnSpc>
+                <a:spcPct val="100000"/>
+              </a:lnSpc>
+              <a:spcBef>
+                <a:spcPct val="0"/>
+              </a:spcBef>
+              <a:spcAft>
+                <a:spcPct val="0"/>
+              </a:spcAft>
+              <a:buClrTx/>
+              <a:buSzTx/>
+              <a:buFontTx/>
+              <a:buNone/>
+              <a:tabLst/>
+              <a:defRPr/>
+            </a:pPr>
+            <a:r>
+              <a:rPr kumimoji="0" lang="en-US" sz="1200" b="0" i="0" u="none" strike="noStrike" kern="1200" cap="none" spc="0" normalizeH="0" baseline="0" noProof="0" dirty="0" err="1" smtClean="0">
+                <a:ln>
+                  <a:noFill/>
+                </a:ln>
+                <a:solidFill>
+                  <a:schemeClr val="tx1"/>
+                </a:solidFill>
+                <a:effectLst/>
+                <a:uLnTx/>
+                <a:uFillTx/>
+                <a:latin typeface="+mn-lt"/>
+                <a:ea typeface="+mn-ea"/>
+                <a:cs typeface="+mn-cs"/>
+              </a:rPr>
+              <a:t>lec</a:t>
+            </a:r>
+            <a:r>
+              <a:rPr kumimoji="0" lang="en-US" sz="1200" b="0" i="0" u="none" strike="noStrike" kern="1200" cap="none" spc="0" normalizeH="0" baseline="0" noProof="0" dirty="0" smtClean="0">
+                <a:ln>
+                  <a:noFill/>
+                </a:ln>
+                <a:solidFill>
+                  <a:schemeClr val="tx1"/>
+                </a:solidFill>
+                <a:effectLst/>
+                <a:uLnTx/>
+                <a:uFillTx/>
+                <a:latin typeface="+mn-lt"/>
+                <a:ea typeface="+mn-ea"/>
+                <a:cs typeface="+mn-cs"/>
+              </a:rPr>
+              <a:t> !2M.</a:t>
+            </a:r>
+            <a:fld id="{B9A0B45D-6AFD-413C-B761-B121FB8BE940}" type="slidenum">
+              <a:rPr kumimoji="0" lang="en-US" sz="1200" b="0" i="0" u="none" strike="noStrike" kern="1200" cap="none" spc="0" normalizeH="0" baseline="0" noProof="0" smtClean="0">
+                <a:ln>
+                  <a:noFill/>
+                </a:ln>
+                <a:solidFill>
+                  <a:schemeClr val="tx1"/>
+                </a:solidFill>
+                <a:effectLst/>
+                <a:uLnTx/>
+                <a:uFillTx/>
+                <a:latin typeface="+mn-lt"/>
+                <a:ea typeface="+mn-ea"/>
+                <a:cs typeface="+mn-cs"/>
+              </a:rPr>
+              <a:pPr marL="0" marR="0" lvl="0" indent="0" algn="r" defTabSz="914400" rtl="0" eaLnBrk="1" fontAlgn="base" latinLnBrk="0" hangingPunct="1">
+                <a:lnSpc>
+                  <a:spcPct val="100000"/>
+                </a:lnSpc>
+                <a:spcBef>
+                  <a:spcPct val="0"/>
+                </a:spcBef>
+                <a:spcAft>
+                  <a:spcPct val="0"/>
+                </a:spcAft>
+                <a:buClrTx/>
+                <a:buSzTx/>
+                <a:buFontTx/>
+                <a:buNone/>
+                <a:tabLst/>
+                <a:defRPr/>
+              </a:pPr>
+              <a:t>11</a:t>
+            </a:fld>
+            <a:endParaRPr kumimoji="0" lang="en-US" sz="1200" b="0" i="0" u="none" strike="noStrike" kern="1200" cap="none" spc="0" normalizeH="0" baseline="0" noProof="0" dirty="0">
+              <a:ln>
+                <a:noFill/>
+              </a:ln>
+              <a:solidFill>
+                <a:schemeClr val="tx1"/>
+              </a:solidFill>
+              <a:effectLst/>
+              <a:uLnTx/>
+              <a:uFillTx/>
+              <a:latin typeface="+mn-lt"/>
+              <a:ea typeface="+mn-ea"/>
+              <a:cs typeface="+mn-cs"/>
+            </a:endParaRPr>
+          </a:p>
+        </p:txBody>
+      </p:sp>
+      <p:sp>
+        <p:nvSpPr>
+          <p:cNvPr id="13" name="Rectangle 4"/>
+          <p:cNvSpPr txBox="1">
+            <a:spLocks noChangeArrowheads="1"/>
+          </p:cNvSpPr>
+          <p:nvPr/>
+        </p:nvSpPr>
+        <p:spPr bwMode="auto">
+          <a:xfrm>
+            <a:off x="1447800" y="381000"/>
+            <a:ext cx="6553200" cy="838200"/>
+          </a:xfrm>
+          <a:prstGeom prst="rect">
+            <a:avLst/>
+          </a:prstGeom>
+          <a:noFill/>
+          <a:ln w="9525">
+            <a:noFill/>
+            <a:miter lim="800000"/>
+            <a:headEnd/>
+            <a:tailEnd/>
+          </a:ln>
+        </p:spPr>
+        <p:txBody>
+          <a:bodyPr vert="horz" wrap="square" lIns="91440" tIns="45720" rIns="91440" bIns="45720" numCol="1" anchor="ctr" anchorCtr="0" compatLnSpc="1">
+            <a:prstTxWarp prst="textNoShape">
+              <a:avLst/>
+            </a:prstTxWarp>
+          </a:bodyPr>
+          <a:lstStyle>
+            <a:lvl1pPr algn="ctr" rtl="0" eaLnBrk="0" fontAlgn="base" hangingPunct="0">
+              <a:spcBef>
+                <a:spcPct val="0"/>
+              </a:spcBef>
+              <a:spcAft>
+                <a:spcPct val="0"/>
+              </a:spcAft>
+              <a:defRPr sz="3200" b="1">
+                <a:solidFill>
+                  <a:schemeClr val="tx2"/>
+                </a:solidFill>
+                <a:latin typeface="+mj-lt"/>
+                <a:ea typeface="+mj-ea"/>
+                <a:cs typeface="+mj-cs"/>
+              </a:defRPr>
+            </a:lvl1pPr>
+            <a:lvl2pPr algn="ctr" rtl="0" eaLnBrk="0" fontAlgn="base" hangingPunct="0">
+              <a:spcBef>
+                <a:spcPct val="0"/>
+              </a:spcBef>
+              <a:spcAft>
+                <a:spcPct val="0"/>
+              </a:spcAft>
+              <a:defRPr sz="3600" b="1">
+                <a:solidFill>
+                  <a:schemeClr val="tx2"/>
+                </a:solidFill>
+                <a:latin typeface="Comic Sans MS" pitchFamily="66" charset="0"/>
+              </a:defRPr>
+            </a:lvl2pPr>
+            <a:lvl3pPr algn="ctr" rtl="0" eaLnBrk="0" fontAlgn="base" hangingPunct="0">
+              <a:spcBef>
+                <a:spcPct val="0"/>
+              </a:spcBef>
+              <a:spcAft>
+                <a:spcPct val="0"/>
+              </a:spcAft>
+              <a:defRPr sz="3600" b="1">
+                <a:solidFill>
+                  <a:schemeClr val="tx2"/>
+                </a:solidFill>
+                <a:latin typeface="Comic Sans MS" pitchFamily="66" charset="0"/>
+              </a:defRPr>
+            </a:lvl3pPr>
+            <a:lvl4pPr algn="ctr" rtl="0" eaLnBrk="0" fontAlgn="base" hangingPunct="0">
+              <a:spcBef>
+                <a:spcPct val="0"/>
+              </a:spcBef>
+              <a:spcAft>
+                <a:spcPct val="0"/>
+              </a:spcAft>
+              <a:defRPr sz="3600" b="1">
+                <a:solidFill>
+                  <a:schemeClr val="tx2"/>
+                </a:solidFill>
+                <a:latin typeface="Comic Sans MS" pitchFamily="66" charset="0"/>
+              </a:defRPr>
+            </a:lvl4pPr>
+            <a:lvl5pPr algn="ctr" rtl="0" eaLnBrk="0" fontAlgn="base" hangingPunct="0">
+              <a:spcBef>
+                <a:spcPct val="0"/>
+              </a:spcBef>
+              <a:spcAft>
+                <a:spcPct val="0"/>
+              </a:spcAft>
+              <a:defRPr sz="3600" b="1">
+                <a:solidFill>
+                  <a:schemeClr val="tx2"/>
+                </a:solidFill>
+                <a:latin typeface="Comic Sans MS" pitchFamily="66" charset="0"/>
+              </a:defRPr>
+            </a:lvl5pPr>
+            <a:lvl6pPr marL="457200" algn="ctr" rtl="0" fontAlgn="base">
+              <a:spcBef>
+                <a:spcPct val="0"/>
+              </a:spcBef>
+              <a:spcAft>
+                <a:spcPct val="0"/>
+              </a:spcAft>
+              <a:defRPr sz="3600" b="1">
+                <a:solidFill>
+                  <a:schemeClr val="tx2"/>
+                </a:solidFill>
+                <a:latin typeface="Comic Sans MS" pitchFamily="66" charset="0"/>
+              </a:defRPr>
+            </a:lvl6pPr>
+            <a:lvl7pPr marL="914400" algn="ctr" rtl="0" fontAlgn="base">
+              <a:spcBef>
+                <a:spcPct val="0"/>
+              </a:spcBef>
+              <a:spcAft>
+                <a:spcPct val="0"/>
+              </a:spcAft>
+              <a:defRPr sz="3600" b="1">
+                <a:solidFill>
+                  <a:schemeClr val="tx2"/>
+                </a:solidFill>
+                <a:latin typeface="Comic Sans MS" pitchFamily="66" charset="0"/>
+              </a:defRPr>
+            </a:lvl7pPr>
+            <a:lvl8pPr marL="1371600" algn="ctr" rtl="0" fontAlgn="base">
+              <a:spcBef>
+                <a:spcPct val="0"/>
+              </a:spcBef>
+              <a:spcAft>
+                <a:spcPct val="0"/>
+              </a:spcAft>
+              <a:defRPr sz="3600" b="1">
+                <a:solidFill>
+                  <a:schemeClr val="tx2"/>
+                </a:solidFill>
+                <a:latin typeface="Comic Sans MS" pitchFamily="66" charset="0"/>
+              </a:defRPr>
+            </a:lvl8pPr>
+            <a:lvl9pPr marL="1828800" algn="ctr" rtl="0" fontAlgn="base">
+              <a:spcBef>
+                <a:spcPct val="0"/>
+              </a:spcBef>
+              <a:spcAft>
+                <a:spcPct val="0"/>
+              </a:spcAft>
+              <a:defRPr sz="3600" b="1">
+                <a:solidFill>
+                  <a:schemeClr val="tx2"/>
+                </a:solidFill>
+                <a:latin typeface="Comic Sans MS" pitchFamily="66" charset="0"/>
+              </a:defRPr>
+            </a:lvl9pPr>
+          </a:lstStyle>
+          <a:p>
+            <a:pPr eaLnBrk="1" hangingPunct="1"/>
+            <a:r>
+              <a:rPr lang="en-US" sz="4000" smtClean="0">
+                <a:solidFill>
+                  <a:schemeClr val="tx1"/>
+                </a:solidFill>
+              </a:rPr>
+              <a:t>TB testing by cases</a:t>
+            </a:r>
+            <a:endParaRPr lang="en-US" sz="4000" dirty="0" smtClean="0">
+              <a:solidFill>
+                <a:schemeClr val="tx1"/>
+              </a:solidFill>
+            </a:endParaRPr>
+          </a:p>
+        </p:txBody>
+      </p:sp>
+      <p:graphicFrame>
+        <p:nvGraphicFramePr>
+          <p:cNvPr id="7" name="Object 6"/>
+          <p:cNvGraphicFramePr>
+            <a:graphicFrameLocks noChangeAspect="1"/>
+          </p:cNvGraphicFramePr>
+          <p:nvPr>
+            <p:extLst>
+              <p:ext uri="{D42A27DB-BD31-4B8C-83A1-F6EECF244321}">
+                <p14:modId xmlns:p14="http://schemas.microsoft.com/office/powerpoint/2010/main" val="2745202180"/>
+              </p:ext>
+            </p:extLst>
+          </p:nvPr>
+        </p:nvGraphicFramePr>
+        <p:xfrm>
+          <a:off x="796875" y="1295208"/>
+          <a:ext cx="7272333" cy="1755335"/>
+        </p:xfrm>
+        <a:graphic>
+          <a:graphicData uri="http://schemas.openxmlformats.org/presentationml/2006/ole">
+            <mc:AlternateContent xmlns:mc="http://schemas.openxmlformats.org/markup-compatibility/2006">
+              <mc:Choice xmlns:v="urn:schemas-microsoft-com:vml" Requires="v">
+                <p:oleObj spid="_x0000_s361477" name="Equation" r:id="rId4" imgW="2044700" imgH="495300" progId="Equation.DSMT4">
+                  <p:embed/>
+                </p:oleObj>
+              </mc:Choice>
+              <mc:Fallback>
+                <p:oleObj name="Equation" r:id="rId4" imgW="2044700" imgH="495300" progId="Equation.DSMT4">
+                  <p:embed/>
+                  <p:pic>
+                    <p:nvPicPr>
+                      <p:cNvPr id="0" name=""/>
+                      <p:cNvPicPr/>
+                      <p:nvPr/>
+                    </p:nvPicPr>
+                    <p:blipFill>
+                      <a:blip r:embed="rId5"/>
+                      <a:stretch>
+                        <a:fillRect/>
+                      </a:stretch>
+                    </p:blipFill>
+                    <p:spPr>
+                      <a:xfrm>
+                        <a:off x="796875" y="1295208"/>
+                        <a:ext cx="7272333" cy="1755335"/>
+                      </a:xfrm>
+                      <a:prstGeom prst="rect">
+                        <a:avLst/>
+                      </a:prstGeom>
+                    </p:spPr>
+                  </p:pic>
+                </p:oleObj>
+              </mc:Fallback>
+            </mc:AlternateContent>
+          </a:graphicData>
+        </a:graphic>
+      </p:graphicFrame>
+    </p:spTree>
+    <p:extLst>
+      <p:ext uri="{BB962C8B-B14F-4D97-AF65-F5344CB8AC3E}">
+        <p14:creationId xmlns:p14="http://schemas.microsoft.com/office/powerpoint/2010/main" val="1808849290"/>
+      </p:ext>
+    </p:extLst>
+  </p:cSld>
+  <p:clrMapOvr>
+    <a:masterClrMapping/>
+  </p:clrMapOvr>
+  <mc:AlternateContent xmlns:mc="http://schemas.openxmlformats.org/markup-compatibility/2006">
+    <mc:Choice xmlns:p14="http://schemas.microsoft.com/office/powerpoint/2010/main" Requires="p14">
+      <p:transition spd="med" p14:dur="700">
+        <p:fade/>
+      </p:transition>
+    </mc:Choice>
+    <mc:Fallback>
+      <p:transition xmlns:p14="http://schemas.microsoft.com/office/powerpoint/2010/main" spd="med">
+        <p:fade/>
+      </p:transition>
+    </mc:Fallback>
+  </mc:AlternateContent>
+  <p:timing>
+    <p:tnLst>
+      <p:par>
+        <p:cTn xmlns:p14="http://schemas.microsoft.com/office/powerpoint/2010/main" id="1" dur="indefinite" restart="never" nodeType="tmRoot"/>
+      </p:par>
+    </p:tnLst>
+  </p:timing>
+</p:sld>
+</file>
+
+<file path=ppt/slides/slide12.xml><?xml version="1.0" encoding="utf-8"?>
+<p:sld xmlns:a="http://schemas.openxmlformats.org/drawingml/2006/main" xmlns:r="http://schemas.openxmlformats.org/officeDocument/2006/relationships" xmlns:p="http://schemas.openxmlformats.org/presentationml/2006/main">
+  <p:cSld>
+    <p:spTree>
+      <p:nvGrpSpPr>
+        <p:cNvPr id="1" name=""/>
+        <p:cNvGrpSpPr/>
+        <p:nvPr/>
+      </p:nvGrpSpPr>
+      <p:grpSpPr>
+        <a:xfrm>
+          <a:off x="0" y="0"/>
+          <a:ext cx="0" cy="0"/>
+          <a:chOff x="0" y="0"/>
+          <a:chExt cx="0" cy="0"/>
+        </a:xfrm>
+      </p:grpSpPr>
+      <p:sp>
+        <p:nvSpPr>
+          <p:cNvPr id="20" name="Slide Number Placeholder 3"/>
+          <p:cNvSpPr>
+            <a:spLocks noGrp="1"/>
+          </p:cNvSpPr>
+          <p:nvPr>
+            <p:ph type="sldNum" sz="quarter" idx="4"/>
+          </p:nvPr>
+        </p:nvSpPr>
+        <p:spPr>
+          <a:xfrm>
+            <a:off x="7696200" y="6629400"/>
+            <a:ext cx="1447800" cy="228600"/>
+          </a:xfrm>
+        </p:spPr>
+        <p:txBody>
+          <a:bodyPr/>
+          <a:lstStyle/>
+          <a:p>
+            <a:pPr>
+              <a:defRPr/>
+            </a:pPr>
+            <a:r>
+              <a:rPr lang="en-US" dirty="0" err="1"/>
+              <a:t>lec</a:t>
+            </a:r>
+            <a:r>
+              <a:rPr lang="en-US" dirty="0" smtClean="0"/>
+              <a:t> !2M.</a:t>
+            </a:r>
+            <a:fld id="{EAD82470-6C7C-49DD-8212-C557C8A87E2B}" type="slidenum">
+              <a:rPr lang="en-US" smtClean="0"/>
+              <a:pPr>
+                <a:defRPr/>
+              </a:pPr>
+              <a:t>12</a:t>
+            </a:fld>
+            <a:endParaRPr lang="en-US" dirty="0"/>
+          </a:p>
+        </p:txBody>
+      </p:sp>
+      <p:cxnSp>
+        <p:nvCxnSpPr>
+          <p:cNvPr id="30727" name="AutoShape 21"/>
+          <p:cNvCxnSpPr>
+            <a:cxnSpLocks noChangeShapeType="1"/>
+          </p:cNvCxnSpPr>
+          <p:nvPr/>
+        </p:nvCxnSpPr>
+        <p:spPr bwMode="auto">
+          <a:xfrm>
+            <a:off x="1219200" y="3543300"/>
+            <a:ext cx="0" cy="0"/>
+          </a:xfrm>
+          <a:prstGeom prst="straightConnector1">
+            <a:avLst/>
+          </a:prstGeom>
+          <a:noFill/>
+          <a:ln w="9525">
+            <a:solidFill>
+              <a:schemeClr val="tx1"/>
+            </a:solidFill>
+            <a:round/>
+            <a:headEnd/>
+            <a:tailEnd/>
+          </a:ln>
+        </p:spPr>
+      </p:cxnSp>
+      <p:sp>
+        <p:nvSpPr>
+          <p:cNvPr id="39" name="Rectangle 4"/>
+          <p:cNvSpPr txBox="1">
+            <a:spLocks noChangeArrowheads="1"/>
+          </p:cNvSpPr>
+          <p:nvPr/>
+        </p:nvSpPr>
+        <p:spPr bwMode="auto">
+          <a:xfrm>
+            <a:off x="7696200" y="6629400"/>
+            <a:ext cx="1447800" cy="228600"/>
+          </a:xfrm>
+          <a:prstGeom prst="rect">
+            <a:avLst/>
+          </a:prstGeom>
+          <a:noFill/>
+          <a:ln w="9525">
+            <a:noFill/>
+            <a:miter lim="800000"/>
+            <a:headEnd/>
+            <a:tailEnd/>
+          </a:ln>
+          <a:effectLst/>
+        </p:spPr>
+        <p:txBody>
+          <a:bodyPr vert="horz" wrap="square" lIns="91440" tIns="45720" rIns="91440" bIns="45720" numCol="1" anchor="t" anchorCtr="0" compatLnSpc="1">
+            <a:prstTxWarp prst="textNoShape">
+              <a:avLst/>
+            </a:prstTxWarp>
+          </a:bodyPr>
+          <a:lstStyle>
+            <a:lvl1pPr algn="r">
+              <a:defRPr sz="1200" dirty="0" err="1" smtClean="0">
+                <a:latin typeface="+mn-lt"/>
+              </a:defRPr>
+            </a:lvl1pPr>
+          </a:lstStyle>
+          <a:p>
+            <a:pPr marL="0" marR="0" lvl="0" indent="0" algn="r" defTabSz="914400" rtl="0" eaLnBrk="1" fontAlgn="base" latinLnBrk="0" hangingPunct="1">
+              <a:lnSpc>
+                <a:spcPct val="100000"/>
+              </a:lnSpc>
+              <a:spcBef>
+                <a:spcPct val="0"/>
+              </a:spcBef>
+              <a:spcAft>
+                <a:spcPct val="0"/>
+              </a:spcAft>
+              <a:buClrTx/>
+              <a:buSzTx/>
+              <a:buFontTx/>
+              <a:buNone/>
+              <a:tabLst/>
+              <a:defRPr/>
+            </a:pPr>
+            <a:r>
+              <a:rPr kumimoji="0" lang="en-US" sz="1200" b="0" i="0" u="none" strike="noStrike" kern="1200" cap="none" spc="0" normalizeH="0" baseline="0" noProof="0" dirty="0" err="1" smtClean="0">
+                <a:ln>
+                  <a:noFill/>
+                </a:ln>
+                <a:solidFill>
+                  <a:schemeClr val="tx1"/>
+                </a:solidFill>
+                <a:effectLst/>
+                <a:uLnTx/>
+                <a:uFillTx/>
+                <a:latin typeface="+mn-lt"/>
+                <a:ea typeface="+mn-ea"/>
+                <a:cs typeface="+mn-cs"/>
+              </a:rPr>
+              <a:t>lec</a:t>
+            </a:r>
+            <a:r>
+              <a:rPr kumimoji="0" lang="en-US" sz="1200" b="0" i="0" u="none" strike="noStrike" kern="1200" cap="none" spc="0" normalizeH="0" baseline="0" noProof="0" dirty="0" smtClean="0">
+                <a:ln>
+                  <a:noFill/>
+                </a:ln>
+                <a:solidFill>
+                  <a:schemeClr val="tx1"/>
+                </a:solidFill>
+                <a:effectLst/>
+                <a:uLnTx/>
+                <a:uFillTx/>
+                <a:latin typeface="+mn-lt"/>
+                <a:ea typeface="+mn-ea"/>
+                <a:cs typeface="+mn-cs"/>
+              </a:rPr>
+              <a:t> !2M.</a:t>
+            </a:r>
+            <a:fld id="{B9A0B45D-6AFD-413C-B761-B121FB8BE940}" type="slidenum">
+              <a:rPr kumimoji="0" lang="en-US" sz="1200" b="0" i="0" u="none" strike="noStrike" kern="1200" cap="none" spc="0" normalizeH="0" baseline="0" noProof="0" smtClean="0">
+                <a:ln>
+                  <a:noFill/>
+                </a:ln>
+                <a:solidFill>
+                  <a:schemeClr val="tx1"/>
+                </a:solidFill>
+                <a:effectLst/>
+                <a:uLnTx/>
+                <a:uFillTx/>
+                <a:latin typeface="+mn-lt"/>
+                <a:ea typeface="+mn-ea"/>
+                <a:cs typeface="+mn-cs"/>
+              </a:rPr>
+              <a:pPr marL="0" marR="0" lvl="0" indent="0" algn="r" defTabSz="914400" rtl="0" eaLnBrk="1" fontAlgn="base" latinLnBrk="0" hangingPunct="1">
+                <a:lnSpc>
+                  <a:spcPct val="100000"/>
+                </a:lnSpc>
+                <a:spcBef>
+                  <a:spcPct val="0"/>
+                </a:spcBef>
+                <a:spcAft>
+                  <a:spcPct val="0"/>
+                </a:spcAft>
+                <a:buClrTx/>
+                <a:buSzTx/>
+                <a:buFontTx/>
+                <a:buNone/>
+                <a:tabLst/>
+                <a:defRPr/>
+              </a:pPr>
+              <a:t>12</a:t>
+            </a:fld>
+            <a:endParaRPr kumimoji="0" lang="en-US" sz="1200" b="0" i="0" u="none" strike="noStrike" kern="1200" cap="none" spc="0" normalizeH="0" baseline="0" noProof="0" dirty="0">
+              <a:ln>
+                <a:noFill/>
+              </a:ln>
+              <a:solidFill>
+                <a:schemeClr val="tx1"/>
+              </a:solidFill>
+              <a:effectLst/>
+              <a:uLnTx/>
+              <a:uFillTx/>
+              <a:latin typeface="+mn-lt"/>
+              <a:ea typeface="+mn-ea"/>
+              <a:cs typeface="+mn-cs"/>
+            </a:endParaRPr>
+          </a:p>
+        </p:txBody>
+      </p:sp>
+      <p:sp>
+        <p:nvSpPr>
+          <p:cNvPr id="13" name="Rectangle 4"/>
+          <p:cNvSpPr txBox="1">
+            <a:spLocks noChangeArrowheads="1"/>
+          </p:cNvSpPr>
+          <p:nvPr/>
+        </p:nvSpPr>
+        <p:spPr bwMode="auto">
+          <a:xfrm>
+            <a:off x="1447800" y="381000"/>
+            <a:ext cx="6553200" cy="838200"/>
+          </a:xfrm>
+          <a:prstGeom prst="rect">
+            <a:avLst/>
+          </a:prstGeom>
+          <a:noFill/>
+          <a:ln w="9525">
+            <a:noFill/>
+            <a:miter lim="800000"/>
+            <a:headEnd/>
+            <a:tailEnd/>
+          </a:ln>
+        </p:spPr>
+        <p:txBody>
+          <a:bodyPr vert="horz" wrap="square" lIns="91440" tIns="45720" rIns="91440" bIns="45720" numCol="1" anchor="ctr" anchorCtr="0" compatLnSpc="1">
+            <a:prstTxWarp prst="textNoShape">
+              <a:avLst/>
+            </a:prstTxWarp>
+          </a:bodyPr>
+          <a:lstStyle>
+            <a:lvl1pPr algn="ctr" rtl="0" eaLnBrk="0" fontAlgn="base" hangingPunct="0">
+              <a:spcBef>
+                <a:spcPct val="0"/>
+              </a:spcBef>
+              <a:spcAft>
+                <a:spcPct val="0"/>
+              </a:spcAft>
+              <a:defRPr sz="3200" b="1">
+                <a:solidFill>
+                  <a:schemeClr val="tx2"/>
+                </a:solidFill>
+                <a:latin typeface="+mj-lt"/>
+                <a:ea typeface="+mj-ea"/>
+                <a:cs typeface="+mj-cs"/>
+              </a:defRPr>
+            </a:lvl1pPr>
+            <a:lvl2pPr algn="ctr" rtl="0" eaLnBrk="0" fontAlgn="base" hangingPunct="0">
+              <a:spcBef>
+                <a:spcPct val="0"/>
+              </a:spcBef>
+              <a:spcAft>
+                <a:spcPct val="0"/>
+              </a:spcAft>
+              <a:defRPr sz="3600" b="1">
+                <a:solidFill>
+                  <a:schemeClr val="tx2"/>
+                </a:solidFill>
+                <a:latin typeface="Comic Sans MS" pitchFamily="66" charset="0"/>
+              </a:defRPr>
+            </a:lvl2pPr>
+            <a:lvl3pPr algn="ctr" rtl="0" eaLnBrk="0" fontAlgn="base" hangingPunct="0">
+              <a:spcBef>
+                <a:spcPct val="0"/>
+              </a:spcBef>
+              <a:spcAft>
+                <a:spcPct val="0"/>
+              </a:spcAft>
+              <a:defRPr sz="3600" b="1">
+                <a:solidFill>
+                  <a:schemeClr val="tx2"/>
+                </a:solidFill>
+                <a:latin typeface="Comic Sans MS" pitchFamily="66" charset="0"/>
+              </a:defRPr>
+            </a:lvl3pPr>
+            <a:lvl4pPr algn="ctr" rtl="0" eaLnBrk="0" fontAlgn="base" hangingPunct="0">
+              <a:spcBef>
+                <a:spcPct val="0"/>
+              </a:spcBef>
+              <a:spcAft>
+                <a:spcPct val="0"/>
+              </a:spcAft>
+              <a:defRPr sz="3600" b="1">
+                <a:solidFill>
+                  <a:schemeClr val="tx2"/>
+                </a:solidFill>
+                <a:latin typeface="Comic Sans MS" pitchFamily="66" charset="0"/>
+              </a:defRPr>
+            </a:lvl4pPr>
+            <a:lvl5pPr algn="ctr" rtl="0" eaLnBrk="0" fontAlgn="base" hangingPunct="0">
+              <a:spcBef>
+                <a:spcPct val="0"/>
+              </a:spcBef>
+              <a:spcAft>
+                <a:spcPct val="0"/>
+              </a:spcAft>
+              <a:defRPr sz="3600" b="1">
+                <a:solidFill>
+                  <a:schemeClr val="tx2"/>
+                </a:solidFill>
+                <a:latin typeface="Comic Sans MS" pitchFamily="66" charset="0"/>
+              </a:defRPr>
+            </a:lvl5pPr>
+            <a:lvl6pPr marL="457200" algn="ctr" rtl="0" fontAlgn="base">
+              <a:spcBef>
+                <a:spcPct val="0"/>
+              </a:spcBef>
+              <a:spcAft>
+                <a:spcPct val="0"/>
+              </a:spcAft>
+              <a:defRPr sz="3600" b="1">
+                <a:solidFill>
+                  <a:schemeClr val="tx2"/>
+                </a:solidFill>
+                <a:latin typeface="Comic Sans MS" pitchFamily="66" charset="0"/>
+              </a:defRPr>
+            </a:lvl6pPr>
+            <a:lvl7pPr marL="914400" algn="ctr" rtl="0" fontAlgn="base">
+              <a:spcBef>
+                <a:spcPct val="0"/>
+              </a:spcBef>
+              <a:spcAft>
+                <a:spcPct val="0"/>
+              </a:spcAft>
+              <a:defRPr sz="3600" b="1">
+                <a:solidFill>
+                  <a:schemeClr val="tx2"/>
+                </a:solidFill>
+                <a:latin typeface="Comic Sans MS" pitchFamily="66" charset="0"/>
+              </a:defRPr>
+            </a:lvl7pPr>
+            <a:lvl8pPr marL="1371600" algn="ctr" rtl="0" fontAlgn="base">
+              <a:spcBef>
+                <a:spcPct val="0"/>
+              </a:spcBef>
+              <a:spcAft>
+                <a:spcPct val="0"/>
+              </a:spcAft>
+              <a:defRPr sz="3600" b="1">
+                <a:solidFill>
+                  <a:schemeClr val="tx2"/>
+                </a:solidFill>
+                <a:latin typeface="Comic Sans MS" pitchFamily="66" charset="0"/>
+              </a:defRPr>
+            </a:lvl8pPr>
+            <a:lvl9pPr marL="1828800" algn="ctr" rtl="0" fontAlgn="base">
+              <a:spcBef>
+                <a:spcPct val="0"/>
+              </a:spcBef>
+              <a:spcAft>
+                <a:spcPct val="0"/>
+              </a:spcAft>
+              <a:defRPr sz="3600" b="1">
+                <a:solidFill>
+                  <a:schemeClr val="tx2"/>
+                </a:solidFill>
+                <a:latin typeface="Comic Sans MS" pitchFamily="66" charset="0"/>
+              </a:defRPr>
+            </a:lvl9pPr>
+          </a:lstStyle>
+          <a:p>
+            <a:pPr eaLnBrk="1" hangingPunct="1"/>
+            <a:r>
+              <a:rPr lang="en-US" sz="4000" smtClean="0">
+                <a:solidFill>
+                  <a:schemeClr val="tx1"/>
+                </a:solidFill>
+              </a:rPr>
+              <a:t>TB testing by cases</a:t>
+            </a:r>
+            <a:endParaRPr lang="en-US" sz="4000" dirty="0" smtClean="0">
+              <a:solidFill>
+                <a:schemeClr val="tx1"/>
+              </a:solidFill>
+            </a:endParaRPr>
+          </a:p>
+        </p:txBody>
+      </p:sp>
+      <p:graphicFrame>
+        <p:nvGraphicFramePr>
+          <p:cNvPr id="7" name="Object 6"/>
+          <p:cNvGraphicFramePr>
+            <a:graphicFrameLocks noChangeAspect="1"/>
+          </p:cNvGraphicFramePr>
+          <p:nvPr>
+            <p:extLst>
+              <p:ext uri="{D42A27DB-BD31-4B8C-83A1-F6EECF244321}">
+                <p14:modId xmlns:p14="http://schemas.microsoft.com/office/powerpoint/2010/main" val="1785834648"/>
+              </p:ext>
+            </p:extLst>
+          </p:nvPr>
+        </p:nvGraphicFramePr>
+        <p:xfrm>
+          <a:off x="796875" y="1295208"/>
+          <a:ext cx="7272333" cy="1755335"/>
+        </p:xfrm>
+        <a:graphic>
+          <a:graphicData uri="http://schemas.openxmlformats.org/presentationml/2006/ole">
+            <mc:AlternateContent xmlns:mc="http://schemas.openxmlformats.org/markup-compatibility/2006">
+              <mc:Choice xmlns:v="urn:schemas-microsoft-com:vml" Requires="v">
+                <p:oleObj spid="_x0000_s362505" name="Equation" r:id="rId4" imgW="2044700" imgH="495300" progId="Equation.DSMT4">
+                  <p:embed/>
+                </p:oleObj>
+              </mc:Choice>
+              <mc:Fallback>
+                <p:oleObj name="Equation" r:id="rId4" imgW="2044700" imgH="495300" progId="Equation.DSMT4">
+                  <p:embed/>
+                  <p:pic>
+                    <p:nvPicPr>
+                      <p:cNvPr id="0" name=""/>
+                      <p:cNvPicPr/>
+                      <p:nvPr/>
+                    </p:nvPicPr>
+                    <p:blipFill>
+                      <a:blip r:embed="rId5"/>
+                      <a:stretch>
+                        <a:fillRect/>
+                      </a:stretch>
+                    </p:blipFill>
+                    <p:spPr>
+                      <a:xfrm>
+                        <a:off x="796875" y="1295208"/>
+                        <a:ext cx="7272333" cy="1755335"/>
+                      </a:xfrm>
+                      <a:prstGeom prst="rect">
+                        <a:avLst/>
+                      </a:prstGeom>
+                    </p:spPr>
+                  </p:pic>
+                </p:oleObj>
+              </mc:Fallback>
+            </mc:AlternateContent>
+          </a:graphicData>
+        </a:graphic>
+      </p:graphicFrame>
+      <p:graphicFrame>
+        <p:nvGraphicFramePr>
+          <p:cNvPr id="8" name="Object 7"/>
+          <p:cNvGraphicFramePr>
+            <a:graphicFrameLocks noChangeAspect="1"/>
+          </p:cNvGraphicFramePr>
+          <p:nvPr>
+            <p:extLst>
+              <p:ext uri="{D42A27DB-BD31-4B8C-83A1-F6EECF244321}">
+                <p14:modId xmlns:p14="http://schemas.microsoft.com/office/powerpoint/2010/main" val="2229621513"/>
+              </p:ext>
+            </p:extLst>
+          </p:nvPr>
+        </p:nvGraphicFramePr>
+        <p:xfrm>
+          <a:off x="2447717" y="2398920"/>
+          <a:ext cx="4811946" cy="3350580"/>
+        </p:xfrm>
+        <a:graphic>
+          <a:graphicData uri="http://schemas.openxmlformats.org/presentationml/2006/ole">
+            <mc:AlternateContent xmlns:mc="http://schemas.openxmlformats.org/markup-compatibility/2006">
+              <mc:Choice xmlns:v="urn:schemas-microsoft-com:vml" Requires="v">
+                <p:oleObj spid="_x0000_s362506" name="Equation" r:id="rId6" imgW="1308100" imgH="914400" progId="Equation.DSMT4">
+                  <p:embed/>
+                </p:oleObj>
+              </mc:Choice>
+              <mc:Fallback>
+                <p:oleObj name="Equation" r:id="rId6" imgW="1308100" imgH="914400" progId="Equation.DSMT4">
+                  <p:embed/>
+                  <p:pic>
+                    <p:nvPicPr>
+                      <p:cNvPr id="0" name=""/>
+                      <p:cNvPicPr/>
+                      <p:nvPr/>
+                    </p:nvPicPr>
+                    <p:blipFill>
+                      <a:blip r:embed="rId7"/>
+                      <a:stretch>
+                        <a:fillRect/>
+                      </a:stretch>
+                    </p:blipFill>
+                    <p:spPr>
+                      <a:xfrm>
+                        <a:off x="2447717" y="2398920"/>
+                        <a:ext cx="4811946" cy="3350580"/>
+                      </a:xfrm>
+                      <a:prstGeom prst="rect">
+                        <a:avLst/>
+                      </a:prstGeom>
+                    </p:spPr>
+                  </p:pic>
+                </p:oleObj>
+              </mc:Fallback>
+            </mc:AlternateContent>
+          </a:graphicData>
+        </a:graphic>
+      </p:graphicFrame>
+    </p:spTree>
+    <p:extLst>
+      <p:ext uri="{BB962C8B-B14F-4D97-AF65-F5344CB8AC3E}">
+        <p14:creationId xmlns:p14="http://schemas.microsoft.com/office/powerpoint/2010/main" val="1624158403"/>
+      </p:ext>
+    </p:extLst>
+  </p:cSld>
+  <p:clrMapOvr>
+    <a:masterClrMapping/>
+  </p:clrMapOvr>
+  <mc:AlternateContent xmlns:mc="http://schemas.openxmlformats.org/markup-compatibility/2006">
+    <mc:Choice xmlns:p14="http://schemas.microsoft.com/office/powerpoint/2010/main" Requires="p14">
+      <p:transition spd="med" p14:dur="700">
+        <p:fade/>
+      </p:transition>
+    </mc:Choice>
+    <mc:Fallback>
+      <p:transition xmlns:p14="http://schemas.microsoft.com/office/powerpoint/2010/main" spd="med">
+        <p:fade/>
+      </p:transition>
+    </mc:Fallback>
+  </mc:AlternateContent>
+  <p:timing>
+    <p:tnLst>
+      <p:par>
+        <p:cTn xmlns:p14="http://schemas.microsoft.com/office/powerpoint/2010/main" id="1" dur="indefinite" restart="never" nodeType="tmRoot">
+          <p:childTnLst>
+            <p:seq concurrent="1" nextAc="seek">
+              <p:cTn id="2" dur="indefinite" nodeType="mainSeq">
+                <p:childTnLst>
+                  <p:par>
+                    <p:cTn id="3" fill="hold">
+                      <p:stCondLst>
+                        <p:cond delay="indefinite"/>
+                        <p:cond evt="onBegin" delay="0">
+                          <p:tn val="2"/>
+                        </p:cond>
+                      </p:stCondLst>
+                      <p:childTnLst>
+                        <p:par>
+                          <p:cTn id="4" fill="hold">
+                            <p:stCondLst>
+                              <p:cond delay="0"/>
+                            </p:stCondLst>
+                            <p:childTnLst>
+                              <p:par>
+                                <p:cTn id="5" presetID="22" presetClass="entr" presetSubtype="8" fill="hold" nodeType="withEffect">
+                                  <p:stCondLst>
+                                    <p:cond delay="0"/>
+                                  </p:stCondLst>
+                                  <p:childTnLst>
+                                    <p:set>
+                                      <p:cBhvr>
+                                        <p:cTn id="6" dur="1" fill="hold">
+                                          <p:stCondLst>
+                                            <p:cond delay="0"/>
+                                          </p:stCondLst>
+                                        </p:cTn>
+                                        <p:tgtEl>
+                                          <p:spTgt spid="8"/>
+                                        </p:tgtEl>
+                                        <p:attrNameLst>
+                                          <p:attrName>style.visibility</p:attrName>
+                                        </p:attrNameLst>
+                                      </p:cBhvr>
+                                      <p:to>
+                                        <p:strVal val="visible"/>
+                                      </p:to>
+                                    </p:set>
+                                    <p:animEffect transition="in" filter="wipe(left)">
+                                      <p:cBhvr>
+                                        <p:cTn id="7" dur="1000"/>
+                                        <p:tgtEl>
+                                          <p:spTgt spid="8"/>
+                                        </p:tgtEl>
+                                      </p:cBhvr>
+                                    </p:animEffect>
+                                  </p:childTnLst>
+                                </p:cTn>
+                              </p:par>
+                            </p:childTnLst>
+                          </p:cTn>
+                        </p:par>
+                      </p:childTnLst>
+                    </p:cTn>
+                  </p:par>
+                </p:childTnLst>
+              </p:cTn>
+              <p:prevCondLst>
+                <p:cond evt="onPrev" delay="0">
+                  <p:tgtEl>
+                    <p:sldTgt/>
+                  </p:tgtEl>
+                </p:cond>
+              </p:prevCondLst>
+              <p:nextCondLst>
+                <p:cond evt="onNext" delay="0">
+                  <p:tgtEl>
+                    <p:sldTgt/>
+                  </p:tgtEl>
+                </p:cond>
+              </p:nextCondLst>
+            </p:seq>
+          </p:childTnLst>
+        </p:cTn>
+      </p:par>
+    </p:tnLst>
+  </p:timing>
+</p:sld>
+</file>
+
+<file path=ppt/slides/slide13.xml><?xml version="1.0" encoding="utf-8"?>
+<p:sld xmlns:a="http://schemas.openxmlformats.org/drawingml/2006/main" xmlns:r="http://schemas.openxmlformats.org/officeDocument/2006/relationships" xmlns:p="http://schemas.openxmlformats.org/presentationml/2006/main">
+  <p:cSld>
+    <p:spTree>
+      <p:nvGrpSpPr>
+        <p:cNvPr id="1" name=""/>
+        <p:cNvGrpSpPr/>
+        <p:nvPr/>
+      </p:nvGrpSpPr>
+      <p:grpSpPr>
+        <a:xfrm>
+          <a:off x="0" y="0"/>
+          <a:ext cx="0" cy="0"/>
+          <a:chOff x="0" y="0"/>
+          <a:chExt cx="0" cy="0"/>
+        </a:xfrm>
+      </p:grpSpPr>
+      <p:sp>
+        <p:nvSpPr>
+          <p:cNvPr id="4" name="Slide Number Placeholder 3"/>
+          <p:cNvSpPr>
+            <a:spLocks noGrp="1"/>
+          </p:cNvSpPr>
+          <p:nvPr>
+            <p:ph type="sldNum" sz="quarter" idx="4"/>
+          </p:nvPr>
+        </p:nvSpPr>
+        <p:spPr/>
+        <p:txBody>
+          <a:bodyPr/>
+          <a:lstStyle/>
+          <a:p>
+            <a:pPr>
+              <a:defRPr/>
+            </a:pPr>
+            <a:r>
+              <a:rPr lang="en-US" smtClean="0"/>
+              <a:t>lec !2M.</a:t>
+            </a:r>
+            <a:fld id="{B9A0B45D-6AFD-413C-B761-B121FB8BE940}" type="slidenum">
+              <a:rPr lang="en-US" smtClean="0"/>
+              <a:pPr>
+                <a:defRPr/>
+              </a:pPr>
+              <a:t>13</a:t>
+            </a:fld>
+            <a:endParaRPr lang="en-US" dirty="0"/>
+          </a:p>
+        </p:txBody>
+      </p:sp>
+      <p:sp>
+        <p:nvSpPr>
+          <p:cNvPr id="5" name="Rectangle 4"/>
+          <p:cNvSpPr txBox="1">
+            <a:spLocks noChangeArrowheads="1"/>
+          </p:cNvSpPr>
+          <p:nvPr/>
+        </p:nvSpPr>
+        <p:spPr bwMode="auto">
+          <a:xfrm>
+            <a:off x="1447800" y="381000"/>
+            <a:ext cx="6553200" cy="838200"/>
+          </a:xfrm>
+          <a:prstGeom prst="rect">
+            <a:avLst/>
+          </a:prstGeom>
+          <a:noFill/>
+          <a:ln w="9525">
+            <a:noFill/>
+            <a:miter lim="800000"/>
+            <a:headEnd/>
+            <a:tailEnd/>
+          </a:ln>
+        </p:spPr>
+        <p:txBody>
+          <a:bodyPr vert="horz" wrap="square" lIns="91440" tIns="45720" rIns="91440" bIns="45720" numCol="1" anchor="ctr" anchorCtr="0" compatLnSpc="1">
+            <a:prstTxWarp prst="textNoShape">
+              <a:avLst/>
+            </a:prstTxWarp>
+          </a:bodyPr>
+          <a:lstStyle>
+            <a:lvl1pPr algn="ctr" rtl="0" eaLnBrk="0" fontAlgn="base" hangingPunct="0">
+              <a:spcBef>
+                <a:spcPct val="0"/>
+              </a:spcBef>
+              <a:spcAft>
+                <a:spcPct val="0"/>
+              </a:spcAft>
+              <a:defRPr sz="3200" b="1">
+                <a:solidFill>
+                  <a:schemeClr val="tx2"/>
+                </a:solidFill>
+                <a:latin typeface="+mj-lt"/>
+                <a:ea typeface="+mj-ea"/>
+                <a:cs typeface="+mj-cs"/>
+              </a:defRPr>
+            </a:lvl1pPr>
+            <a:lvl2pPr algn="ctr" rtl="0" eaLnBrk="0" fontAlgn="base" hangingPunct="0">
+              <a:spcBef>
+                <a:spcPct val="0"/>
+              </a:spcBef>
+              <a:spcAft>
+                <a:spcPct val="0"/>
+              </a:spcAft>
+              <a:defRPr sz="3600" b="1">
+                <a:solidFill>
+                  <a:schemeClr val="tx2"/>
+                </a:solidFill>
+                <a:latin typeface="Comic Sans MS" pitchFamily="66" charset="0"/>
+              </a:defRPr>
+            </a:lvl2pPr>
+            <a:lvl3pPr algn="ctr" rtl="0" eaLnBrk="0" fontAlgn="base" hangingPunct="0">
+              <a:spcBef>
+                <a:spcPct val="0"/>
+              </a:spcBef>
+              <a:spcAft>
+                <a:spcPct val="0"/>
+              </a:spcAft>
+              <a:defRPr sz="3600" b="1">
+                <a:solidFill>
+                  <a:schemeClr val="tx2"/>
+                </a:solidFill>
+                <a:latin typeface="Comic Sans MS" pitchFamily="66" charset="0"/>
+              </a:defRPr>
+            </a:lvl3pPr>
+            <a:lvl4pPr algn="ctr" rtl="0" eaLnBrk="0" fontAlgn="base" hangingPunct="0">
+              <a:spcBef>
+                <a:spcPct val="0"/>
+              </a:spcBef>
+              <a:spcAft>
+                <a:spcPct val="0"/>
+              </a:spcAft>
+              <a:defRPr sz="3600" b="1">
+                <a:solidFill>
+                  <a:schemeClr val="tx2"/>
+                </a:solidFill>
+                <a:latin typeface="Comic Sans MS" pitchFamily="66" charset="0"/>
+              </a:defRPr>
+            </a:lvl4pPr>
+            <a:lvl5pPr algn="ctr" rtl="0" eaLnBrk="0" fontAlgn="base" hangingPunct="0">
+              <a:spcBef>
+                <a:spcPct val="0"/>
+              </a:spcBef>
+              <a:spcAft>
+                <a:spcPct val="0"/>
+              </a:spcAft>
+              <a:defRPr sz="3600" b="1">
+                <a:solidFill>
+                  <a:schemeClr val="tx2"/>
+                </a:solidFill>
+                <a:latin typeface="Comic Sans MS" pitchFamily="66" charset="0"/>
+              </a:defRPr>
+            </a:lvl5pPr>
+            <a:lvl6pPr marL="457200" algn="ctr" rtl="0" fontAlgn="base">
+              <a:spcBef>
+                <a:spcPct val="0"/>
+              </a:spcBef>
+              <a:spcAft>
+                <a:spcPct val="0"/>
+              </a:spcAft>
+              <a:defRPr sz="3600" b="1">
+                <a:solidFill>
+                  <a:schemeClr val="tx2"/>
+                </a:solidFill>
+                <a:latin typeface="Comic Sans MS" pitchFamily="66" charset="0"/>
+              </a:defRPr>
+            </a:lvl6pPr>
+            <a:lvl7pPr marL="914400" algn="ctr" rtl="0" fontAlgn="base">
+              <a:spcBef>
+                <a:spcPct val="0"/>
+              </a:spcBef>
+              <a:spcAft>
+                <a:spcPct val="0"/>
+              </a:spcAft>
+              <a:defRPr sz="3600" b="1">
+                <a:solidFill>
+                  <a:schemeClr val="tx2"/>
+                </a:solidFill>
+                <a:latin typeface="Comic Sans MS" pitchFamily="66" charset="0"/>
+              </a:defRPr>
+            </a:lvl7pPr>
+            <a:lvl8pPr marL="1371600" algn="ctr" rtl="0" fontAlgn="base">
+              <a:spcBef>
+                <a:spcPct val="0"/>
+              </a:spcBef>
+              <a:spcAft>
+                <a:spcPct val="0"/>
+              </a:spcAft>
+              <a:defRPr sz="3600" b="1">
+                <a:solidFill>
+                  <a:schemeClr val="tx2"/>
+                </a:solidFill>
+                <a:latin typeface="Comic Sans MS" pitchFamily="66" charset="0"/>
+              </a:defRPr>
+            </a:lvl8pPr>
+            <a:lvl9pPr marL="1828800" algn="ctr" rtl="0" fontAlgn="base">
+              <a:spcBef>
+                <a:spcPct val="0"/>
+              </a:spcBef>
+              <a:spcAft>
+                <a:spcPct val="0"/>
+              </a:spcAft>
+              <a:defRPr sz="3600" b="1">
+                <a:solidFill>
+                  <a:schemeClr val="tx2"/>
+                </a:solidFill>
+                <a:latin typeface="Comic Sans MS" pitchFamily="66" charset="0"/>
+              </a:defRPr>
+            </a:lvl9pPr>
+          </a:lstStyle>
+          <a:p>
+            <a:pPr eaLnBrk="1" hangingPunct="1"/>
+            <a:r>
+              <a:rPr lang="en-US" sz="4000" dirty="0" smtClean="0">
+                <a:solidFill>
+                  <a:schemeClr val="tx1"/>
+                </a:solidFill>
+              </a:rPr>
+              <a:t>TB testing by cases</a:t>
+            </a:r>
+            <a:endParaRPr lang="en-US" sz="4000" dirty="0" smtClean="0">
+              <a:solidFill>
+                <a:schemeClr val="tx1"/>
+              </a:solidFill>
+            </a:endParaRPr>
+          </a:p>
+        </p:txBody>
+      </p:sp>
+      <p:sp>
+        <p:nvSpPr>
+          <p:cNvPr id="6" name="TextBox 5"/>
+          <p:cNvSpPr txBox="1"/>
+          <p:nvPr/>
+        </p:nvSpPr>
+        <p:spPr>
+          <a:xfrm>
+            <a:off x="355568" y="1379277"/>
+            <a:ext cx="7289375" cy="2308324"/>
+          </a:xfrm>
+          <a:prstGeom prst="rect">
+            <a:avLst/>
+          </a:prstGeom>
+          <a:noFill/>
+        </p:spPr>
+        <p:txBody>
+          <a:bodyPr wrap="none" rtlCol="0">
+            <a:spAutoFit/>
+          </a:bodyPr>
+          <a:lstStyle/>
+          <a:p>
+            <a:pPr algn="l"/>
+            <a:r>
+              <a:rPr lang="en-US" sz="4800" dirty="0" smtClean="0">
+                <a:solidFill>
+                  <a:srgbClr val="660066"/>
+                </a:solidFill>
+                <a:latin typeface="+mj-lt"/>
+              </a:rPr>
+              <a:t>So</a:t>
+            </a:r>
+            <a:r>
+              <a:rPr lang="en-US" sz="4800" dirty="0" smtClean="0">
+                <a:latin typeface="+mj-lt"/>
+              </a:rPr>
+              <a:t>, </a:t>
+            </a:r>
+            <a:r>
+              <a:rPr lang="en-US" sz="4800" dirty="0" smtClean="0">
+                <a:latin typeface="+mj-lt"/>
+              </a:rPr>
+              <a:t>because of </a:t>
+            </a:r>
+            <a:r>
+              <a:rPr lang="en-US" sz="4800" dirty="0" smtClean="0">
+                <a:solidFill>
+                  <a:srgbClr val="660066"/>
+                </a:solidFill>
+                <a:latin typeface="+mj-lt"/>
+              </a:rPr>
+              <a:t>relatively</a:t>
+            </a:r>
+          </a:p>
+          <a:p>
+            <a:pPr algn="l"/>
+            <a:r>
+              <a:rPr lang="en-US" sz="4800" dirty="0" smtClean="0">
+                <a:solidFill>
+                  <a:srgbClr val="660066"/>
+                </a:solidFill>
+                <a:latin typeface="+mj-lt"/>
+              </a:rPr>
+              <a:t>high false positive rate</a:t>
+            </a:r>
+            <a:r>
+              <a:rPr lang="en-US" sz="4800" dirty="0" smtClean="0">
+                <a:latin typeface="+mj-lt"/>
+              </a:rPr>
+              <a:t> </a:t>
+            </a:r>
+          </a:p>
+          <a:p>
+            <a:pPr algn="l"/>
+            <a:r>
+              <a:rPr lang="en-US" sz="4800" dirty="0" smtClean="0">
+                <a:latin typeface="+mj-lt"/>
+              </a:rPr>
+              <a:t>compared </a:t>
+            </a:r>
+            <a:r>
+              <a:rPr lang="en-US" sz="4800" dirty="0" smtClean="0">
+                <a:latin typeface="+mj-lt"/>
+              </a:rPr>
+              <a:t>to TB rate, </a:t>
+            </a:r>
+            <a:endParaRPr lang="en-US" sz="4800" dirty="0" smtClean="0">
+              <a:latin typeface="+mj-lt"/>
+            </a:endParaRPr>
+          </a:p>
+        </p:txBody>
+      </p:sp>
+    </p:spTree>
+    <p:extLst>
+      <p:ext uri="{BB962C8B-B14F-4D97-AF65-F5344CB8AC3E}">
+        <p14:creationId xmlns:p14="http://schemas.microsoft.com/office/powerpoint/2010/main" val="472043094"/>
+      </p:ext>
+    </p:extLst>
+  </p:cSld>
+  <p:clrMapOvr>
+    <a:masterClrMapping/>
+  </p:clrMapOvr>
+  <mc:AlternateContent xmlns:mc="http://schemas.openxmlformats.org/markup-compatibility/2006">
+    <mc:Choice xmlns:p14="http://schemas.microsoft.com/office/powerpoint/2010/main" Requires="p14">
+      <p:transition spd="slow" p14:dur="800">
+        <p:fade thruBlk="1"/>
+      </p:transition>
+    </mc:Choice>
+    <mc:Fallback>
+      <p:transition xmlns:p14="http://schemas.microsoft.com/office/powerpoint/2010/main" spd="slow">
+        <p:fade thruBlk="1"/>
+      </p:transition>
+    </mc:Fallback>
+  </mc:AlternateContent>
+  <p:timing>
+    <p:tnLst>
+      <p:par>
+        <p:cTn xmlns:p14="http://schemas.microsoft.com/office/powerpoint/2010/main" id="1" dur="indefinite" restart="never" nodeType="tmRoot"/>
+      </p:par>
+    </p:tnLst>
+  </p:timing>
+</p:sld>
+</file>
+
+<file path=ppt/slides/slide14.xml><?xml version="1.0" encoding="utf-8"?>
+<p:sld xmlns:a="http://schemas.openxmlformats.org/drawingml/2006/main" xmlns:r="http://schemas.openxmlformats.org/officeDocument/2006/relationships" xmlns:p="http://schemas.openxmlformats.org/presentationml/2006/main">
+  <p:cSld>
+    <p:spTree>
+      <p:nvGrpSpPr>
+        <p:cNvPr id="1" name=""/>
+        <p:cNvGrpSpPr/>
+        <p:nvPr/>
+      </p:nvGrpSpPr>
+      <p:grpSpPr>
+        <a:xfrm>
+          <a:off x="0" y="0"/>
+          <a:ext cx="0" cy="0"/>
+          <a:chOff x="0" y="0"/>
+          <a:chExt cx="0" cy="0"/>
+        </a:xfrm>
+      </p:grpSpPr>
+      <p:sp>
+        <p:nvSpPr>
+          <p:cNvPr id="4" name="Slide Number Placeholder 3"/>
+          <p:cNvSpPr>
+            <a:spLocks noGrp="1"/>
+          </p:cNvSpPr>
+          <p:nvPr>
+            <p:ph type="sldNum" sz="quarter" idx="4"/>
+          </p:nvPr>
+        </p:nvSpPr>
+        <p:spPr/>
+        <p:txBody>
+          <a:bodyPr/>
+          <a:lstStyle/>
+          <a:p>
+            <a:pPr>
+              <a:defRPr/>
+            </a:pPr>
+            <a:r>
+              <a:rPr lang="en-US" smtClean="0"/>
+              <a:t>lec !2M.</a:t>
+            </a:r>
+            <a:fld id="{B9A0B45D-6AFD-413C-B761-B121FB8BE940}" type="slidenum">
+              <a:rPr lang="en-US" smtClean="0"/>
+              <a:pPr>
+                <a:defRPr/>
+              </a:pPr>
+              <a:t>14</a:t>
+            </a:fld>
+            <a:endParaRPr lang="en-US" dirty="0"/>
+          </a:p>
+        </p:txBody>
+      </p:sp>
+      <p:sp>
+        <p:nvSpPr>
+          <p:cNvPr id="5" name="Rectangle 4"/>
+          <p:cNvSpPr txBox="1">
+            <a:spLocks noChangeArrowheads="1"/>
+          </p:cNvSpPr>
+          <p:nvPr/>
+        </p:nvSpPr>
+        <p:spPr bwMode="auto">
+          <a:xfrm>
+            <a:off x="1447800" y="381000"/>
+            <a:ext cx="6553200" cy="838200"/>
+          </a:xfrm>
+          <a:prstGeom prst="rect">
+            <a:avLst/>
+          </a:prstGeom>
+          <a:noFill/>
+          <a:ln w="9525">
+            <a:noFill/>
+            <a:miter lim="800000"/>
+            <a:headEnd/>
+            <a:tailEnd/>
+          </a:ln>
+        </p:spPr>
+        <p:txBody>
+          <a:bodyPr vert="horz" wrap="square" lIns="91440" tIns="45720" rIns="91440" bIns="45720" numCol="1" anchor="ctr" anchorCtr="0" compatLnSpc="1">
+            <a:prstTxWarp prst="textNoShape">
+              <a:avLst/>
+            </a:prstTxWarp>
+          </a:bodyPr>
+          <a:lstStyle>
+            <a:lvl1pPr algn="ctr" rtl="0" eaLnBrk="0" fontAlgn="base" hangingPunct="0">
+              <a:spcBef>
+                <a:spcPct val="0"/>
+              </a:spcBef>
+              <a:spcAft>
+                <a:spcPct val="0"/>
+              </a:spcAft>
+              <a:defRPr sz="3200" b="1">
+                <a:solidFill>
+                  <a:schemeClr val="tx2"/>
+                </a:solidFill>
+                <a:latin typeface="+mj-lt"/>
+                <a:ea typeface="+mj-ea"/>
+                <a:cs typeface="+mj-cs"/>
+              </a:defRPr>
+            </a:lvl1pPr>
+            <a:lvl2pPr algn="ctr" rtl="0" eaLnBrk="0" fontAlgn="base" hangingPunct="0">
+              <a:spcBef>
+                <a:spcPct val="0"/>
+              </a:spcBef>
+              <a:spcAft>
+                <a:spcPct val="0"/>
+              </a:spcAft>
+              <a:defRPr sz="3600" b="1">
+                <a:solidFill>
+                  <a:schemeClr val="tx2"/>
+                </a:solidFill>
+                <a:latin typeface="Comic Sans MS" pitchFamily="66" charset="0"/>
+              </a:defRPr>
+            </a:lvl2pPr>
+            <a:lvl3pPr algn="ctr" rtl="0" eaLnBrk="0" fontAlgn="base" hangingPunct="0">
+              <a:spcBef>
+                <a:spcPct val="0"/>
+              </a:spcBef>
+              <a:spcAft>
+                <a:spcPct val="0"/>
+              </a:spcAft>
+              <a:defRPr sz="3600" b="1">
+                <a:solidFill>
+                  <a:schemeClr val="tx2"/>
+                </a:solidFill>
+                <a:latin typeface="Comic Sans MS" pitchFamily="66" charset="0"/>
+              </a:defRPr>
+            </a:lvl3pPr>
+            <a:lvl4pPr algn="ctr" rtl="0" eaLnBrk="0" fontAlgn="base" hangingPunct="0">
+              <a:spcBef>
+                <a:spcPct val="0"/>
+              </a:spcBef>
+              <a:spcAft>
+                <a:spcPct val="0"/>
+              </a:spcAft>
+              <a:defRPr sz="3600" b="1">
+                <a:solidFill>
+                  <a:schemeClr val="tx2"/>
+                </a:solidFill>
+                <a:latin typeface="Comic Sans MS" pitchFamily="66" charset="0"/>
+              </a:defRPr>
+            </a:lvl4pPr>
+            <a:lvl5pPr algn="ctr" rtl="0" eaLnBrk="0" fontAlgn="base" hangingPunct="0">
+              <a:spcBef>
+                <a:spcPct val="0"/>
+              </a:spcBef>
+              <a:spcAft>
+                <a:spcPct val="0"/>
+              </a:spcAft>
+              <a:defRPr sz="3600" b="1">
+                <a:solidFill>
+                  <a:schemeClr val="tx2"/>
+                </a:solidFill>
+                <a:latin typeface="Comic Sans MS" pitchFamily="66" charset="0"/>
+              </a:defRPr>
+            </a:lvl5pPr>
+            <a:lvl6pPr marL="457200" algn="ctr" rtl="0" fontAlgn="base">
+              <a:spcBef>
+                <a:spcPct val="0"/>
+              </a:spcBef>
+              <a:spcAft>
+                <a:spcPct val="0"/>
+              </a:spcAft>
+              <a:defRPr sz="3600" b="1">
+                <a:solidFill>
+                  <a:schemeClr val="tx2"/>
+                </a:solidFill>
+                <a:latin typeface="Comic Sans MS" pitchFamily="66" charset="0"/>
+              </a:defRPr>
+            </a:lvl6pPr>
+            <a:lvl7pPr marL="914400" algn="ctr" rtl="0" fontAlgn="base">
+              <a:spcBef>
+                <a:spcPct val="0"/>
+              </a:spcBef>
+              <a:spcAft>
+                <a:spcPct val="0"/>
+              </a:spcAft>
+              <a:defRPr sz="3600" b="1">
+                <a:solidFill>
+                  <a:schemeClr val="tx2"/>
+                </a:solidFill>
+                <a:latin typeface="Comic Sans MS" pitchFamily="66" charset="0"/>
+              </a:defRPr>
+            </a:lvl7pPr>
+            <a:lvl8pPr marL="1371600" algn="ctr" rtl="0" fontAlgn="base">
+              <a:spcBef>
+                <a:spcPct val="0"/>
+              </a:spcBef>
+              <a:spcAft>
+                <a:spcPct val="0"/>
+              </a:spcAft>
+              <a:defRPr sz="3600" b="1">
+                <a:solidFill>
+                  <a:schemeClr val="tx2"/>
+                </a:solidFill>
+                <a:latin typeface="Comic Sans MS" pitchFamily="66" charset="0"/>
+              </a:defRPr>
+            </a:lvl8pPr>
+            <a:lvl9pPr marL="1828800" algn="ctr" rtl="0" fontAlgn="base">
+              <a:spcBef>
+                <a:spcPct val="0"/>
+              </a:spcBef>
+              <a:spcAft>
+                <a:spcPct val="0"/>
+              </a:spcAft>
+              <a:defRPr sz="3600" b="1">
+                <a:solidFill>
+                  <a:schemeClr val="tx2"/>
+                </a:solidFill>
+                <a:latin typeface="Comic Sans MS" pitchFamily="66" charset="0"/>
+              </a:defRPr>
+            </a:lvl9pPr>
+          </a:lstStyle>
+          <a:p>
+            <a:pPr eaLnBrk="1" hangingPunct="1"/>
+            <a:r>
+              <a:rPr lang="en-US" sz="4000" dirty="0" smtClean="0">
+                <a:solidFill>
+                  <a:schemeClr val="tx1"/>
+                </a:solidFill>
+              </a:rPr>
+              <a:t>TB testing by cases</a:t>
+            </a:r>
+            <a:endParaRPr lang="en-US" sz="4000" dirty="0" smtClean="0">
+              <a:solidFill>
+                <a:schemeClr val="tx1"/>
+              </a:solidFill>
+            </a:endParaRPr>
+          </a:p>
+        </p:txBody>
+      </p:sp>
+      <p:sp>
+        <p:nvSpPr>
+          <p:cNvPr id="6" name="TextBox 5"/>
+          <p:cNvSpPr txBox="1"/>
+          <p:nvPr/>
+        </p:nvSpPr>
+        <p:spPr>
+          <a:xfrm>
+            <a:off x="355568" y="1379277"/>
+            <a:ext cx="8468183" cy="4524315"/>
+          </a:xfrm>
+          <a:prstGeom prst="rect">
+            <a:avLst/>
+          </a:prstGeom>
+          <a:noFill/>
+        </p:spPr>
+        <p:txBody>
+          <a:bodyPr wrap="none" rtlCol="0">
+            <a:spAutoFit/>
+          </a:bodyPr>
+          <a:lstStyle/>
+          <a:p>
+            <a:pPr algn="l"/>
+            <a:r>
+              <a:rPr lang="en-US" sz="4800" dirty="0" smtClean="0">
+                <a:solidFill>
+                  <a:srgbClr val="660066"/>
+                </a:solidFill>
+                <a:latin typeface="+mj-lt"/>
+              </a:rPr>
+              <a:t>So</a:t>
+            </a:r>
+            <a:r>
+              <a:rPr lang="en-US" sz="4800" dirty="0" smtClean="0">
+                <a:latin typeface="+mj-lt"/>
+              </a:rPr>
+              <a:t>, </a:t>
+            </a:r>
+            <a:r>
+              <a:rPr lang="en-US" sz="4800" dirty="0" smtClean="0">
+                <a:latin typeface="+mj-lt"/>
+              </a:rPr>
+              <a:t>because of </a:t>
+            </a:r>
+            <a:r>
+              <a:rPr lang="en-US" sz="4800" dirty="0" smtClean="0">
+                <a:solidFill>
+                  <a:srgbClr val="660066"/>
+                </a:solidFill>
+                <a:latin typeface="+mj-lt"/>
+              </a:rPr>
+              <a:t>relatively</a:t>
+            </a:r>
+          </a:p>
+          <a:p>
+            <a:pPr algn="l"/>
+            <a:r>
+              <a:rPr lang="en-US" sz="4800" dirty="0" smtClean="0">
+                <a:solidFill>
+                  <a:srgbClr val="660066"/>
+                </a:solidFill>
+                <a:latin typeface="+mj-lt"/>
+              </a:rPr>
+              <a:t>high false positive rate</a:t>
+            </a:r>
+            <a:r>
+              <a:rPr lang="en-US" sz="4800" dirty="0" smtClean="0">
+                <a:latin typeface="+mj-lt"/>
+              </a:rPr>
+              <a:t> </a:t>
+            </a:r>
+          </a:p>
+          <a:p>
+            <a:pPr algn="l"/>
+            <a:r>
+              <a:rPr lang="en-US" sz="4800" dirty="0" smtClean="0">
+                <a:latin typeface="+mj-lt"/>
+              </a:rPr>
+              <a:t>compared </a:t>
+            </a:r>
+            <a:r>
+              <a:rPr lang="en-US" sz="4800" dirty="0" smtClean="0">
+                <a:latin typeface="+mj-lt"/>
+              </a:rPr>
+              <a:t>to TB rate, chance </a:t>
+            </a:r>
+          </a:p>
+          <a:p>
+            <a:pPr algn="l"/>
+            <a:r>
+              <a:rPr lang="en-US" sz="4800" dirty="0" smtClean="0">
+                <a:latin typeface="+mj-lt"/>
+              </a:rPr>
+              <a:t>of having TB </a:t>
+            </a:r>
+            <a:r>
+              <a:rPr lang="en-US" sz="4800" dirty="0" smtClean="0">
+                <a:latin typeface="+mj-lt"/>
+              </a:rPr>
+              <a:t>even when a </a:t>
+            </a:r>
+          </a:p>
+          <a:p>
+            <a:pPr algn="l"/>
+            <a:r>
+              <a:rPr lang="en-US" sz="4800" dirty="0" smtClean="0">
+                <a:latin typeface="+mj-lt"/>
+              </a:rPr>
+              <a:t>99% accurate test </a:t>
+            </a:r>
+            <a:r>
+              <a:rPr lang="en-US" sz="4800" dirty="0" smtClean="0">
+                <a:latin typeface="+mj-lt"/>
+              </a:rPr>
+              <a:t>says so</a:t>
+            </a:r>
+          </a:p>
+          <a:p>
+            <a:pPr algn="l"/>
+            <a:r>
+              <a:rPr lang="en-US" sz="4800" dirty="0" smtClean="0">
+                <a:latin typeface="+mj-lt"/>
+              </a:rPr>
+              <a:t>remains small (</a:t>
+            </a:r>
+            <a:r>
+              <a:rPr lang="en-US" sz="4800" dirty="0" smtClean="0">
+                <a:solidFill>
+                  <a:srgbClr val="008000"/>
+                </a:solidFill>
+                <a:latin typeface="+mj-lt"/>
+              </a:rPr>
+              <a:t>1%</a:t>
+            </a:r>
+            <a:r>
+              <a:rPr lang="en-US" sz="4800" dirty="0" smtClean="0">
+                <a:latin typeface="+mj-lt"/>
+              </a:rPr>
+              <a:t>)!</a:t>
+            </a:r>
+            <a:endParaRPr lang="en-US" sz="4800" dirty="0" smtClean="0">
+              <a:latin typeface="+mj-lt"/>
+            </a:endParaRPr>
+          </a:p>
+        </p:txBody>
+      </p:sp>
+    </p:spTree>
+    <p:extLst>
+      <p:ext uri="{BB962C8B-B14F-4D97-AF65-F5344CB8AC3E}">
+        <p14:creationId xmlns:p14="http://schemas.microsoft.com/office/powerpoint/2010/main" val="3812951071"/>
+      </p:ext>
+    </p:extLst>
+  </p:cSld>
+  <p:clrMapOvr>
+    <a:masterClrMapping/>
+  </p:clrMapOvr>
+  <mc:AlternateContent xmlns:mc="http://schemas.openxmlformats.org/markup-compatibility/2006">
+    <mc:Choice xmlns:p14="http://schemas.microsoft.com/office/powerpoint/2010/main" Requires="p14">
+      <p:transition spd="med" p14:dur="700">
+        <p:fade/>
+      </p:transition>
+    </mc:Choice>
+    <mc:Fallback>
+      <p:transition xmlns:p14="http://schemas.microsoft.com/office/powerpoint/2010/main" spd="med">
+        <p:fade/>
+      </p:transition>
+    </mc:Fallback>
+  </mc:AlternateContent>
+  <p:timing>
+    <p:tnLst>
+      <p:par>
+        <p:cTn xmlns:p14="http://schemas.microsoft.com/office/powerpoint/2010/main" id="1" dur="indefinite" restart="never" nodeType="tmRoot"/>
+      </p:par>
+    </p:tnLst>
+  </p:timing>
+</p:sld>
+</file>
+
+<file path=ppt/slides/slide15.xml><?xml version="1.0" encoding="utf-8"?>
+<p:sld xmlns:a="http://schemas.openxmlformats.org/drawingml/2006/main" xmlns:r="http://schemas.openxmlformats.org/officeDocument/2006/relationships" xmlns:p="http://schemas.openxmlformats.org/presentationml/2006/main">
+  <p:cSld>
+    <p:spTree>
+      <p:nvGrpSpPr>
+        <p:cNvPr id="1" name=""/>
+        <p:cNvGrpSpPr/>
+        <p:nvPr/>
+      </p:nvGrpSpPr>
+      <p:grpSpPr>
+        <a:xfrm>
+          <a:off x="0" y="0"/>
+          <a:ext cx="0" cy="0"/>
+          <a:chOff x="0" y="0"/>
+          <a:chExt cx="0" cy="0"/>
+        </a:xfrm>
+      </p:grpSpPr>
+      <p:sp>
+        <p:nvSpPr>
+          <p:cNvPr id="2" name="Title 1"/>
+          <p:cNvSpPr>
+            <a:spLocks noGrp="1"/>
+          </p:cNvSpPr>
+          <p:nvPr>
+            <p:ph type="title"/>
+          </p:nvPr>
+        </p:nvSpPr>
+        <p:spPr/>
+        <p:txBody>
+          <a:bodyPr/>
+          <a:lstStyle/>
+          <a:p>
+            <a:r>
+              <a:rPr lang="en-US" sz="4400" dirty="0" smtClean="0"/>
+              <a:t>Bayes Rule</a:t>
+            </a:r>
+            <a:endParaRPr lang="en-US" sz="4400" dirty="0"/>
+          </a:p>
+        </p:txBody>
+      </p:sp>
+      <p:sp>
+        <p:nvSpPr>
+          <p:cNvPr id="4" name="Slide Number Placeholder 3"/>
+          <p:cNvSpPr>
+            <a:spLocks noGrp="1"/>
+          </p:cNvSpPr>
+          <p:nvPr>
+            <p:ph type="sldNum" sz="quarter" idx="4"/>
+          </p:nvPr>
+        </p:nvSpPr>
+        <p:spPr/>
+        <p:txBody>
+          <a:bodyPr/>
+          <a:lstStyle/>
+          <a:p>
+            <a:pPr>
+              <a:defRPr/>
+            </a:pPr>
+            <a:r>
+              <a:rPr lang="en-US" smtClean="0"/>
+              <a:t>lec !2M.</a:t>
+            </a:r>
+            <a:fld id="{B9A0B45D-6AFD-413C-B761-B121FB8BE940}" type="slidenum">
+              <a:rPr lang="en-US" smtClean="0"/>
+              <a:pPr>
+                <a:defRPr/>
+              </a:pPr>
+              <a:t>15</a:t>
+            </a:fld>
+            <a:endParaRPr lang="en-US" dirty="0"/>
+          </a:p>
+        </p:txBody>
+      </p:sp>
+      <p:graphicFrame>
+        <p:nvGraphicFramePr>
+          <p:cNvPr id="5" name="Object 4"/>
+          <p:cNvGraphicFramePr>
+            <a:graphicFrameLocks noChangeAspect="1"/>
+          </p:cNvGraphicFramePr>
+          <p:nvPr>
+            <p:extLst>
+              <p:ext uri="{D42A27DB-BD31-4B8C-83A1-F6EECF244321}">
+                <p14:modId xmlns:p14="http://schemas.microsoft.com/office/powerpoint/2010/main" val="2231705141"/>
+              </p:ext>
+            </p:extLst>
+          </p:nvPr>
+        </p:nvGraphicFramePr>
+        <p:xfrm>
+          <a:off x="833871" y="1332195"/>
+          <a:ext cx="7272333" cy="1755335"/>
+        </p:xfrm>
+        <a:graphic>
+          <a:graphicData uri="http://schemas.openxmlformats.org/presentationml/2006/ole">
+            <mc:AlternateContent xmlns:mc="http://schemas.openxmlformats.org/markup-compatibility/2006">
+              <mc:Choice xmlns:v="urn:schemas-microsoft-com:vml" Requires="v">
+                <p:oleObj spid="_x0000_s365575" name="Equation" r:id="rId3" imgW="2044700" imgH="495300" progId="Equation.DSMT4">
+                  <p:embed/>
+                </p:oleObj>
+              </mc:Choice>
+              <mc:Fallback>
+                <p:oleObj name="Equation" r:id="rId3" imgW="2044700" imgH="495300" progId="Equation.DSMT4">
+                  <p:embed/>
+                  <p:pic>
+                    <p:nvPicPr>
+                      <p:cNvPr id="0" name=""/>
+                      <p:cNvPicPr/>
+                      <p:nvPr/>
+                    </p:nvPicPr>
+                    <p:blipFill>
+                      <a:blip r:embed="rId4"/>
+                      <a:stretch>
+                        <a:fillRect/>
+                      </a:stretch>
+                    </p:blipFill>
+                    <p:spPr>
+                      <a:xfrm>
+                        <a:off x="833871" y="1332195"/>
+                        <a:ext cx="7272333" cy="1755335"/>
+                      </a:xfrm>
+                      <a:prstGeom prst="rect">
+                        <a:avLst/>
+                      </a:prstGeom>
+                    </p:spPr>
+                  </p:pic>
+                </p:oleObj>
+              </mc:Fallback>
+            </mc:AlternateContent>
+          </a:graphicData>
+        </a:graphic>
+      </p:graphicFrame>
+      <p:graphicFrame>
+        <p:nvGraphicFramePr>
+          <p:cNvPr id="6" name="Object 5"/>
+          <p:cNvGraphicFramePr>
+            <a:graphicFrameLocks noChangeAspect="1"/>
+          </p:cNvGraphicFramePr>
+          <p:nvPr>
+            <p:extLst>
+              <p:ext uri="{D42A27DB-BD31-4B8C-83A1-F6EECF244321}">
+                <p14:modId xmlns:p14="http://schemas.microsoft.com/office/powerpoint/2010/main" val="998991841"/>
+              </p:ext>
+            </p:extLst>
+          </p:nvPr>
+        </p:nvGraphicFramePr>
+        <p:xfrm>
+          <a:off x="1126598" y="3238190"/>
+          <a:ext cx="6801391" cy="1875427"/>
+        </p:xfrm>
+        <a:graphic>
+          <a:graphicData uri="http://schemas.openxmlformats.org/presentationml/2006/ole">
+            <mc:AlternateContent xmlns:mc="http://schemas.openxmlformats.org/markup-compatibility/2006">
+              <mc:Choice xmlns:v="urn:schemas-microsoft-com:vml" Requires="v">
+                <p:oleObj spid="_x0000_s365576" name="Equation" r:id="rId5" imgW="1790700" imgH="495300" progId="Equation.DSMT4">
+                  <p:embed/>
+                </p:oleObj>
+              </mc:Choice>
+              <mc:Fallback>
+                <p:oleObj name="Equation" r:id="rId5" imgW="1790700" imgH="495300" progId="Equation.DSMT4">
+                  <p:embed/>
+                  <p:pic>
+                    <p:nvPicPr>
+                      <p:cNvPr id="0" name=""/>
+                      <p:cNvPicPr/>
+                      <p:nvPr/>
+                    </p:nvPicPr>
+                    <p:blipFill>
+                      <a:blip r:embed="rId6"/>
+                      <a:stretch>
+                        <a:fillRect/>
+                      </a:stretch>
+                    </p:blipFill>
+                    <p:spPr>
+                      <a:xfrm>
+                        <a:off x="1126598" y="3238190"/>
+                        <a:ext cx="6801391" cy="1875427"/>
+                      </a:xfrm>
+                      <a:prstGeom prst="rect">
+                        <a:avLst/>
+                      </a:prstGeom>
+                    </p:spPr>
+                  </p:pic>
+                </p:oleObj>
+              </mc:Fallback>
+            </mc:AlternateContent>
+          </a:graphicData>
+        </a:graphic>
+      </p:graphicFrame>
+      <p:sp>
+        <p:nvSpPr>
+          <p:cNvPr id="7" name="Rectangle 6"/>
+          <p:cNvSpPr/>
+          <p:nvPr/>
+        </p:nvSpPr>
+        <p:spPr bwMode="auto">
+          <a:xfrm>
+            <a:off x="628814" y="3168550"/>
+            <a:ext cx="7656732" cy="2268534"/>
+          </a:xfrm>
+          <a:prstGeom prst="rect">
+            <a:avLst/>
+          </a:prstGeom>
+          <a:noFill/>
+          <a:ln w="38100" cap="flat" cmpd="sng" algn="ctr">
+            <a:solidFill>
+              <a:srgbClr val="FF33CC"/>
+            </a:solidFill>
+            <a:prstDash val="sysDash"/>
+            <a:round/>
+            <a:headEnd type="none" w="med" len="med"/>
+            <a:tailEnd type="none" w="med" len="med"/>
+          </a:ln>
+          <a:effectLst/>
+        </p:spPr>
+        <p:txBody>
+          <a:bodyPr vert="horz" wrap="none" lIns="91440" tIns="45720" rIns="91440" bIns="45720" numCol="1" rtlCol="0" anchor="ctr" anchorCtr="0" compatLnSpc="1">
+            <a:prstTxWarp prst="textNoShape">
+              <a:avLst/>
+            </a:prstTxWarp>
+          </a:bodyPr>
+          <a:lstStyle/>
+          <a:p>
+            <a:pPr marL="0" marR="0" indent="0" algn="ctr" defTabSz="914400" rtl="0" eaLnBrk="1" fontAlgn="base" latinLnBrk="0" hangingPunct="1">
+              <a:lnSpc>
+                <a:spcPct val="100000"/>
+              </a:lnSpc>
+              <a:spcBef>
+                <a:spcPct val="0"/>
+              </a:spcBef>
+              <a:spcAft>
+                <a:spcPct val="0"/>
+              </a:spcAft>
+              <a:buClrTx/>
+              <a:buSzTx/>
+              <a:buFontTx/>
+              <a:buNone/>
+              <a:tabLst/>
+            </a:pPr>
+            <a:endParaRPr kumimoji="0" lang="en-US" sz="1800" b="0" i="0" u="none" strike="noStrike" cap="none" normalizeH="0" baseline="0" smtClean="0">
+              <a:ln>
+                <a:noFill/>
+              </a:ln>
+              <a:solidFill>
+                <a:schemeClr val="tx1"/>
+              </a:solidFill>
+              <a:effectLst/>
+              <a:latin typeface="Times New Roman" pitchFamily="18" charset="0"/>
+            </a:endParaRPr>
+          </a:p>
+        </p:txBody>
+      </p:sp>
+    </p:spTree>
+    <p:extLst>
+      <p:ext uri="{BB962C8B-B14F-4D97-AF65-F5344CB8AC3E}">
+        <p14:creationId xmlns:p14="http://schemas.microsoft.com/office/powerpoint/2010/main" val="2683109662"/>
+      </p:ext>
+    </p:extLst>
+  </p:cSld>
+  <p:clrMapOvr>
+    <a:masterClrMapping/>
+  </p:clrMapOvr>
+  <mc:AlternateContent xmlns:mc="http://schemas.openxmlformats.org/markup-compatibility/2006">
+    <mc:Choice xmlns:p14="http://schemas.microsoft.com/office/powerpoint/2010/main" Requires="p14">
+      <p:transition spd="slow" p14:dur="1200">
+        <p:fade thruBlk="1"/>
+      </p:transition>
+    </mc:Choice>
+    <mc:Fallback>
+      <p:transition xmlns:p14="http://schemas.microsoft.com/office/powerpoint/2010/main" spd="slow">
+        <p:fade thruBlk="1"/>
+      </p:transition>
+    </mc:Fallback>
+  </mc:AlternateContent>
+  <p:timing>
+    <p:tnLst>
+      <p:par>
+        <p:cTn xmlns:p14="http://schemas.microsoft.com/office/powerpoint/2010/main" id="1" dur="indefinite" restart="never" nodeType="tmRoot">
+          <p:childTnLst>
+            <p:seq concurrent="1" nextAc="seek">
+              <p:cTn id="2" dur="indefinite" nodeType="mainSeq">
+                <p:childTnLst>
+                  <p:par>
+                    <p:cTn id="3" fill="hold">
+                      <p:stCondLst>
+                        <p:cond delay="indefinite"/>
+                      </p:stCondLst>
+                      <p:childTnLst>
+                        <p:par>
+                          <p:cTn id="4" fill="hold">
+                            <p:stCondLst>
+                              <p:cond delay="0"/>
+                            </p:stCondLst>
+                            <p:childTnLst>
+                              <p:par>
+                                <p:cTn id="5" presetID="9" presetClass="entr" presetSubtype="0" fill="hold" grpId="0" nodeType="clickEffect">
+                                  <p:stCondLst>
+                                    <p:cond delay="0"/>
+                                  </p:stCondLst>
+                                  <p:childTnLst>
+                                    <p:set>
+                                      <p:cBhvr>
+                                        <p:cTn id="6" dur="1" fill="hold">
+                                          <p:stCondLst>
+                                            <p:cond delay="0"/>
+                                          </p:stCondLst>
+                                        </p:cTn>
+                                        <p:tgtEl>
+                                          <p:spTgt spid="2"/>
+                                        </p:tgtEl>
+                                        <p:attrNameLst>
+                                          <p:attrName>style.visibility</p:attrName>
+                                        </p:attrNameLst>
+                                      </p:cBhvr>
+                                      <p:to>
+                                        <p:strVal val="visible"/>
+                                      </p:to>
+                                    </p:set>
+                                    <p:animEffect transition="in" filter="dissolve">
+                                      <p:cBhvr>
+                                        <p:cTn id="7" dur="500"/>
+                                        <p:tgtEl>
+                                          <p:spTgt spid="2"/>
+                                        </p:tgtEl>
+                                      </p:cBhvr>
+                                    </p:animEffect>
+                                  </p:childTnLst>
+                                </p:cTn>
+                              </p:par>
+                            </p:childTnLst>
+                          </p:cTn>
+                        </p:par>
+                      </p:childTnLst>
+                    </p:cTn>
+                  </p:par>
+                  <p:par>
+                    <p:cTn id="8" fill="hold">
+                      <p:stCondLst>
+                        <p:cond delay="indefinite"/>
+                      </p:stCondLst>
+                      <p:childTnLst>
+                        <p:par>
+                          <p:cTn id="9" fill="hold">
+                            <p:stCondLst>
+                              <p:cond delay="0"/>
+                            </p:stCondLst>
+                            <p:childTnLst>
+                              <p:par>
+                                <p:cTn id="10" presetID="9" presetClass="entr" presetSubtype="0" fill="hold" nodeType="clickEffect">
+                                  <p:stCondLst>
+                                    <p:cond delay="0"/>
+                                  </p:stCondLst>
+                                  <p:childTnLst>
+                                    <p:set>
+                                      <p:cBhvr>
+                                        <p:cTn id="11" dur="1" fill="hold">
+                                          <p:stCondLst>
+                                            <p:cond delay="0"/>
+                                          </p:stCondLst>
+                                        </p:cTn>
+                                        <p:tgtEl>
+                                          <p:spTgt spid="6"/>
+                                        </p:tgtEl>
+                                        <p:attrNameLst>
+                                          <p:attrName>style.visibility</p:attrName>
+                                        </p:attrNameLst>
+                                      </p:cBhvr>
+                                      <p:to>
+                                        <p:strVal val="visible"/>
+                                      </p:to>
+                                    </p:set>
+                                    <p:animEffect transition="in" filter="dissolve">
+                                      <p:cBhvr>
+                                        <p:cTn id="12" dur="500"/>
+                                        <p:tgtEl>
+                                          <p:spTgt spid="6"/>
+                                        </p:tgtEl>
+                                      </p:cBhvr>
+                                    </p:animEffect>
+                                  </p:childTnLst>
+                                </p:cTn>
+                              </p:par>
+                            </p:childTnLst>
+                          </p:cTn>
+                        </p:par>
+                        <p:par>
+                          <p:cTn id="13" fill="hold">
+                            <p:stCondLst>
+                              <p:cond delay="500"/>
+                            </p:stCondLst>
+                            <p:childTnLst>
+                              <p:par>
+                                <p:cTn id="14" presetID="9" presetClass="entr" presetSubtype="0" fill="hold" grpId="0" nodeType="afterEffect">
+                                  <p:stCondLst>
+                                    <p:cond delay="0"/>
+                                  </p:stCondLst>
+                                  <p:childTnLst>
+                                    <p:set>
+                                      <p:cBhvr>
+                                        <p:cTn id="15" dur="1" fill="hold">
+                                          <p:stCondLst>
+                                            <p:cond delay="0"/>
+                                          </p:stCondLst>
+                                        </p:cTn>
+                                        <p:tgtEl>
+                                          <p:spTgt spid="7"/>
+                                        </p:tgtEl>
+                                        <p:attrNameLst>
+                                          <p:attrName>style.visibility</p:attrName>
+                                        </p:attrNameLst>
+                                      </p:cBhvr>
+                                      <p:to>
+                                        <p:strVal val="visible"/>
+                                      </p:to>
+                                    </p:set>
+                                    <p:animEffect transition="in" filter="dissolve">
+                                      <p:cBhvr>
+                                        <p:cTn id="16" dur="500"/>
+                                        <p:tgtEl>
+                                          <p:spTgt spid="7"/>
+                                        </p:tgtEl>
+                                      </p:cBhvr>
+                                    </p:animEffect>
+                                  </p:childTnLst>
+                                </p:cTn>
+                              </p:par>
+                            </p:childTnLst>
+                          </p:cTn>
+                        </p:par>
+                      </p:childTnLst>
+                    </p:cTn>
+                  </p:par>
+                </p:childTnLst>
+              </p:cTn>
+              <p:prevCondLst>
+                <p:cond evt="onPrev" delay="0">
+                  <p:tgtEl>
+                    <p:sldTgt/>
+                  </p:tgtEl>
+                </p:cond>
+              </p:prevCondLst>
+              <p:nextCondLst>
+                <p:cond evt="onNext" delay="0">
+                  <p:tgtEl>
+                    <p:sldTgt/>
+                  </p:tgtEl>
+                </p:cond>
+              </p:nextCondLst>
+            </p:seq>
+          </p:childTnLst>
+        </p:cTn>
+      </p:par>
+    </p:tnLst>
+    <p:bldLst>
+      <p:bldP spid="2" grpId="0"/>
+      <p:bldP spid="7" grpId="0" animBg="1"/>
+    </p:bldLst>
+  </p:timing>
+</p:sld>
+</file>
+
 <file path=ppt/slides/slide2.xml><?xml version="1.0" encoding="utf-8"?>
 <p:sld xmlns:a="http://schemas.openxmlformats.org/drawingml/2006/main" xmlns:r="http://schemas.openxmlformats.org/officeDocument/2006/relationships" xmlns:p="http://schemas.openxmlformats.org/presentationml/2006/main">
   <p:cSld>
@@ -4220,7 +7592,7 @@
           <a:graphicData uri="http://schemas.openxmlformats.org/presentationml/2006/ole">
             <mc:AlternateContent xmlns:mc="http://schemas.openxmlformats.org/markup-compatibility/2006">
               <mc:Choice xmlns:v="urn:schemas-microsoft-com:vml" Requires="v">
-                <p:oleObj spid="_x0000_s334896" name="Equation" r:id="rId4" imgW="457200" imgH="304800" progId="Equation.DSMT4">
+                <p:oleObj spid="_x0000_s334925" name="Equation" r:id="rId4" imgW="457200" imgH="304800" progId="Equation.DSMT4">
                   <p:embed/>
                 </p:oleObj>
               </mc:Choice>
@@ -4290,7 +7662,7 @@
           <a:graphicData uri="http://schemas.openxmlformats.org/presentationml/2006/ole">
             <mc:AlternateContent xmlns:mc="http://schemas.openxmlformats.org/markup-compatibility/2006">
               <mc:Choice xmlns:v="urn:schemas-microsoft-com:vml" Requires="v">
-                <p:oleObj spid="_x0000_s334897" name="Equation" r:id="rId6" imgW="457200" imgH="304800" progId="Equation.DSMT4">
+                <p:oleObj spid="_x0000_s334926" name="Equation" r:id="rId6" imgW="457200" imgH="304800" progId="Equation.DSMT4">
                   <p:embed/>
                 </p:oleObj>
               </mc:Choice>
@@ -4360,7 +7732,7 @@
           <a:graphicData uri="http://schemas.openxmlformats.org/presentationml/2006/ole">
             <mc:AlternateContent xmlns:mc="http://schemas.openxmlformats.org/markup-compatibility/2006">
               <mc:Choice xmlns:v="urn:schemas-microsoft-com:vml" Requires="v">
-                <p:oleObj spid="_x0000_s334898" name="Equation" r:id="rId8" imgW="444500" imgH="304800" progId="Equation.DSMT4">
+                <p:oleObj spid="_x0000_s334927" name="Equation" r:id="rId8" imgW="444500" imgH="304800" progId="Equation.DSMT4">
                   <p:embed/>
                 </p:oleObj>
               </mc:Choice>
@@ -6894,18 +10266,9 @@
   <p:clrMapOvr>
     <a:masterClrMapping/>
   </p:clrMapOvr>
-  <mc:AlternateContent xmlns:mc="http://schemas.openxmlformats.org/markup-compatibility/2006" xmlns:p14="http://schemas.microsoft.com/office/powerpoint/2010/main">
-    <mc:Choice Requires="p14">
-      <p:transition spd="slow" p14:dur="1200">
-        <p:fade/>
-      </p:transition>
-    </mc:Choice>
-    <mc:Fallback xmlns="">
-      <p:transition xmlns:p14="http://schemas.microsoft.com/office/powerpoint/2010/main" spd="slow">
-        <p:fade/>
-      </p:transition>
-    </mc:Fallback>
-  </mc:AlternateContent>
+  <p:transition xmlns:p14="http://schemas.microsoft.com/office/powerpoint/2010/main" spd="slow">
+    <p:fade thruBlk="1"/>
+  </p:transition>
   <p:timing>
     <p:tnLst>
       <p:par>
@@ -7683,7 +11046,7 @@
           <a:graphicData uri="http://schemas.openxmlformats.org/presentationml/2006/ole">
             <mc:AlternateContent xmlns:mc="http://schemas.openxmlformats.org/markup-compatibility/2006">
               <mc:Choice xmlns:v="urn:schemas-microsoft-com:vml" Requires="v">
-                <p:oleObj spid="_x0000_s326684" name="Equation" r:id="rId4" imgW="2197100" imgH="292100" progId="Equation.DSMT4">
+                <p:oleObj spid="_x0000_s326694" name="Equation" r:id="rId4" imgW="2197100" imgH="292100" progId="Equation.DSMT4">
                   <p:embed/>
                 </p:oleObj>
               </mc:Choice>
@@ -8864,7 +12227,7 @@
           <a:graphicData uri="http://schemas.openxmlformats.org/presentationml/2006/ole">
             <mc:AlternateContent xmlns:mc="http://schemas.openxmlformats.org/markup-compatibility/2006">
               <mc:Choice xmlns:v="urn:schemas-microsoft-com:vml" Requires="v">
-                <p:oleObj spid="_x0000_s353288" name="Equation" r:id="rId4" imgW="2197100" imgH="292100" progId="Equation.DSMT4">
+                <p:oleObj spid="_x0000_s353299" name="Equation" r:id="rId4" imgW="2197100" imgH="292100" progId="Equation.DSMT4">
                   <p:embed/>
                 </p:oleObj>
               </mc:Choice>
@@ -9069,341 +12432,9 @@
   <p:timing>
     <p:tnLst>
       <p:par>
-        <p:cTn xmlns:p14="http://schemas.microsoft.com/office/powerpoint/2010/main" id="1" dur="indefinite" restart="never" nodeType="tmRoot">
-          <p:childTnLst>
-            <p:seq concurrent="1" nextAc="seek">
-              <p:cTn id="2" dur="indefinite" nodeType="mainSeq">
-                <p:childTnLst>
-                  <p:par>
-                    <p:cTn id="3" fill="hold">
-                      <p:stCondLst>
-                        <p:cond delay="indefinite"/>
-                        <p:cond evt="onBegin" delay="0">
-                          <p:tn val="2"/>
-                        </p:cond>
-                      </p:stCondLst>
-                      <p:childTnLst>
-                        <p:par>
-                          <p:cTn id="4" fill="hold">
-                            <p:stCondLst>
-                              <p:cond delay="0"/>
-                            </p:stCondLst>
-                            <p:childTnLst>
-                              <p:par>
-                                <p:cTn id="5" presetID="22" presetClass="entr" presetSubtype="8" fill="hold" nodeType="afterEffect">
-                                  <p:stCondLst>
-                                    <p:cond delay="0"/>
-                                  </p:stCondLst>
-                                  <p:childTnLst>
-                                    <p:set>
-                                      <p:cBhvr>
-                                        <p:cTn id="6" dur="1" fill="hold">
-                                          <p:stCondLst>
-                                            <p:cond delay="0"/>
-                                          </p:stCondLst>
-                                        </p:cTn>
-                                        <p:tgtEl>
-                                          <p:spTgt spid="8"/>
-                                        </p:tgtEl>
-                                        <p:attrNameLst>
-                                          <p:attrName>style.visibility</p:attrName>
-                                        </p:attrNameLst>
-                                      </p:cBhvr>
-                                      <p:to>
-                                        <p:strVal val="visible"/>
-                                      </p:to>
-                                    </p:set>
-                                    <p:animEffect transition="in" filter="wipe(left)">
-                                      <p:cBhvr>
-                                        <p:cTn id="7" dur="500"/>
-                                        <p:tgtEl>
-                                          <p:spTgt spid="8"/>
-                                        </p:tgtEl>
-                                      </p:cBhvr>
-                                    </p:animEffect>
-                                  </p:childTnLst>
-                                </p:cTn>
-                              </p:par>
-                            </p:childTnLst>
-                          </p:cTn>
-                        </p:par>
-                      </p:childTnLst>
-                    </p:cTn>
-                  </p:par>
-                  <p:par>
-                    <p:cTn id="8" fill="hold">
-                      <p:stCondLst>
-                        <p:cond delay="indefinite"/>
-                      </p:stCondLst>
-                      <p:childTnLst>
-                        <p:par>
-                          <p:cTn id="9" fill="hold">
-                            <p:stCondLst>
-                              <p:cond delay="0"/>
-                            </p:stCondLst>
-                            <p:childTnLst>
-                              <p:par>
-                                <p:cTn id="10" presetID="22" presetClass="entr" presetSubtype="8" fill="hold" nodeType="clickEffect">
-                                  <p:stCondLst>
-                                    <p:cond delay="0"/>
-                                  </p:stCondLst>
-                                  <p:childTnLst>
-                                    <p:set>
-                                      <p:cBhvr>
-                                        <p:cTn id="11" dur="1" fill="hold">
-                                          <p:stCondLst>
-                                            <p:cond delay="0"/>
-                                          </p:stCondLst>
-                                        </p:cTn>
-                                        <p:tgtEl>
-                                          <p:spTgt spid="74769">
-                                            <p:txEl>
-                                              <p:pRg st="0" end="0"/>
-                                            </p:txEl>
-                                          </p:spTgt>
-                                        </p:tgtEl>
-                                        <p:attrNameLst>
-                                          <p:attrName>style.visibility</p:attrName>
-                                        </p:attrNameLst>
-                                      </p:cBhvr>
-                                      <p:to>
-                                        <p:strVal val="visible"/>
-                                      </p:to>
-                                    </p:set>
-                                    <p:animEffect transition="in" filter="wipe(left)">
-                                      <p:cBhvr>
-                                        <p:cTn id="12" dur="500"/>
-                                        <p:tgtEl>
-                                          <p:spTgt spid="74769">
-                                            <p:txEl>
-                                              <p:pRg st="0" end="0"/>
-                                            </p:txEl>
-                                          </p:spTgt>
-                                        </p:tgtEl>
-                                      </p:cBhvr>
-                                    </p:animEffect>
-                                  </p:childTnLst>
-                                </p:cTn>
-                              </p:par>
-                            </p:childTnLst>
-                          </p:cTn>
-                        </p:par>
-                      </p:childTnLst>
-                    </p:cTn>
-                  </p:par>
-                  <p:par>
-                    <p:cTn id="13" fill="hold">
-                      <p:stCondLst>
-                        <p:cond delay="indefinite"/>
-                      </p:stCondLst>
-                      <p:childTnLst>
-                        <p:par>
-                          <p:cTn id="14" fill="hold">
-                            <p:stCondLst>
-                              <p:cond delay="0"/>
-                            </p:stCondLst>
-                            <p:childTnLst>
-                              <p:par>
-                                <p:cTn id="15" presetID="22" presetClass="entr" presetSubtype="8" fill="hold" nodeType="clickEffect">
-                                  <p:stCondLst>
-                                    <p:cond delay="0"/>
-                                  </p:stCondLst>
-                                  <p:childTnLst>
-                                    <p:set>
-                                      <p:cBhvr>
-                                        <p:cTn id="16" dur="1" fill="hold">
-                                          <p:stCondLst>
-                                            <p:cond delay="0"/>
-                                          </p:stCondLst>
-                                        </p:cTn>
-                                        <p:tgtEl>
-                                          <p:spTgt spid="74769">
-                                            <p:txEl>
-                                              <p:pRg st="1" end="1"/>
-                                            </p:txEl>
-                                          </p:spTgt>
-                                        </p:tgtEl>
-                                        <p:attrNameLst>
-                                          <p:attrName>style.visibility</p:attrName>
-                                        </p:attrNameLst>
-                                      </p:cBhvr>
-                                      <p:to>
-                                        <p:strVal val="visible"/>
-                                      </p:to>
-                                    </p:set>
-                                    <p:animEffect transition="in" filter="wipe(left)">
-                                      <p:cBhvr>
-                                        <p:cTn id="17" dur="500"/>
-                                        <p:tgtEl>
-                                          <p:spTgt spid="74769">
-                                            <p:txEl>
-                                              <p:pRg st="1" end="1"/>
-                                            </p:txEl>
-                                          </p:spTgt>
-                                        </p:tgtEl>
-                                      </p:cBhvr>
-                                    </p:animEffect>
-                                  </p:childTnLst>
-                                </p:cTn>
-                              </p:par>
-                            </p:childTnLst>
-                          </p:cTn>
-                        </p:par>
-                        <p:par>
-                          <p:cTn id="18" fill="hold">
-                            <p:stCondLst>
-                              <p:cond delay="500"/>
-                            </p:stCondLst>
-                            <p:childTnLst>
-                              <p:par>
-                                <p:cTn id="19" presetID="15" presetClass="entr" presetSubtype="0" fill="hold" grpId="0" nodeType="afterEffect">
-                                  <p:stCondLst>
-                                    <p:cond delay="0"/>
-                                  </p:stCondLst>
-                                  <p:childTnLst>
-                                    <p:set>
-                                      <p:cBhvr>
-                                        <p:cTn id="20" dur="1" fill="hold">
-                                          <p:stCondLst>
-                                            <p:cond delay="0"/>
-                                          </p:stCondLst>
-                                        </p:cTn>
-                                        <p:tgtEl>
-                                          <p:spTgt spid="27656"/>
-                                        </p:tgtEl>
-                                        <p:attrNameLst>
-                                          <p:attrName>style.visibility</p:attrName>
-                                        </p:attrNameLst>
-                                      </p:cBhvr>
-                                      <p:to>
-                                        <p:strVal val="visible"/>
-                                      </p:to>
-                                    </p:set>
-                                    <p:anim calcmode="lin" valueType="num">
-                                      <p:cBhvr>
-                                        <p:cTn id="21" dur="1000" fill="hold"/>
-                                        <p:tgtEl>
-                                          <p:spTgt spid="27656"/>
-                                        </p:tgtEl>
-                                        <p:attrNameLst>
-                                          <p:attrName>ppt_w</p:attrName>
-                                        </p:attrNameLst>
-                                      </p:cBhvr>
-                                      <p:tavLst>
-                                        <p:tav tm="0">
-                                          <p:val>
-                                            <p:fltVal val="0"/>
-                                          </p:val>
-                                        </p:tav>
-                                        <p:tav tm="100000">
-                                          <p:val>
-                                            <p:strVal val="#ppt_w"/>
-                                          </p:val>
-                                        </p:tav>
-                                      </p:tavLst>
-                                    </p:anim>
-                                    <p:anim calcmode="lin" valueType="num">
-                                      <p:cBhvr>
-                                        <p:cTn id="22" dur="1000" fill="hold"/>
-                                        <p:tgtEl>
-                                          <p:spTgt spid="27656"/>
-                                        </p:tgtEl>
-                                        <p:attrNameLst>
-                                          <p:attrName>ppt_h</p:attrName>
-                                        </p:attrNameLst>
-                                      </p:cBhvr>
-                                      <p:tavLst>
-                                        <p:tav tm="0">
-                                          <p:val>
-                                            <p:fltVal val="0"/>
-                                          </p:val>
-                                        </p:tav>
-                                        <p:tav tm="100000">
-                                          <p:val>
-                                            <p:strVal val="#ppt_h"/>
-                                          </p:val>
-                                        </p:tav>
-                                      </p:tavLst>
-                                    </p:anim>
-                                    <p:anim calcmode="lin" valueType="num">
-                                      <p:cBhvr>
-                                        <p:cTn id="23" dur="1000" fill="hold"/>
-                                        <p:tgtEl>
-                                          <p:spTgt spid="27656"/>
-                                        </p:tgtEl>
-                                        <p:attrNameLst>
-                                          <p:attrName>ppt_x</p:attrName>
-                                        </p:attrNameLst>
-                                      </p:cBhvr>
-                                      <p:tavLst>
-                                        <p:tav tm="0" fmla="#ppt_x+(cos(-2*pi*(1-$))*-#ppt_x-sin(-2*pi*(1-$))*(1-#ppt_y))*(1-$)">
-                                          <p:val>
-                                            <p:fltVal val="0"/>
-                                          </p:val>
-                                        </p:tav>
-                                        <p:tav tm="100000">
-                                          <p:val>
-                                            <p:fltVal val="1"/>
-                                          </p:val>
-                                        </p:tav>
-                                      </p:tavLst>
-                                    </p:anim>
-                                    <p:anim calcmode="lin" valueType="num">
-                                      <p:cBhvr>
-                                        <p:cTn id="24" dur="1000" fill="hold"/>
-                                        <p:tgtEl>
-                                          <p:spTgt spid="27656"/>
-                                        </p:tgtEl>
-                                        <p:attrNameLst>
-                                          <p:attrName>ppt_y</p:attrName>
-                                        </p:attrNameLst>
-                                      </p:cBhvr>
-                                      <p:tavLst>
-                                        <p:tav tm="0" fmla="#ppt_y+(sin(-2*pi*(1-$))*-#ppt_x+cos(-2*pi*(1-$))*(1-#ppt_y))*(1-$)">
-                                          <p:val>
-                                            <p:fltVal val="0"/>
-                                          </p:val>
-                                        </p:tav>
-                                        <p:tav tm="100000">
-                                          <p:val>
-                                            <p:fltVal val="1"/>
-                                          </p:val>
-                                        </p:tav>
-                                      </p:tavLst>
-                                    </p:anim>
-                                  </p:childTnLst>
-                                </p:cTn>
-                              </p:par>
-                            </p:childTnLst>
-                          </p:cTn>
-                        </p:par>
-                      </p:childTnLst>
-                    </p:cTn>
-                  </p:par>
-                </p:childTnLst>
-              </p:cTn>
-              <p:prevCondLst>
-                <p:cond evt="onPrev" delay="0">
-                  <p:tgtEl>
-                    <p:sldTgt/>
-                  </p:tgtEl>
-                </p:cond>
-              </p:prevCondLst>
-              <p:nextCondLst>
-                <p:cond evt="onNext" delay="0">
-                  <p:tgtEl>
-                    <p:sldTgt/>
-                  </p:tgtEl>
-                </p:cond>
-              </p:nextCondLst>
-            </p:seq>
-          </p:childTnLst>
-        </p:cTn>
+        <p:cTn xmlns:p14="http://schemas.microsoft.com/office/powerpoint/2010/main" id="1" dur="indefinite" restart="never" nodeType="tmRoot"/>
       </p:par>
     </p:tnLst>
-    <p:bldLst>
-      <p:bldP spid="27656" grpId="0" animBg="1"/>
-    </p:bldLst>
   </p:timing>
 </p:sld>
 </file>
@@ -9671,7 +12702,7 @@
           <a:graphicData uri="http://schemas.openxmlformats.org/presentationml/2006/ole">
             <mc:AlternateContent xmlns:mc="http://schemas.openxmlformats.org/markup-compatibility/2006">
               <mc:Choice xmlns:v="urn:schemas-microsoft-com:vml" Requires="v">
-                <p:oleObj spid="_x0000_s327728" name="Equation" r:id="rId4" imgW="1447800" imgH="381000" progId="Equation.DSMT4">
+                <p:oleObj spid="_x0000_s327746" name="Equation" r:id="rId4" imgW="1447800" imgH="381000" progId="Equation.DSMT4">
                   <p:embed/>
                 </p:oleObj>
               </mc:Choice>
@@ -9741,7 +12772,7 @@
           <a:graphicData uri="http://schemas.openxmlformats.org/presentationml/2006/ole">
             <mc:AlternateContent xmlns:mc="http://schemas.openxmlformats.org/markup-compatibility/2006">
               <mc:Choice xmlns:v="urn:schemas-microsoft-com:vml" Requires="v">
-                <p:oleObj spid="_x0000_s327729" name="Equation" r:id="rId6" imgW="1435100" imgH="381000" progId="Equation.DSMT4">
+                <p:oleObj spid="_x0000_s327747" name="Equation" r:id="rId6" imgW="1435100" imgH="381000" progId="Equation.DSMT4">
                   <p:embed/>
                 </p:oleObj>
               </mc:Choice>
@@ -10127,6 +13158,1978 @@
     </p:tnLst>
     <p:bldLst>
       <p:bldP spid="32775" grpId="0" animBg="1"/>
+    </p:bldLst>
+  </p:timing>
+</p:sld>
+</file>
+
+<file path=ppt/slides/slide7.xml><?xml version="1.0" encoding="utf-8"?>
+<p:sld xmlns:a="http://schemas.openxmlformats.org/drawingml/2006/main" xmlns:r="http://schemas.openxmlformats.org/officeDocument/2006/relationships" xmlns:p="http://schemas.openxmlformats.org/presentationml/2006/main">
+  <p:cSld>
+    <p:spTree>
+      <p:nvGrpSpPr>
+        <p:cNvPr id="1" name=""/>
+        <p:cNvGrpSpPr/>
+        <p:nvPr/>
+      </p:nvGrpSpPr>
+      <p:grpSpPr>
+        <a:xfrm>
+          <a:off x="0" y="0"/>
+          <a:ext cx="0" cy="0"/>
+          <a:chOff x="0" y="0"/>
+          <a:chExt cx="0" cy="0"/>
+        </a:xfrm>
+      </p:grpSpPr>
+      <p:sp>
+        <p:nvSpPr>
+          <p:cNvPr id="20" name="Slide Number Placeholder 3"/>
+          <p:cNvSpPr>
+            <a:spLocks noGrp="1"/>
+          </p:cNvSpPr>
+          <p:nvPr>
+            <p:ph type="sldNum" sz="quarter" idx="4"/>
+          </p:nvPr>
+        </p:nvSpPr>
+        <p:spPr>
+          <a:xfrm>
+            <a:off x="7696200" y="6629400"/>
+            <a:ext cx="1447800" cy="228600"/>
+          </a:xfrm>
+        </p:spPr>
+        <p:txBody>
+          <a:bodyPr/>
+          <a:lstStyle/>
+          <a:p>
+            <a:pPr>
+              <a:defRPr/>
+            </a:pPr>
+            <a:r>
+              <a:rPr lang="en-US" dirty="0" err="1"/>
+              <a:t>lec</a:t>
+            </a:r>
+            <a:r>
+              <a:rPr lang="en-US" dirty="0" smtClean="0"/>
+              <a:t> !2M.</a:t>
+            </a:r>
+            <a:fld id="{EAD82470-6C7C-49DD-8212-C557C8A87E2B}" type="slidenum">
+              <a:rPr lang="en-US" smtClean="0"/>
+              <a:pPr>
+                <a:defRPr/>
+              </a:pPr>
+              <a:t>7</a:t>
+            </a:fld>
+            <a:endParaRPr lang="en-US" dirty="0"/>
+          </a:p>
+        </p:txBody>
+      </p:sp>
+      <p:sp>
+        <p:nvSpPr>
+          <p:cNvPr id="30726" name="Rectangle 4"/>
+          <p:cNvSpPr>
+            <a:spLocks noGrp="1" noChangeArrowheads="1"/>
+          </p:cNvSpPr>
+          <p:nvPr>
+            <p:ph type="title"/>
+          </p:nvPr>
+        </p:nvSpPr>
+        <p:spPr>
+          <a:noFill/>
+        </p:spPr>
+        <p:txBody>
+          <a:bodyPr/>
+          <a:lstStyle/>
+          <a:p>
+            <a:pPr eaLnBrk="1" hangingPunct="1"/>
+            <a:r>
+              <a:rPr lang="en-US" sz="4000" dirty="0" smtClean="0">
+                <a:solidFill>
+                  <a:schemeClr val="tx1"/>
+                </a:solidFill>
+              </a:rPr>
+              <a:t>TB testing by cases</a:t>
+            </a:r>
+            <a:endParaRPr lang="en-US" sz="4000" dirty="0" smtClean="0">
+              <a:solidFill>
+                <a:schemeClr val="tx1"/>
+              </a:solidFill>
+            </a:endParaRPr>
+          </a:p>
+        </p:txBody>
+      </p:sp>
+      <p:cxnSp>
+        <p:nvCxnSpPr>
+          <p:cNvPr id="30727" name="AutoShape 21"/>
+          <p:cNvCxnSpPr>
+            <a:cxnSpLocks noChangeShapeType="1"/>
+          </p:cNvCxnSpPr>
+          <p:nvPr/>
+        </p:nvCxnSpPr>
+        <p:spPr bwMode="auto">
+          <a:xfrm>
+            <a:off x="1219200" y="3543300"/>
+            <a:ext cx="0" cy="0"/>
+          </a:xfrm>
+          <a:prstGeom prst="straightConnector1">
+            <a:avLst/>
+          </a:prstGeom>
+          <a:noFill/>
+          <a:ln w="9525">
+            <a:solidFill>
+              <a:schemeClr val="tx1"/>
+            </a:solidFill>
+            <a:round/>
+            <a:headEnd/>
+            <a:tailEnd/>
+          </a:ln>
+        </p:spPr>
+      </p:cxnSp>
+      <p:sp>
+        <p:nvSpPr>
+          <p:cNvPr id="39" name="Rectangle 4"/>
+          <p:cNvSpPr txBox="1">
+            <a:spLocks noChangeArrowheads="1"/>
+          </p:cNvSpPr>
+          <p:nvPr/>
+        </p:nvSpPr>
+        <p:spPr bwMode="auto">
+          <a:xfrm>
+            <a:off x="7696200" y="6629400"/>
+            <a:ext cx="1447800" cy="228600"/>
+          </a:xfrm>
+          <a:prstGeom prst="rect">
+            <a:avLst/>
+          </a:prstGeom>
+          <a:noFill/>
+          <a:ln w="9525">
+            <a:noFill/>
+            <a:miter lim="800000"/>
+            <a:headEnd/>
+            <a:tailEnd/>
+          </a:ln>
+          <a:effectLst/>
+        </p:spPr>
+        <p:txBody>
+          <a:bodyPr vert="horz" wrap="square" lIns="91440" tIns="45720" rIns="91440" bIns="45720" numCol="1" anchor="t" anchorCtr="0" compatLnSpc="1">
+            <a:prstTxWarp prst="textNoShape">
+              <a:avLst/>
+            </a:prstTxWarp>
+          </a:bodyPr>
+          <a:lstStyle>
+            <a:lvl1pPr algn="r">
+              <a:defRPr sz="1200" dirty="0" err="1" smtClean="0">
+                <a:latin typeface="+mn-lt"/>
+              </a:defRPr>
+            </a:lvl1pPr>
+          </a:lstStyle>
+          <a:p>
+            <a:pPr marL="0" marR="0" lvl="0" indent="0" algn="r" defTabSz="914400" rtl="0" eaLnBrk="1" fontAlgn="base" latinLnBrk="0" hangingPunct="1">
+              <a:lnSpc>
+                <a:spcPct val="100000"/>
+              </a:lnSpc>
+              <a:spcBef>
+                <a:spcPct val="0"/>
+              </a:spcBef>
+              <a:spcAft>
+                <a:spcPct val="0"/>
+              </a:spcAft>
+              <a:buClrTx/>
+              <a:buSzTx/>
+              <a:buFontTx/>
+              <a:buNone/>
+              <a:tabLst/>
+              <a:defRPr/>
+            </a:pPr>
+            <a:r>
+              <a:rPr kumimoji="0" lang="en-US" sz="1200" b="0" i="0" u="none" strike="noStrike" kern="1200" cap="none" spc="0" normalizeH="0" baseline="0" noProof="0" dirty="0" err="1" smtClean="0">
+                <a:ln>
+                  <a:noFill/>
+                </a:ln>
+                <a:solidFill>
+                  <a:schemeClr val="tx1"/>
+                </a:solidFill>
+                <a:effectLst/>
+                <a:uLnTx/>
+                <a:uFillTx/>
+                <a:latin typeface="+mn-lt"/>
+                <a:ea typeface="+mn-ea"/>
+                <a:cs typeface="+mn-cs"/>
+              </a:rPr>
+              <a:t>lec</a:t>
+            </a:r>
+            <a:r>
+              <a:rPr kumimoji="0" lang="en-US" sz="1200" b="0" i="0" u="none" strike="noStrike" kern="1200" cap="none" spc="0" normalizeH="0" baseline="0" noProof="0" dirty="0" smtClean="0">
+                <a:ln>
+                  <a:noFill/>
+                </a:ln>
+                <a:solidFill>
+                  <a:schemeClr val="tx1"/>
+                </a:solidFill>
+                <a:effectLst/>
+                <a:uLnTx/>
+                <a:uFillTx/>
+                <a:latin typeface="+mn-lt"/>
+                <a:ea typeface="+mn-ea"/>
+                <a:cs typeface="+mn-cs"/>
+              </a:rPr>
+              <a:t> !2M.</a:t>
+            </a:r>
+            <a:fld id="{B9A0B45D-6AFD-413C-B761-B121FB8BE940}" type="slidenum">
+              <a:rPr kumimoji="0" lang="en-US" sz="1200" b="0" i="0" u="none" strike="noStrike" kern="1200" cap="none" spc="0" normalizeH="0" baseline="0" noProof="0" smtClean="0">
+                <a:ln>
+                  <a:noFill/>
+                </a:ln>
+                <a:solidFill>
+                  <a:schemeClr val="tx1"/>
+                </a:solidFill>
+                <a:effectLst/>
+                <a:uLnTx/>
+                <a:uFillTx/>
+                <a:latin typeface="+mn-lt"/>
+                <a:ea typeface="+mn-ea"/>
+                <a:cs typeface="+mn-cs"/>
+              </a:rPr>
+              <a:pPr marL="0" marR="0" lvl="0" indent="0" algn="r" defTabSz="914400" rtl="0" eaLnBrk="1" fontAlgn="base" latinLnBrk="0" hangingPunct="1">
+                <a:lnSpc>
+                  <a:spcPct val="100000"/>
+                </a:lnSpc>
+                <a:spcBef>
+                  <a:spcPct val="0"/>
+                </a:spcBef>
+                <a:spcAft>
+                  <a:spcPct val="0"/>
+                </a:spcAft>
+                <a:buClrTx/>
+                <a:buSzTx/>
+                <a:buFontTx/>
+                <a:buNone/>
+                <a:tabLst/>
+                <a:defRPr/>
+              </a:pPr>
+              <a:t>7</a:t>
+            </a:fld>
+            <a:endParaRPr kumimoji="0" lang="en-US" sz="1200" b="0" i="0" u="none" strike="noStrike" kern="1200" cap="none" spc="0" normalizeH="0" baseline="0" noProof="0" dirty="0">
+              <a:ln>
+                <a:noFill/>
+              </a:ln>
+              <a:solidFill>
+                <a:schemeClr val="tx1"/>
+              </a:solidFill>
+              <a:effectLst/>
+              <a:uLnTx/>
+              <a:uFillTx/>
+              <a:latin typeface="+mn-lt"/>
+              <a:ea typeface="+mn-ea"/>
+              <a:cs typeface="+mn-cs"/>
+            </a:endParaRPr>
+          </a:p>
+        </p:txBody>
+      </p:sp>
+      <p:graphicFrame>
+        <p:nvGraphicFramePr>
+          <p:cNvPr id="3" name="Object 2"/>
+          <p:cNvGraphicFramePr>
+            <a:graphicFrameLocks noChangeAspect="1"/>
+          </p:cNvGraphicFramePr>
+          <p:nvPr>
+            <p:extLst>
+              <p:ext uri="{D42A27DB-BD31-4B8C-83A1-F6EECF244321}">
+                <p14:modId xmlns:p14="http://schemas.microsoft.com/office/powerpoint/2010/main" val="3936592376"/>
+              </p:ext>
+            </p:extLst>
+          </p:nvPr>
+        </p:nvGraphicFramePr>
+        <p:xfrm>
+          <a:off x="498475" y="1257300"/>
+          <a:ext cx="6597650" cy="927100"/>
+        </p:xfrm>
+        <a:graphic>
+          <a:graphicData uri="http://schemas.openxmlformats.org/presentationml/2006/ole">
+            <mc:AlternateContent xmlns:mc="http://schemas.openxmlformats.org/markup-compatibility/2006">
+              <mc:Choice xmlns:v="urn:schemas-microsoft-com:vml" Requires="v">
+                <p:oleObj spid="_x0000_s1063" name="Equation" r:id="rId4" imgW="1714500" imgH="241300" progId="Equation.DSMT4">
+                  <p:embed/>
+                </p:oleObj>
+              </mc:Choice>
+              <mc:Fallback>
+                <p:oleObj name="Equation" r:id="rId4" imgW="1714500" imgH="241300" progId="Equation.DSMT4">
+                  <p:embed/>
+                  <p:pic>
+                    <p:nvPicPr>
+                      <p:cNvPr id="0" name=""/>
+                      <p:cNvPicPr/>
+                      <p:nvPr/>
+                    </p:nvPicPr>
+                    <p:blipFill>
+                      <a:blip r:embed="rId5"/>
+                      <a:stretch>
+                        <a:fillRect/>
+                      </a:stretch>
+                    </p:blipFill>
+                    <p:spPr>
+                      <a:xfrm>
+                        <a:off x="498475" y="1257300"/>
+                        <a:ext cx="6597650" cy="927100"/>
+                      </a:xfrm>
+                      <a:prstGeom prst="rect">
+                        <a:avLst/>
+                      </a:prstGeom>
+                    </p:spPr>
+                  </p:pic>
+                </p:oleObj>
+              </mc:Fallback>
+            </mc:AlternateContent>
+          </a:graphicData>
+        </a:graphic>
+      </p:graphicFrame>
+      <p:graphicFrame>
+        <p:nvGraphicFramePr>
+          <p:cNvPr id="9" name="Object 8"/>
+          <p:cNvGraphicFramePr>
+            <a:graphicFrameLocks noChangeAspect="1"/>
+          </p:cNvGraphicFramePr>
+          <p:nvPr>
+            <p:extLst>
+              <p:ext uri="{D42A27DB-BD31-4B8C-83A1-F6EECF244321}">
+                <p14:modId xmlns:p14="http://schemas.microsoft.com/office/powerpoint/2010/main" val="4059161956"/>
+              </p:ext>
+            </p:extLst>
+          </p:nvPr>
+        </p:nvGraphicFramePr>
+        <p:xfrm>
+          <a:off x="257175" y="2223840"/>
+          <a:ext cx="8601075" cy="1804988"/>
+        </p:xfrm>
+        <a:graphic>
+          <a:graphicData uri="http://schemas.openxmlformats.org/presentationml/2006/ole">
+            <mc:AlternateContent xmlns:mc="http://schemas.openxmlformats.org/markup-compatibility/2006">
+              <mc:Choice xmlns:v="urn:schemas-microsoft-com:vml" Requires="v">
+                <p:oleObj spid="_x0000_s1064" name="Equation" r:id="rId6" imgW="2235200" imgH="469900" progId="Equation.DSMT4">
+                  <p:embed/>
+                </p:oleObj>
+              </mc:Choice>
+              <mc:Fallback>
+                <p:oleObj name="Equation" r:id="rId6" imgW="2235200" imgH="469900" progId="Equation.DSMT4">
+                  <p:embed/>
+                  <p:pic>
+                    <p:nvPicPr>
+                      <p:cNvPr id="0" name=""/>
+                      <p:cNvPicPr/>
+                      <p:nvPr/>
+                    </p:nvPicPr>
+                    <p:blipFill>
+                      <a:blip r:embed="rId7"/>
+                      <a:stretch>
+                        <a:fillRect/>
+                      </a:stretch>
+                    </p:blipFill>
+                    <p:spPr>
+                      <a:xfrm>
+                        <a:off x="257175" y="2223840"/>
+                        <a:ext cx="8601075" cy="1804988"/>
+                      </a:xfrm>
+                      <a:prstGeom prst="rect">
+                        <a:avLst/>
+                      </a:prstGeom>
+                    </p:spPr>
+                  </p:pic>
+                </p:oleObj>
+              </mc:Fallback>
+            </mc:AlternateContent>
+          </a:graphicData>
+        </a:graphic>
+      </p:graphicFrame>
+      <p:graphicFrame>
+        <p:nvGraphicFramePr>
+          <p:cNvPr id="10" name="Object 9"/>
+          <p:cNvGraphicFramePr>
+            <a:graphicFrameLocks noChangeAspect="1"/>
+          </p:cNvGraphicFramePr>
+          <p:nvPr>
+            <p:extLst>
+              <p:ext uri="{D42A27DB-BD31-4B8C-83A1-F6EECF244321}">
+                <p14:modId xmlns:p14="http://schemas.microsoft.com/office/powerpoint/2010/main" val="2160021422"/>
+              </p:ext>
+            </p:extLst>
+          </p:nvPr>
+        </p:nvGraphicFramePr>
+        <p:xfrm>
+          <a:off x="2262188" y="3365499"/>
+          <a:ext cx="4591050" cy="1900238"/>
+        </p:xfrm>
+        <a:graphic>
+          <a:graphicData uri="http://schemas.openxmlformats.org/presentationml/2006/ole">
+            <mc:AlternateContent xmlns:mc="http://schemas.openxmlformats.org/markup-compatibility/2006">
+              <mc:Choice xmlns:v="urn:schemas-microsoft-com:vml" Requires="v">
+                <p:oleObj spid="_x0000_s1065" name="Equation" r:id="rId8" imgW="1193800" imgH="495300" progId="Equation.DSMT4">
+                  <p:embed/>
+                </p:oleObj>
+              </mc:Choice>
+              <mc:Fallback>
+                <p:oleObj name="Equation" r:id="rId8" imgW="1193800" imgH="495300" progId="Equation.DSMT4">
+                  <p:embed/>
+                  <p:pic>
+                    <p:nvPicPr>
+                      <p:cNvPr id="0" name=""/>
+                      <p:cNvPicPr/>
+                      <p:nvPr/>
+                    </p:nvPicPr>
+                    <p:blipFill>
+                      <a:blip r:embed="rId9"/>
+                      <a:stretch>
+                        <a:fillRect/>
+                      </a:stretch>
+                    </p:blipFill>
+                    <p:spPr>
+                      <a:xfrm>
+                        <a:off x="2262188" y="3365499"/>
+                        <a:ext cx="4591050" cy="1900238"/>
+                      </a:xfrm>
+                      <a:prstGeom prst="rect">
+                        <a:avLst/>
+                      </a:prstGeom>
+                    </p:spPr>
+                  </p:pic>
+                </p:oleObj>
+              </mc:Fallback>
+            </mc:AlternateContent>
+          </a:graphicData>
+        </a:graphic>
+      </p:graphicFrame>
+    </p:spTree>
+    <p:extLst>
+      <p:ext uri="{BB962C8B-B14F-4D97-AF65-F5344CB8AC3E}">
+        <p14:creationId xmlns:p14="http://schemas.microsoft.com/office/powerpoint/2010/main" val="3452217804"/>
+      </p:ext>
+    </p:extLst>
+  </p:cSld>
+  <p:clrMapOvr>
+    <a:masterClrMapping/>
+  </p:clrMapOvr>
+  <mc:AlternateContent xmlns:mc="http://schemas.openxmlformats.org/markup-compatibility/2006" xmlns:p14="http://schemas.microsoft.com/office/powerpoint/2010/main">
+    <mc:Choice Requires="p14">
+      <p:transition spd="slow" p14:dur="1200">
+        <p:fade thruBlk="1"/>
+      </p:transition>
+    </mc:Choice>
+    <mc:Fallback xmlns="">
+      <p:transition xmlns:p14="http://schemas.microsoft.com/office/powerpoint/2010/main" spd="slow">
+        <p:fade thruBlk="1"/>
+      </p:transition>
+    </mc:Fallback>
+  </mc:AlternateContent>
+  <p:timing>
+    <p:tnLst>
+      <p:par>
+        <p:cTn xmlns:p14="http://schemas.microsoft.com/office/powerpoint/2010/main" id="1" dur="indefinite" restart="never" nodeType="tmRoot">
+          <p:childTnLst>
+            <p:seq concurrent="1" nextAc="seek">
+              <p:cTn id="2" dur="indefinite" nodeType="mainSeq">
+                <p:childTnLst>
+                  <p:par>
+                    <p:cTn id="3" fill="hold">
+                      <p:stCondLst>
+                        <p:cond delay="indefinite"/>
+                      </p:stCondLst>
+                      <p:childTnLst>
+                        <p:par>
+                          <p:cTn id="4" fill="hold">
+                            <p:stCondLst>
+                              <p:cond delay="0"/>
+                            </p:stCondLst>
+                            <p:childTnLst>
+                              <p:par>
+                                <p:cTn id="5" presetID="22" presetClass="entr" presetSubtype="8" fill="hold" nodeType="clickEffect">
+                                  <p:stCondLst>
+                                    <p:cond delay="0"/>
+                                  </p:stCondLst>
+                                  <p:childTnLst>
+                                    <p:set>
+                                      <p:cBhvr>
+                                        <p:cTn id="6" dur="1" fill="hold">
+                                          <p:stCondLst>
+                                            <p:cond delay="0"/>
+                                          </p:stCondLst>
+                                        </p:cTn>
+                                        <p:tgtEl>
+                                          <p:spTgt spid="3"/>
+                                        </p:tgtEl>
+                                        <p:attrNameLst>
+                                          <p:attrName>style.visibility</p:attrName>
+                                        </p:attrNameLst>
+                                      </p:cBhvr>
+                                      <p:to>
+                                        <p:strVal val="visible"/>
+                                      </p:to>
+                                    </p:set>
+                                    <p:animEffect transition="in" filter="wipe(left)">
+                                      <p:cBhvr>
+                                        <p:cTn id="7" dur="500"/>
+                                        <p:tgtEl>
+                                          <p:spTgt spid="3"/>
+                                        </p:tgtEl>
+                                      </p:cBhvr>
+                                    </p:animEffect>
+                                  </p:childTnLst>
+                                </p:cTn>
+                              </p:par>
+                            </p:childTnLst>
+                          </p:cTn>
+                        </p:par>
+                      </p:childTnLst>
+                    </p:cTn>
+                  </p:par>
+                  <p:par>
+                    <p:cTn id="8" fill="hold">
+                      <p:stCondLst>
+                        <p:cond delay="indefinite"/>
+                      </p:stCondLst>
+                      <p:childTnLst>
+                        <p:par>
+                          <p:cTn id="9" fill="hold">
+                            <p:stCondLst>
+                              <p:cond delay="0"/>
+                            </p:stCondLst>
+                            <p:childTnLst>
+                              <p:par>
+                                <p:cTn id="10" presetID="22" presetClass="entr" presetSubtype="8" fill="hold" nodeType="clickEffect">
+                                  <p:stCondLst>
+                                    <p:cond delay="0"/>
+                                  </p:stCondLst>
+                                  <p:childTnLst>
+                                    <p:set>
+                                      <p:cBhvr>
+                                        <p:cTn id="11" dur="1" fill="hold">
+                                          <p:stCondLst>
+                                            <p:cond delay="0"/>
+                                          </p:stCondLst>
+                                        </p:cTn>
+                                        <p:tgtEl>
+                                          <p:spTgt spid="9"/>
+                                        </p:tgtEl>
+                                        <p:attrNameLst>
+                                          <p:attrName>style.visibility</p:attrName>
+                                        </p:attrNameLst>
+                                      </p:cBhvr>
+                                      <p:to>
+                                        <p:strVal val="visible"/>
+                                      </p:to>
+                                    </p:set>
+                                    <p:animEffect transition="in" filter="wipe(left)">
+                                      <p:cBhvr>
+                                        <p:cTn id="12" dur="500"/>
+                                        <p:tgtEl>
+                                          <p:spTgt spid="9"/>
+                                        </p:tgtEl>
+                                      </p:cBhvr>
+                                    </p:animEffect>
+                                  </p:childTnLst>
+                                </p:cTn>
+                              </p:par>
+                            </p:childTnLst>
+                          </p:cTn>
+                        </p:par>
+                      </p:childTnLst>
+                    </p:cTn>
+                  </p:par>
+                  <p:par>
+                    <p:cTn id="13" fill="hold">
+                      <p:stCondLst>
+                        <p:cond delay="indefinite"/>
+                      </p:stCondLst>
+                      <p:childTnLst>
+                        <p:par>
+                          <p:cTn id="14" fill="hold">
+                            <p:stCondLst>
+                              <p:cond delay="0"/>
+                            </p:stCondLst>
+                            <p:childTnLst>
+                              <p:par>
+                                <p:cTn id="15" presetID="22" presetClass="entr" presetSubtype="8" fill="hold" nodeType="clickEffect">
+                                  <p:stCondLst>
+                                    <p:cond delay="0"/>
+                                  </p:stCondLst>
+                                  <p:childTnLst>
+                                    <p:set>
+                                      <p:cBhvr>
+                                        <p:cTn id="16" dur="1" fill="hold">
+                                          <p:stCondLst>
+                                            <p:cond delay="0"/>
+                                          </p:stCondLst>
+                                        </p:cTn>
+                                        <p:tgtEl>
+                                          <p:spTgt spid="10"/>
+                                        </p:tgtEl>
+                                        <p:attrNameLst>
+                                          <p:attrName>style.visibility</p:attrName>
+                                        </p:attrNameLst>
+                                      </p:cBhvr>
+                                      <p:to>
+                                        <p:strVal val="visible"/>
+                                      </p:to>
+                                    </p:set>
+                                    <p:animEffect transition="in" filter="wipe(left)">
+                                      <p:cBhvr>
+                                        <p:cTn id="17" dur="500"/>
+                                        <p:tgtEl>
+                                          <p:spTgt spid="10"/>
+                                        </p:tgtEl>
+                                      </p:cBhvr>
+                                    </p:animEffect>
+                                  </p:childTnLst>
+                                </p:cTn>
+                              </p:par>
+                            </p:childTnLst>
+                          </p:cTn>
+                        </p:par>
+                      </p:childTnLst>
+                    </p:cTn>
+                  </p:par>
+                </p:childTnLst>
+              </p:cTn>
+              <p:prevCondLst>
+                <p:cond evt="onPrev" delay="0">
+                  <p:tgtEl>
+                    <p:sldTgt/>
+                  </p:tgtEl>
+                </p:cond>
+              </p:prevCondLst>
+              <p:nextCondLst>
+                <p:cond evt="onNext" delay="0">
+                  <p:tgtEl>
+                    <p:sldTgt/>
+                  </p:tgtEl>
+                </p:cond>
+              </p:nextCondLst>
+            </p:seq>
+          </p:childTnLst>
+        </p:cTn>
+      </p:par>
+    </p:tnLst>
+  </p:timing>
+</p:sld>
+</file>
+
+<file path=ppt/slides/slide8.xml><?xml version="1.0" encoding="utf-8"?>
+<p:sld xmlns:a="http://schemas.openxmlformats.org/drawingml/2006/main" xmlns:r="http://schemas.openxmlformats.org/officeDocument/2006/relationships" xmlns:p="http://schemas.openxmlformats.org/presentationml/2006/main">
+  <p:cSld>
+    <p:spTree>
+      <p:nvGrpSpPr>
+        <p:cNvPr id="1" name=""/>
+        <p:cNvGrpSpPr/>
+        <p:nvPr/>
+      </p:nvGrpSpPr>
+      <p:grpSpPr>
+        <a:xfrm>
+          <a:off x="0" y="0"/>
+          <a:ext cx="0" cy="0"/>
+          <a:chOff x="0" y="0"/>
+          <a:chExt cx="0" cy="0"/>
+        </a:xfrm>
+      </p:grpSpPr>
+      <p:sp>
+        <p:nvSpPr>
+          <p:cNvPr id="20" name="Slide Number Placeholder 3"/>
+          <p:cNvSpPr>
+            <a:spLocks noGrp="1"/>
+          </p:cNvSpPr>
+          <p:nvPr>
+            <p:ph type="sldNum" sz="quarter" idx="4"/>
+          </p:nvPr>
+        </p:nvSpPr>
+        <p:spPr>
+          <a:xfrm>
+            <a:off x="7696200" y="6629400"/>
+            <a:ext cx="1447800" cy="228600"/>
+          </a:xfrm>
+        </p:spPr>
+        <p:txBody>
+          <a:bodyPr/>
+          <a:lstStyle/>
+          <a:p>
+            <a:pPr>
+              <a:defRPr/>
+            </a:pPr>
+            <a:r>
+              <a:rPr lang="en-US" dirty="0" err="1"/>
+              <a:t>lec</a:t>
+            </a:r>
+            <a:r>
+              <a:rPr lang="en-US" dirty="0" smtClean="0"/>
+              <a:t> !2M.</a:t>
+            </a:r>
+            <a:fld id="{EAD82470-6C7C-49DD-8212-C557C8A87E2B}" type="slidenum">
+              <a:rPr lang="en-US" smtClean="0"/>
+              <a:pPr>
+                <a:defRPr/>
+              </a:pPr>
+              <a:t>8</a:t>
+            </a:fld>
+            <a:endParaRPr lang="en-US" dirty="0"/>
+          </a:p>
+        </p:txBody>
+      </p:sp>
+      <p:sp>
+        <p:nvSpPr>
+          <p:cNvPr id="30726" name="Rectangle 4"/>
+          <p:cNvSpPr>
+            <a:spLocks noGrp="1" noChangeArrowheads="1"/>
+          </p:cNvSpPr>
+          <p:nvPr>
+            <p:ph type="title"/>
+          </p:nvPr>
+        </p:nvSpPr>
+        <p:spPr>
+          <a:noFill/>
+        </p:spPr>
+        <p:txBody>
+          <a:bodyPr/>
+          <a:lstStyle/>
+          <a:p>
+            <a:pPr eaLnBrk="1" hangingPunct="1"/>
+            <a:r>
+              <a:rPr lang="en-US" sz="4000" dirty="0" smtClean="0">
+                <a:solidFill>
+                  <a:schemeClr val="tx1"/>
+                </a:solidFill>
+              </a:rPr>
+              <a:t>TB testing by cases</a:t>
+            </a:r>
+            <a:endParaRPr lang="en-US" sz="4000" dirty="0" smtClean="0">
+              <a:solidFill>
+                <a:schemeClr val="tx1"/>
+              </a:solidFill>
+            </a:endParaRPr>
+          </a:p>
+        </p:txBody>
+      </p:sp>
+      <p:cxnSp>
+        <p:nvCxnSpPr>
+          <p:cNvPr id="30727" name="AutoShape 21"/>
+          <p:cNvCxnSpPr>
+            <a:cxnSpLocks noChangeShapeType="1"/>
+          </p:cNvCxnSpPr>
+          <p:nvPr/>
+        </p:nvCxnSpPr>
+        <p:spPr bwMode="auto">
+          <a:xfrm>
+            <a:off x="1219200" y="3543300"/>
+            <a:ext cx="0" cy="0"/>
+          </a:xfrm>
+          <a:prstGeom prst="straightConnector1">
+            <a:avLst/>
+          </a:prstGeom>
+          <a:noFill/>
+          <a:ln w="9525">
+            <a:solidFill>
+              <a:schemeClr val="tx1"/>
+            </a:solidFill>
+            <a:round/>
+            <a:headEnd/>
+            <a:tailEnd/>
+          </a:ln>
+        </p:spPr>
+      </p:cxnSp>
+      <p:sp>
+        <p:nvSpPr>
+          <p:cNvPr id="39" name="Rectangle 4"/>
+          <p:cNvSpPr txBox="1">
+            <a:spLocks noChangeArrowheads="1"/>
+          </p:cNvSpPr>
+          <p:nvPr/>
+        </p:nvSpPr>
+        <p:spPr bwMode="auto">
+          <a:xfrm>
+            <a:off x="7696200" y="6629400"/>
+            <a:ext cx="1447800" cy="228600"/>
+          </a:xfrm>
+          <a:prstGeom prst="rect">
+            <a:avLst/>
+          </a:prstGeom>
+          <a:noFill/>
+          <a:ln w="9525">
+            <a:noFill/>
+            <a:miter lim="800000"/>
+            <a:headEnd/>
+            <a:tailEnd/>
+          </a:ln>
+          <a:effectLst/>
+        </p:spPr>
+        <p:txBody>
+          <a:bodyPr vert="horz" wrap="square" lIns="91440" tIns="45720" rIns="91440" bIns="45720" numCol="1" anchor="t" anchorCtr="0" compatLnSpc="1">
+            <a:prstTxWarp prst="textNoShape">
+              <a:avLst/>
+            </a:prstTxWarp>
+          </a:bodyPr>
+          <a:lstStyle>
+            <a:lvl1pPr algn="r">
+              <a:defRPr sz="1200" dirty="0" err="1" smtClean="0">
+                <a:latin typeface="+mn-lt"/>
+              </a:defRPr>
+            </a:lvl1pPr>
+          </a:lstStyle>
+          <a:p>
+            <a:pPr marL="0" marR="0" lvl="0" indent="0" algn="r" defTabSz="914400" rtl="0" eaLnBrk="1" fontAlgn="base" latinLnBrk="0" hangingPunct="1">
+              <a:lnSpc>
+                <a:spcPct val="100000"/>
+              </a:lnSpc>
+              <a:spcBef>
+                <a:spcPct val="0"/>
+              </a:spcBef>
+              <a:spcAft>
+                <a:spcPct val="0"/>
+              </a:spcAft>
+              <a:buClrTx/>
+              <a:buSzTx/>
+              <a:buFontTx/>
+              <a:buNone/>
+              <a:tabLst/>
+              <a:defRPr/>
+            </a:pPr>
+            <a:r>
+              <a:rPr kumimoji="0" lang="en-US" sz="1200" b="0" i="0" u="none" strike="noStrike" kern="1200" cap="none" spc="0" normalizeH="0" baseline="0" noProof="0" dirty="0" err="1" smtClean="0">
+                <a:ln>
+                  <a:noFill/>
+                </a:ln>
+                <a:solidFill>
+                  <a:schemeClr val="tx1"/>
+                </a:solidFill>
+                <a:effectLst/>
+                <a:uLnTx/>
+                <a:uFillTx/>
+                <a:latin typeface="+mn-lt"/>
+                <a:ea typeface="+mn-ea"/>
+                <a:cs typeface="+mn-cs"/>
+              </a:rPr>
+              <a:t>lec</a:t>
+            </a:r>
+            <a:r>
+              <a:rPr kumimoji="0" lang="en-US" sz="1200" b="0" i="0" u="none" strike="noStrike" kern="1200" cap="none" spc="0" normalizeH="0" baseline="0" noProof="0" dirty="0" smtClean="0">
+                <a:ln>
+                  <a:noFill/>
+                </a:ln>
+                <a:solidFill>
+                  <a:schemeClr val="tx1"/>
+                </a:solidFill>
+                <a:effectLst/>
+                <a:uLnTx/>
+                <a:uFillTx/>
+                <a:latin typeface="+mn-lt"/>
+                <a:ea typeface="+mn-ea"/>
+                <a:cs typeface="+mn-cs"/>
+              </a:rPr>
+              <a:t> !2M.</a:t>
+            </a:r>
+            <a:fld id="{B9A0B45D-6AFD-413C-B761-B121FB8BE940}" type="slidenum">
+              <a:rPr kumimoji="0" lang="en-US" sz="1200" b="0" i="0" u="none" strike="noStrike" kern="1200" cap="none" spc="0" normalizeH="0" baseline="0" noProof="0" smtClean="0">
+                <a:ln>
+                  <a:noFill/>
+                </a:ln>
+                <a:solidFill>
+                  <a:schemeClr val="tx1"/>
+                </a:solidFill>
+                <a:effectLst/>
+                <a:uLnTx/>
+                <a:uFillTx/>
+                <a:latin typeface="+mn-lt"/>
+                <a:ea typeface="+mn-ea"/>
+                <a:cs typeface="+mn-cs"/>
+              </a:rPr>
+              <a:pPr marL="0" marR="0" lvl="0" indent="0" algn="r" defTabSz="914400" rtl="0" eaLnBrk="1" fontAlgn="base" latinLnBrk="0" hangingPunct="1">
+                <a:lnSpc>
+                  <a:spcPct val="100000"/>
+                </a:lnSpc>
+                <a:spcBef>
+                  <a:spcPct val="0"/>
+                </a:spcBef>
+                <a:spcAft>
+                  <a:spcPct val="0"/>
+                </a:spcAft>
+                <a:buClrTx/>
+                <a:buSzTx/>
+                <a:buFontTx/>
+                <a:buNone/>
+                <a:tabLst/>
+                <a:defRPr/>
+              </a:pPr>
+              <a:t>8</a:t>
+            </a:fld>
+            <a:endParaRPr kumimoji="0" lang="en-US" sz="1200" b="0" i="0" u="none" strike="noStrike" kern="1200" cap="none" spc="0" normalizeH="0" baseline="0" noProof="0" dirty="0">
+              <a:ln>
+                <a:noFill/>
+              </a:ln>
+              <a:solidFill>
+                <a:schemeClr val="tx1"/>
+              </a:solidFill>
+              <a:effectLst/>
+              <a:uLnTx/>
+              <a:uFillTx/>
+              <a:latin typeface="+mn-lt"/>
+              <a:ea typeface="+mn-ea"/>
+              <a:cs typeface="+mn-cs"/>
+            </a:endParaRPr>
+          </a:p>
+        </p:txBody>
+      </p:sp>
+      <p:graphicFrame>
+        <p:nvGraphicFramePr>
+          <p:cNvPr id="9" name="Object 8"/>
+          <p:cNvGraphicFramePr>
+            <a:graphicFrameLocks noChangeAspect="1"/>
+          </p:cNvGraphicFramePr>
+          <p:nvPr>
+            <p:extLst>
+              <p:ext uri="{D42A27DB-BD31-4B8C-83A1-F6EECF244321}">
+                <p14:modId xmlns:p14="http://schemas.microsoft.com/office/powerpoint/2010/main" val="4248800829"/>
+              </p:ext>
+            </p:extLst>
+          </p:nvPr>
+        </p:nvGraphicFramePr>
+        <p:xfrm>
+          <a:off x="257175" y="2223840"/>
+          <a:ext cx="8601075" cy="1804988"/>
+        </p:xfrm>
+        <a:graphic>
+          <a:graphicData uri="http://schemas.openxmlformats.org/presentationml/2006/ole">
+            <mc:AlternateContent xmlns:mc="http://schemas.openxmlformats.org/markup-compatibility/2006">
+              <mc:Choice xmlns:v="urn:schemas-microsoft-com:vml" Requires="v">
+                <p:oleObj spid="_x0000_s357385" name="Equation" r:id="rId4" imgW="2235200" imgH="469900" progId="Equation.DSMT4">
+                  <p:embed/>
+                </p:oleObj>
+              </mc:Choice>
+              <mc:Fallback>
+                <p:oleObj name="Equation" r:id="rId4" imgW="2235200" imgH="469900" progId="Equation.DSMT4">
+                  <p:embed/>
+                  <p:pic>
+                    <p:nvPicPr>
+                      <p:cNvPr id="0" name=""/>
+                      <p:cNvPicPr/>
+                      <p:nvPr/>
+                    </p:nvPicPr>
+                    <p:blipFill>
+                      <a:blip r:embed="rId5"/>
+                      <a:stretch>
+                        <a:fillRect/>
+                      </a:stretch>
+                    </p:blipFill>
+                    <p:spPr>
+                      <a:xfrm>
+                        <a:off x="257175" y="2223840"/>
+                        <a:ext cx="8601075" cy="1804988"/>
+                      </a:xfrm>
+                      <a:prstGeom prst="rect">
+                        <a:avLst/>
+                      </a:prstGeom>
+                    </p:spPr>
+                  </p:pic>
+                </p:oleObj>
+              </mc:Fallback>
+            </mc:AlternateContent>
+          </a:graphicData>
+        </a:graphic>
+      </p:graphicFrame>
+      <p:graphicFrame>
+        <p:nvGraphicFramePr>
+          <p:cNvPr id="4" name="Object 3"/>
+          <p:cNvGraphicFramePr>
+            <a:graphicFrameLocks noChangeAspect="1"/>
+          </p:cNvGraphicFramePr>
+          <p:nvPr>
+            <p:extLst>
+              <p:ext uri="{D42A27DB-BD31-4B8C-83A1-F6EECF244321}">
+                <p14:modId xmlns:p14="http://schemas.microsoft.com/office/powerpoint/2010/main" val="347277173"/>
+              </p:ext>
+            </p:extLst>
+          </p:nvPr>
+        </p:nvGraphicFramePr>
+        <p:xfrm>
+          <a:off x="1416433" y="3712366"/>
+          <a:ext cx="6569619" cy="1841484"/>
+        </p:xfrm>
+        <a:graphic>
+          <a:graphicData uri="http://schemas.openxmlformats.org/presentationml/2006/ole">
+            <mc:AlternateContent xmlns:mc="http://schemas.openxmlformats.org/markup-compatibility/2006">
+              <mc:Choice xmlns:v="urn:schemas-microsoft-com:vml" Requires="v">
+                <p:oleObj spid="_x0000_s357386" name="Equation" r:id="rId6" imgW="1676400" imgH="469900" progId="Equation.DSMT4">
+                  <p:embed/>
+                </p:oleObj>
+              </mc:Choice>
+              <mc:Fallback>
+                <p:oleObj name="Equation" r:id="rId6" imgW="1676400" imgH="469900" progId="Equation.DSMT4">
+                  <p:embed/>
+                  <p:pic>
+                    <p:nvPicPr>
+                      <p:cNvPr id="0" name=""/>
+                      <p:cNvPicPr/>
+                      <p:nvPr/>
+                    </p:nvPicPr>
+                    <p:blipFill>
+                      <a:blip r:embed="rId7"/>
+                      <a:stretch>
+                        <a:fillRect/>
+                      </a:stretch>
+                    </p:blipFill>
+                    <p:spPr>
+                      <a:xfrm>
+                        <a:off x="1416433" y="3712366"/>
+                        <a:ext cx="6569619" cy="1841484"/>
+                      </a:xfrm>
+                      <a:prstGeom prst="rect">
+                        <a:avLst/>
+                      </a:prstGeom>
+                    </p:spPr>
+                  </p:pic>
+                </p:oleObj>
+              </mc:Fallback>
+            </mc:AlternateContent>
+          </a:graphicData>
+        </a:graphic>
+      </p:graphicFrame>
+    </p:spTree>
+    <p:extLst>
+      <p:ext uri="{BB962C8B-B14F-4D97-AF65-F5344CB8AC3E}">
+        <p14:creationId xmlns:p14="http://schemas.microsoft.com/office/powerpoint/2010/main" val="1157574657"/>
+      </p:ext>
+    </p:extLst>
+  </p:cSld>
+  <p:clrMapOvr>
+    <a:masterClrMapping/>
+  </p:clrMapOvr>
+  <mc:AlternateContent xmlns:mc="http://schemas.openxmlformats.org/markup-compatibility/2006">
+    <mc:Choice xmlns:p14="http://schemas.microsoft.com/office/powerpoint/2010/main" Requires="p14">
+      <p:transition spd="med" p14:dur="700">
+        <p:fade/>
+      </p:transition>
+    </mc:Choice>
+    <mc:Fallback>
+      <p:transition xmlns:p14="http://schemas.microsoft.com/office/powerpoint/2010/main" spd="med">
+        <p:fade/>
+      </p:transition>
+    </mc:Fallback>
+  </mc:AlternateContent>
+  <p:timing>
+    <p:tnLst>
+      <p:par>
+        <p:cTn xmlns:p14="http://schemas.microsoft.com/office/powerpoint/2010/main" id="1" dur="indefinite" restart="never" nodeType="tmRoot">
+          <p:childTnLst>
+            <p:seq concurrent="1" nextAc="seek">
+              <p:cTn id="2" dur="indefinite" nodeType="mainSeq">
+                <p:childTnLst>
+                  <p:par>
+                    <p:cTn id="3" fill="hold">
+                      <p:stCondLst>
+                        <p:cond delay="indefinite"/>
+                      </p:stCondLst>
+                      <p:childTnLst>
+                        <p:par>
+                          <p:cTn id="4" fill="hold">
+                            <p:stCondLst>
+                              <p:cond delay="0"/>
+                            </p:stCondLst>
+                            <p:childTnLst>
+                              <p:par>
+                                <p:cTn id="5" presetID="9" presetClass="entr" presetSubtype="0" fill="hold" nodeType="clickEffect">
+                                  <p:stCondLst>
+                                    <p:cond delay="0"/>
+                                  </p:stCondLst>
+                                  <p:childTnLst>
+                                    <p:set>
+                                      <p:cBhvr>
+                                        <p:cTn id="6" dur="1" fill="hold">
+                                          <p:stCondLst>
+                                            <p:cond delay="0"/>
+                                          </p:stCondLst>
+                                        </p:cTn>
+                                        <p:tgtEl>
+                                          <p:spTgt spid="4"/>
+                                        </p:tgtEl>
+                                        <p:attrNameLst>
+                                          <p:attrName>style.visibility</p:attrName>
+                                        </p:attrNameLst>
+                                      </p:cBhvr>
+                                      <p:to>
+                                        <p:strVal val="visible"/>
+                                      </p:to>
+                                    </p:set>
+                                    <p:animEffect transition="in" filter="dissolve">
+                                      <p:cBhvr>
+                                        <p:cTn id="7" dur="1000"/>
+                                        <p:tgtEl>
+                                          <p:spTgt spid="4"/>
+                                        </p:tgtEl>
+                                      </p:cBhvr>
+                                    </p:animEffect>
+                                  </p:childTnLst>
+                                </p:cTn>
+                              </p:par>
+                            </p:childTnLst>
+                          </p:cTn>
+                        </p:par>
+                      </p:childTnLst>
+                    </p:cTn>
+                  </p:par>
+                </p:childTnLst>
+              </p:cTn>
+              <p:prevCondLst>
+                <p:cond evt="onPrev" delay="0">
+                  <p:tgtEl>
+                    <p:sldTgt/>
+                  </p:tgtEl>
+                </p:cond>
+              </p:prevCondLst>
+              <p:nextCondLst>
+                <p:cond evt="onNext" delay="0">
+                  <p:tgtEl>
+                    <p:sldTgt/>
+                  </p:tgtEl>
+                </p:cond>
+              </p:nextCondLst>
+            </p:seq>
+          </p:childTnLst>
+        </p:cTn>
+      </p:par>
+    </p:tnLst>
+  </p:timing>
+</p:sld>
+</file>
+
+<file path=ppt/slides/slide9.xml><?xml version="1.0" encoding="utf-8"?>
+<p:sld xmlns:a="http://schemas.openxmlformats.org/drawingml/2006/main" xmlns:r="http://schemas.openxmlformats.org/officeDocument/2006/relationships" xmlns:p="http://schemas.openxmlformats.org/presentationml/2006/main">
+  <p:cSld>
+    <p:spTree>
+      <p:nvGrpSpPr>
+        <p:cNvPr id="1" name=""/>
+        <p:cNvGrpSpPr/>
+        <p:nvPr/>
+      </p:nvGrpSpPr>
+      <p:grpSpPr>
+        <a:xfrm>
+          <a:off x="0" y="0"/>
+          <a:ext cx="0" cy="0"/>
+          <a:chOff x="0" y="0"/>
+          <a:chExt cx="0" cy="0"/>
+        </a:xfrm>
+      </p:grpSpPr>
+      <p:sp>
+        <p:nvSpPr>
+          <p:cNvPr id="20" name="Slide Number Placeholder 3"/>
+          <p:cNvSpPr>
+            <a:spLocks noGrp="1"/>
+          </p:cNvSpPr>
+          <p:nvPr>
+            <p:ph type="sldNum" sz="quarter" idx="4"/>
+          </p:nvPr>
+        </p:nvSpPr>
+        <p:spPr>
+          <a:xfrm>
+            <a:off x="7696200" y="6629400"/>
+            <a:ext cx="1447800" cy="228600"/>
+          </a:xfrm>
+        </p:spPr>
+        <p:txBody>
+          <a:bodyPr/>
+          <a:lstStyle/>
+          <a:p>
+            <a:pPr>
+              <a:defRPr/>
+            </a:pPr>
+            <a:r>
+              <a:rPr lang="en-US" dirty="0" err="1"/>
+              <a:t>lec</a:t>
+            </a:r>
+            <a:r>
+              <a:rPr lang="en-US" dirty="0" smtClean="0"/>
+              <a:t> !2M.</a:t>
+            </a:r>
+            <a:fld id="{EAD82470-6C7C-49DD-8212-C557C8A87E2B}" type="slidenum">
+              <a:rPr lang="en-US" smtClean="0"/>
+              <a:pPr>
+                <a:defRPr/>
+              </a:pPr>
+              <a:t>9</a:t>
+            </a:fld>
+            <a:endParaRPr lang="en-US" dirty="0"/>
+          </a:p>
+        </p:txBody>
+      </p:sp>
+      <p:cxnSp>
+        <p:nvCxnSpPr>
+          <p:cNvPr id="30727" name="AutoShape 21"/>
+          <p:cNvCxnSpPr>
+            <a:cxnSpLocks noChangeShapeType="1"/>
+          </p:cNvCxnSpPr>
+          <p:nvPr/>
+        </p:nvCxnSpPr>
+        <p:spPr bwMode="auto">
+          <a:xfrm>
+            <a:off x="1219200" y="3543300"/>
+            <a:ext cx="0" cy="0"/>
+          </a:xfrm>
+          <a:prstGeom prst="straightConnector1">
+            <a:avLst/>
+          </a:prstGeom>
+          <a:noFill/>
+          <a:ln w="9525">
+            <a:solidFill>
+              <a:schemeClr val="tx1"/>
+            </a:solidFill>
+            <a:round/>
+            <a:headEnd/>
+            <a:tailEnd/>
+          </a:ln>
+        </p:spPr>
+      </p:cxnSp>
+      <p:sp>
+        <p:nvSpPr>
+          <p:cNvPr id="39" name="Rectangle 4"/>
+          <p:cNvSpPr txBox="1">
+            <a:spLocks noChangeArrowheads="1"/>
+          </p:cNvSpPr>
+          <p:nvPr/>
+        </p:nvSpPr>
+        <p:spPr bwMode="auto">
+          <a:xfrm>
+            <a:off x="7696200" y="6629400"/>
+            <a:ext cx="1447800" cy="228600"/>
+          </a:xfrm>
+          <a:prstGeom prst="rect">
+            <a:avLst/>
+          </a:prstGeom>
+          <a:noFill/>
+          <a:ln w="9525">
+            <a:noFill/>
+            <a:miter lim="800000"/>
+            <a:headEnd/>
+            <a:tailEnd/>
+          </a:ln>
+          <a:effectLst/>
+        </p:spPr>
+        <p:txBody>
+          <a:bodyPr vert="horz" wrap="square" lIns="91440" tIns="45720" rIns="91440" bIns="45720" numCol="1" anchor="t" anchorCtr="0" compatLnSpc="1">
+            <a:prstTxWarp prst="textNoShape">
+              <a:avLst/>
+            </a:prstTxWarp>
+          </a:bodyPr>
+          <a:lstStyle>
+            <a:lvl1pPr algn="r">
+              <a:defRPr sz="1200" dirty="0" err="1" smtClean="0">
+                <a:latin typeface="+mn-lt"/>
+              </a:defRPr>
+            </a:lvl1pPr>
+          </a:lstStyle>
+          <a:p>
+            <a:pPr marL="0" marR="0" lvl="0" indent="0" algn="r" defTabSz="914400" rtl="0" eaLnBrk="1" fontAlgn="base" latinLnBrk="0" hangingPunct="1">
+              <a:lnSpc>
+                <a:spcPct val="100000"/>
+              </a:lnSpc>
+              <a:spcBef>
+                <a:spcPct val="0"/>
+              </a:spcBef>
+              <a:spcAft>
+                <a:spcPct val="0"/>
+              </a:spcAft>
+              <a:buClrTx/>
+              <a:buSzTx/>
+              <a:buFontTx/>
+              <a:buNone/>
+              <a:tabLst/>
+              <a:defRPr/>
+            </a:pPr>
+            <a:r>
+              <a:rPr kumimoji="0" lang="en-US" sz="1200" b="0" i="0" u="none" strike="noStrike" kern="1200" cap="none" spc="0" normalizeH="0" baseline="0" noProof="0" dirty="0" err="1" smtClean="0">
+                <a:ln>
+                  <a:noFill/>
+                </a:ln>
+                <a:solidFill>
+                  <a:schemeClr val="tx1"/>
+                </a:solidFill>
+                <a:effectLst/>
+                <a:uLnTx/>
+                <a:uFillTx/>
+                <a:latin typeface="+mn-lt"/>
+                <a:ea typeface="+mn-ea"/>
+                <a:cs typeface="+mn-cs"/>
+              </a:rPr>
+              <a:t>lec</a:t>
+            </a:r>
+            <a:r>
+              <a:rPr kumimoji="0" lang="en-US" sz="1200" b="0" i="0" u="none" strike="noStrike" kern="1200" cap="none" spc="0" normalizeH="0" baseline="0" noProof="0" dirty="0" smtClean="0">
+                <a:ln>
+                  <a:noFill/>
+                </a:ln>
+                <a:solidFill>
+                  <a:schemeClr val="tx1"/>
+                </a:solidFill>
+                <a:effectLst/>
+                <a:uLnTx/>
+                <a:uFillTx/>
+                <a:latin typeface="+mn-lt"/>
+                <a:ea typeface="+mn-ea"/>
+                <a:cs typeface="+mn-cs"/>
+              </a:rPr>
+              <a:t> !2M.</a:t>
+            </a:r>
+            <a:fld id="{B9A0B45D-6AFD-413C-B761-B121FB8BE940}" type="slidenum">
+              <a:rPr kumimoji="0" lang="en-US" sz="1200" b="0" i="0" u="none" strike="noStrike" kern="1200" cap="none" spc="0" normalizeH="0" baseline="0" noProof="0" smtClean="0">
+                <a:ln>
+                  <a:noFill/>
+                </a:ln>
+                <a:solidFill>
+                  <a:schemeClr val="tx1"/>
+                </a:solidFill>
+                <a:effectLst/>
+                <a:uLnTx/>
+                <a:uFillTx/>
+                <a:latin typeface="+mn-lt"/>
+                <a:ea typeface="+mn-ea"/>
+                <a:cs typeface="+mn-cs"/>
+              </a:rPr>
+              <a:pPr marL="0" marR="0" lvl="0" indent="0" algn="r" defTabSz="914400" rtl="0" eaLnBrk="1" fontAlgn="base" latinLnBrk="0" hangingPunct="1">
+                <a:lnSpc>
+                  <a:spcPct val="100000"/>
+                </a:lnSpc>
+                <a:spcBef>
+                  <a:spcPct val="0"/>
+                </a:spcBef>
+                <a:spcAft>
+                  <a:spcPct val="0"/>
+                </a:spcAft>
+                <a:buClrTx/>
+                <a:buSzTx/>
+                <a:buFontTx/>
+                <a:buNone/>
+                <a:tabLst/>
+                <a:defRPr/>
+              </a:pPr>
+              <a:t>9</a:t>
+            </a:fld>
+            <a:endParaRPr kumimoji="0" lang="en-US" sz="1200" b="0" i="0" u="none" strike="noStrike" kern="1200" cap="none" spc="0" normalizeH="0" baseline="0" noProof="0" dirty="0">
+              <a:ln>
+                <a:noFill/>
+              </a:ln>
+              <a:solidFill>
+                <a:schemeClr val="tx1"/>
+              </a:solidFill>
+              <a:effectLst/>
+              <a:uLnTx/>
+              <a:uFillTx/>
+              <a:latin typeface="+mn-lt"/>
+              <a:ea typeface="+mn-ea"/>
+              <a:cs typeface="+mn-cs"/>
+            </a:endParaRPr>
+          </a:p>
+        </p:txBody>
+      </p:sp>
+      <p:graphicFrame>
+        <p:nvGraphicFramePr>
+          <p:cNvPr id="11" name="Object 10"/>
+          <p:cNvGraphicFramePr>
+            <a:graphicFrameLocks noChangeAspect="1"/>
+          </p:cNvGraphicFramePr>
+          <p:nvPr>
+            <p:extLst>
+              <p:ext uri="{D42A27DB-BD31-4B8C-83A1-F6EECF244321}">
+                <p14:modId xmlns:p14="http://schemas.microsoft.com/office/powerpoint/2010/main" val="2397531166"/>
+              </p:ext>
+            </p:extLst>
+          </p:nvPr>
+        </p:nvGraphicFramePr>
+        <p:xfrm>
+          <a:off x="377015" y="1298970"/>
+          <a:ext cx="8315689" cy="1570125"/>
+        </p:xfrm>
+        <a:graphic>
+          <a:graphicData uri="http://schemas.openxmlformats.org/presentationml/2006/ole">
+            <mc:AlternateContent xmlns:mc="http://schemas.openxmlformats.org/markup-compatibility/2006">
+              <mc:Choice xmlns:v="urn:schemas-microsoft-com:vml" Requires="v">
+                <p:oleObj spid="_x0000_s354338" name="Equation" r:id="rId4" imgW="2413000" imgH="457200" progId="Equation.DSMT4">
+                  <p:embed/>
+                </p:oleObj>
+              </mc:Choice>
+              <mc:Fallback>
+                <p:oleObj name="Equation" r:id="rId4" imgW="2413000" imgH="457200" progId="Equation.DSMT4">
+                  <p:embed/>
+                  <p:pic>
+                    <p:nvPicPr>
+                      <p:cNvPr id="0" name=""/>
+                      <p:cNvPicPr/>
+                      <p:nvPr/>
+                    </p:nvPicPr>
+                    <p:blipFill>
+                      <a:blip r:embed="rId5"/>
+                      <a:stretch>
+                        <a:fillRect/>
+                      </a:stretch>
+                    </p:blipFill>
+                    <p:spPr>
+                      <a:xfrm>
+                        <a:off x="377015" y="1298970"/>
+                        <a:ext cx="8315689" cy="1570125"/>
+                      </a:xfrm>
+                      <a:prstGeom prst="rect">
+                        <a:avLst/>
+                      </a:prstGeom>
+                    </p:spPr>
+                  </p:pic>
+                </p:oleObj>
+              </mc:Fallback>
+            </mc:AlternateContent>
+          </a:graphicData>
+        </a:graphic>
+      </p:graphicFrame>
+      <p:graphicFrame>
+        <p:nvGraphicFramePr>
+          <p:cNvPr id="12" name="Object 11"/>
+          <p:cNvGraphicFramePr>
+            <a:graphicFrameLocks noChangeAspect="1"/>
+          </p:cNvGraphicFramePr>
+          <p:nvPr>
+            <p:extLst>
+              <p:ext uri="{D42A27DB-BD31-4B8C-83A1-F6EECF244321}">
+                <p14:modId xmlns:p14="http://schemas.microsoft.com/office/powerpoint/2010/main" val="2414317929"/>
+              </p:ext>
+            </p:extLst>
+          </p:nvPr>
+        </p:nvGraphicFramePr>
+        <p:xfrm>
+          <a:off x="623888" y="2922588"/>
+          <a:ext cx="7458075" cy="1647825"/>
+        </p:xfrm>
+        <a:graphic>
+          <a:graphicData uri="http://schemas.openxmlformats.org/presentationml/2006/ole">
+            <mc:AlternateContent xmlns:mc="http://schemas.openxmlformats.org/markup-compatibility/2006">
+              <mc:Choice xmlns:v="urn:schemas-microsoft-com:vml" Requires="v">
+                <p:oleObj spid="_x0000_s354339" name="Equation" r:id="rId6" imgW="2235200" imgH="495300" progId="Equation.DSMT4">
+                  <p:embed/>
+                </p:oleObj>
+              </mc:Choice>
+              <mc:Fallback>
+                <p:oleObj name="Equation" r:id="rId6" imgW="2235200" imgH="495300" progId="Equation.DSMT4">
+                  <p:embed/>
+                  <p:pic>
+                    <p:nvPicPr>
+                      <p:cNvPr id="0" name=""/>
+                      <p:cNvPicPr/>
+                      <p:nvPr/>
+                    </p:nvPicPr>
+                    <p:blipFill>
+                      <a:blip r:embed="rId7"/>
+                      <a:stretch>
+                        <a:fillRect/>
+                      </a:stretch>
+                    </p:blipFill>
+                    <p:spPr>
+                      <a:xfrm>
+                        <a:off x="623888" y="2922588"/>
+                        <a:ext cx="7458075" cy="1647825"/>
+                      </a:xfrm>
+                      <a:prstGeom prst="rect">
+                        <a:avLst/>
+                      </a:prstGeom>
+                    </p:spPr>
+                  </p:pic>
+                </p:oleObj>
+              </mc:Fallback>
+            </mc:AlternateContent>
+          </a:graphicData>
+        </a:graphic>
+      </p:graphicFrame>
+      <p:sp>
+        <p:nvSpPr>
+          <p:cNvPr id="13" name="Rectangle 4"/>
+          <p:cNvSpPr txBox="1">
+            <a:spLocks noChangeArrowheads="1"/>
+          </p:cNvSpPr>
+          <p:nvPr/>
+        </p:nvSpPr>
+        <p:spPr bwMode="auto">
+          <a:xfrm>
+            <a:off x="1447800" y="381000"/>
+            <a:ext cx="6553200" cy="838200"/>
+          </a:xfrm>
+          <a:prstGeom prst="rect">
+            <a:avLst/>
+          </a:prstGeom>
+          <a:noFill/>
+          <a:ln w="9525">
+            <a:noFill/>
+            <a:miter lim="800000"/>
+            <a:headEnd/>
+            <a:tailEnd/>
+          </a:ln>
+        </p:spPr>
+        <p:txBody>
+          <a:bodyPr vert="horz" wrap="square" lIns="91440" tIns="45720" rIns="91440" bIns="45720" numCol="1" anchor="ctr" anchorCtr="0" compatLnSpc="1">
+            <a:prstTxWarp prst="textNoShape">
+              <a:avLst/>
+            </a:prstTxWarp>
+          </a:bodyPr>
+          <a:lstStyle>
+            <a:lvl1pPr algn="ctr" rtl="0" eaLnBrk="0" fontAlgn="base" hangingPunct="0">
+              <a:spcBef>
+                <a:spcPct val="0"/>
+              </a:spcBef>
+              <a:spcAft>
+                <a:spcPct val="0"/>
+              </a:spcAft>
+              <a:defRPr sz="3200" b="1">
+                <a:solidFill>
+                  <a:schemeClr val="tx2"/>
+                </a:solidFill>
+                <a:latin typeface="+mj-lt"/>
+                <a:ea typeface="+mj-ea"/>
+                <a:cs typeface="+mj-cs"/>
+              </a:defRPr>
+            </a:lvl1pPr>
+            <a:lvl2pPr algn="ctr" rtl="0" eaLnBrk="0" fontAlgn="base" hangingPunct="0">
+              <a:spcBef>
+                <a:spcPct val="0"/>
+              </a:spcBef>
+              <a:spcAft>
+                <a:spcPct val="0"/>
+              </a:spcAft>
+              <a:defRPr sz="3600" b="1">
+                <a:solidFill>
+                  <a:schemeClr val="tx2"/>
+                </a:solidFill>
+                <a:latin typeface="Comic Sans MS" pitchFamily="66" charset="0"/>
+              </a:defRPr>
+            </a:lvl2pPr>
+            <a:lvl3pPr algn="ctr" rtl="0" eaLnBrk="0" fontAlgn="base" hangingPunct="0">
+              <a:spcBef>
+                <a:spcPct val="0"/>
+              </a:spcBef>
+              <a:spcAft>
+                <a:spcPct val="0"/>
+              </a:spcAft>
+              <a:defRPr sz="3600" b="1">
+                <a:solidFill>
+                  <a:schemeClr val="tx2"/>
+                </a:solidFill>
+                <a:latin typeface="Comic Sans MS" pitchFamily="66" charset="0"/>
+              </a:defRPr>
+            </a:lvl3pPr>
+            <a:lvl4pPr algn="ctr" rtl="0" eaLnBrk="0" fontAlgn="base" hangingPunct="0">
+              <a:spcBef>
+                <a:spcPct val="0"/>
+              </a:spcBef>
+              <a:spcAft>
+                <a:spcPct val="0"/>
+              </a:spcAft>
+              <a:defRPr sz="3600" b="1">
+                <a:solidFill>
+                  <a:schemeClr val="tx2"/>
+                </a:solidFill>
+                <a:latin typeface="Comic Sans MS" pitchFamily="66" charset="0"/>
+              </a:defRPr>
+            </a:lvl4pPr>
+            <a:lvl5pPr algn="ctr" rtl="0" eaLnBrk="0" fontAlgn="base" hangingPunct="0">
+              <a:spcBef>
+                <a:spcPct val="0"/>
+              </a:spcBef>
+              <a:spcAft>
+                <a:spcPct val="0"/>
+              </a:spcAft>
+              <a:defRPr sz="3600" b="1">
+                <a:solidFill>
+                  <a:schemeClr val="tx2"/>
+                </a:solidFill>
+                <a:latin typeface="Comic Sans MS" pitchFamily="66" charset="0"/>
+              </a:defRPr>
+            </a:lvl5pPr>
+            <a:lvl6pPr marL="457200" algn="ctr" rtl="0" fontAlgn="base">
+              <a:spcBef>
+                <a:spcPct val="0"/>
+              </a:spcBef>
+              <a:spcAft>
+                <a:spcPct val="0"/>
+              </a:spcAft>
+              <a:defRPr sz="3600" b="1">
+                <a:solidFill>
+                  <a:schemeClr val="tx2"/>
+                </a:solidFill>
+                <a:latin typeface="Comic Sans MS" pitchFamily="66" charset="0"/>
+              </a:defRPr>
+            </a:lvl6pPr>
+            <a:lvl7pPr marL="914400" algn="ctr" rtl="0" fontAlgn="base">
+              <a:spcBef>
+                <a:spcPct val="0"/>
+              </a:spcBef>
+              <a:spcAft>
+                <a:spcPct val="0"/>
+              </a:spcAft>
+              <a:defRPr sz="3600" b="1">
+                <a:solidFill>
+                  <a:schemeClr val="tx2"/>
+                </a:solidFill>
+                <a:latin typeface="Comic Sans MS" pitchFamily="66" charset="0"/>
+              </a:defRPr>
+            </a:lvl7pPr>
+            <a:lvl8pPr marL="1371600" algn="ctr" rtl="0" fontAlgn="base">
+              <a:spcBef>
+                <a:spcPct val="0"/>
+              </a:spcBef>
+              <a:spcAft>
+                <a:spcPct val="0"/>
+              </a:spcAft>
+              <a:defRPr sz="3600" b="1">
+                <a:solidFill>
+                  <a:schemeClr val="tx2"/>
+                </a:solidFill>
+                <a:latin typeface="Comic Sans MS" pitchFamily="66" charset="0"/>
+              </a:defRPr>
+            </a:lvl8pPr>
+            <a:lvl9pPr marL="1828800" algn="ctr" rtl="0" fontAlgn="base">
+              <a:spcBef>
+                <a:spcPct val="0"/>
+              </a:spcBef>
+              <a:spcAft>
+                <a:spcPct val="0"/>
+              </a:spcAft>
+              <a:defRPr sz="3600" b="1">
+                <a:solidFill>
+                  <a:schemeClr val="tx2"/>
+                </a:solidFill>
+                <a:latin typeface="Comic Sans MS" pitchFamily="66" charset="0"/>
+              </a:defRPr>
+            </a:lvl9pPr>
+          </a:lstStyle>
+          <a:p>
+            <a:pPr eaLnBrk="1" hangingPunct="1"/>
+            <a:r>
+              <a:rPr lang="en-US" sz="4000" smtClean="0">
+                <a:solidFill>
+                  <a:schemeClr val="tx1"/>
+                </a:solidFill>
+              </a:rPr>
+              <a:t>TB testing by cases</a:t>
+            </a:r>
+            <a:endParaRPr lang="en-US" sz="4000" dirty="0" smtClean="0">
+              <a:solidFill>
+                <a:schemeClr val="tx1"/>
+              </a:solidFill>
+            </a:endParaRPr>
+          </a:p>
+        </p:txBody>
+      </p:sp>
+      <p:graphicFrame>
+        <p:nvGraphicFramePr>
+          <p:cNvPr id="4" name="Object 3"/>
+          <p:cNvGraphicFramePr>
+            <a:graphicFrameLocks noChangeAspect="1"/>
+          </p:cNvGraphicFramePr>
+          <p:nvPr>
+            <p:extLst>
+              <p:ext uri="{D42A27DB-BD31-4B8C-83A1-F6EECF244321}">
+                <p14:modId xmlns:p14="http://schemas.microsoft.com/office/powerpoint/2010/main" val="651920812"/>
+              </p:ext>
+            </p:extLst>
+          </p:nvPr>
+        </p:nvGraphicFramePr>
+        <p:xfrm>
+          <a:off x="1723919" y="4327597"/>
+          <a:ext cx="1582074" cy="1626020"/>
+        </p:xfrm>
+        <a:graphic>
+          <a:graphicData uri="http://schemas.openxmlformats.org/presentationml/2006/ole">
+            <mc:AlternateContent xmlns:mc="http://schemas.openxmlformats.org/markup-compatibility/2006">
+              <mc:Choice xmlns:v="urn:schemas-microsoft-com:vml" Requires="v">
+                <p:oleObj spid="_x0000_s354340" name="Equation" r:id="rId8" imgW="457200" imgH="469900" progId="Equation.DSMT4">
+                  <p:embed/>
+                </p:oleObj>
+              </mc:Choice>
+              <mc:Fallback>
+                <p:oleObj name="Equation" r:id="rId8" imgW="457200" imgH="469900" progId="Equation.DSMT4">
+                  <p:embed/>
+                  <p:pic>
+                    <p:nvPicPr>
+                      <p:cNvPr id="0" name=""/>
+                      <p:cNvPicPr/>
+                      <p:nvPr/>
+                    </p:nvPicPr>
+                    <p:blipFill>
+                      <a:blip r:embed="rId9"/>
+                      <a:stretch>
+                        <a:fillRect/>
+                      </a:stretch>
+                    </p:blipFill>
+                    <p:spPr>
+                      <a:xfrm>
+                        <a:off x="1723919" y="4327597"/>
+                        <a:ext cx="1582074" cy="1626020"/>
+                      </a:xfrm>
+                      <a:prstGeom prst="rect">
+                        <a:avLst/>
+                      </a:prstGeom>
+                    </p:spPr>
+                  </p:pic>
+                </p:oleObj>
+              </mc:Fallback>
+            </mc:AlternateContent>
+          </a:graphicData>
+        </a:graphic>
+      </p:graphicFrame>
+      <p:sp>
+        <p:nvSpPr>
+          <p:cNvPr id="5" name="TextBox 4"/>
+          <p:cNvSpPr txBox="1"/>
+          <p:nvPr/>
+        </p:nvSpPr>
+        <p:spPr>
+          <a:xfrm>
+            <a:off x="3788939" y="4626813"/>
+            <a:ext cx="5009504" cy="1446550"/>
+          </a:xfrm>
+          <a:prstGeom prst="rect">
+            <a:avLst/>
+          </a:prstGeom>
+          <a:noFill/>
+        </p:spPr>
+        <p:txBody>
+          <a:bodyPr wrap="none" rtlCol="0">
+            <a:spAutoFit/>
+          </a:bodyPr>
+          <a:lstStyle/>
+          <a:p>
+            <a:pPr algn="l"/>
+            <a:r>
+              <a:rPr lang="en-US" sz="4400" dirty="0">
+                <a:latin typeface="+mj-lt"/>
+              </a:rPr>
+              <a:t>—dominated </a:t>
+            </a:r>
+            <a:r>
+              <a:rPr lang="en-US" sz="4400" dirty="0" smtClean="0">
+                <a:latin typeface="+mj-lt"/>
+              </a:rPr>
+              <a:t>by</a:t>
+            </a:r>
+          </a:p>
+          <a:p>
+            <a:pPr algn="l"/>
+            <a:r>
+              <a:rPr lang="en-US" sz="4400" dirty="0" smtClean="0">
+                <a:latin typeface="+mj-lt"/>
+              </a:rPr>
+              <a:t>false positive rate</a:t>
+            </a:r>
+            <a:endParaRPr lang="en-US" sz="4400" dirty="0" smtClean="0">
+              <a:latin typeface="+mj-lt"/>
+            </a:endParaRPr>
+          </a:p>
+        </p:txBody>
+      </p:sp>
+    </p:spTree>
+    <p:extLst>
+      <p:ext uri="{BB962C8B-B14F-4D97-AF65-F5344CB8AC3E}">
+        <p14:creationId xmlns:p14="http://schemas.microsoft.com/office/powerpoint/2010/main" val="673556320"/>
+      </p:ext>
+    </p:extLst>
+  </p:cSld>
+  <p:clrMapOvr>
+    <a:masterClrMapping/>
+  </p:clrMapOvr>
+  <mc:AlternateContent xmlns:mc="http://schemas.openxmlformats.org/markup-compatibility/2006">
+    <mc:Choice xmlns:p14="http://schemas.microsoft.com/office/powerpoint/2010/main" Requires="p14">
+      <p:transition spd="slow" p14:dur="800">
+        <p:fade thruBlk="1"/>
+      </p:transition>
+    </mc:Choice>
+    <mc:Fallback>
+      <p:transition xmlns:p14="http://schemas.microsoft.com/office/powerpoint/2010/main" spd="slow">
+        <p:fade thruBlk="1"/>
+      </p:transition>
+    </mc:Fallback>
+  </mc:AlternateContent>
+  <p:timing>
+    <p:tnLst>
+      <p:par>
+        <p:cTn xmlns:p14="http://schemas.microsoft.com/office/powerpoint/2010/main" id="1" dur="indefinite" restart="never" nodeType="tmRoot">
+          <p:childTnLst>
+            <p:seq concurrent="1" nextAc="seek">
+              <p:cTn id="2" dur="indefinite" nodeType="mainSeq">
+                <p:childTnLst>
+                  <p:par>
+                    <p:cTn id="3" fill="hold">
+                      <p:stCondLst>
+                        <p:cond delay="indefinite"/>
+                      </p:stCondLst>
+                      <p:childTnLst>
+                        <p:par>
+                          <p:cTn id="4" fill="hold">
+                            <p:stCondLst>
+                              <p:cond delay="0"/>
+                            </p:stCondLst>
+                            <p:childTnLst>
+                              <p:par>
+                                <p:cTn id="5" presetID="22" presetClass="entr" presetSubtype="8" fill="hold" nodeType="clickEffect">
+                                  <p:stCondLst>
+                                    <p:cond delay="0"/>
+                                  </p:stCondLst>
+                                  <p:childTnLst>
+                                    <p:set>
+                                      <p:cBhvr>
+                                        <p:cTn id="6" dur="1" fill="hold">
+                                          <p:stCondLst>
+                                            <p:cond delay="0"/>
+                                          </p:stCondLst>
+                                        </p:cTn>
+                                        <p:tgtEl>
+                                          <p:spTgt spid="12"/>
+                                        </p:tgtEl>
+                                        <p:attrNameLst>
+                                          <p:attrName>style.visibility</p:attrName>
+                                        </p:attrNameLst>
+                                      </p:cBhvr>
+                                      <p:to>
+                                        <p:strVal val="visible"/>
+                                      </p:to>
+                                    </p:set>
+                                    <p:animEffect transition="in" filter="wipe(left)">
+                                      <p:cBhvr>
+                                        <p:cTn id="7" dur="1000"/>
+                                        <p:tgtEl>
+                                          <p:spTgt spid="12"/>
+                                        </p:tgtEl>
+                                      </p:cBhvr>
+                                    </p:animEffect>
+                                  </p:childTnLst>
+                                </p:cTn>
+                              </p:par>
+                            </p:childTnLst>
+                          </p:cTn>
+                        </p:par>
+                      </p:childTnLst>
+                    </p:cTn>
+                  </p:par>
+                  <p:par>
+                    <p:cTn id="8" fill="hold">
+                      <p:stCondLst>
+                        <p:cond delay="indefinite"/>
+                      </p:stCondLst>
+                      <p:childTnLst>
+                        <p:par>
+                          <p:cTn id="9" fill="hold">
+                            <p:stCondLst>
+                              <p:cond delay="0"/>
+                            </p:stCondLst>
+                            <p:childTnLst>
+                              <p:par>
+                                <p:cTn id="10" presetID="9" presetClass="entr" presetSubtype="0" fill="hold" nodeType="clickEffect">
+                                  <p:stCondLst>
+                                    <p:cond delay="0"/>
+                                  </p:stCondLst>
+                                  <p:childTnLst>
+                                    <p:set>
+                                      <p:cBhvr>
+                                        <p:cTn id="11" dur="1" fill="hold">
+                                          <p:stCondLst>
+                                            <p:cond delay="0"/>
+                                          </p:stCondLst>
+                                        </p:cTn>
+                                        <p:tgtEl>
+                                          <p:spTgt spid="4"/>
+                                        </p:tgtEl>
+                                        <p:attrNameLst>
+                                          <p:attrName>style.visibility</p:attrName>
+                                        </p:attrNameLst>
+                                      </p:cBhvr>
+                                      <p:to>
+                                        <p:strVal val="visible"/>
+                                      </p:to>
+                                    </p:set>
+                                    <p:animEffect transition="in" filter="dissolve">
+                                      <p:cBhvr>
+                                        <p:cTn id="12" dur="500"/>
+                                        <p:tgtEl>
+                                          <p:spTgt spid="4"/>
+                                        </p:tgtEl>
+                                      </p:cBhvr>
+                                    </p:animEffect>
+                                  </p:childTnLst>
+                                </p:cTn>
+                              </p:par>
+                            </p:childTnLst>
+                          </p:cTn>
+                        </p:par>
+                      </p:childTnLst>
+                    </p:cTn>
+                  </p:par>
+                  <p:par>
+                    <p:cTn id="13" fill="hold">
+                      <p:stCondLst>
+                        <p:cond delay="indefinite"/>
+                      </p:stCondLst>
+                      <p:childTnLst>
+                        <p:par>
+                          <p:cTn id="14" fill="hold">
+                            <p:stCondLst>
+                              <p:cond delay="0"/>
+                            </p:stCondLst>
+                            <p:childTnLst>
+                              <p:par>
+                                <p:cTn id="15" presetID="9" presetClass="entr" presetSubtype="0" fill="hold" grpId="0" nodeType="clickEffect">
+                                  <p:stCondLst>
+                                    <p:cond delay="0"/>
+                                  </p:stCondLst>
+                                  <p:childTnLst>
+                                    <p:set>
+                                      <p:cBhvr>
+                                        <p:cTn id="16" dur="1" fill="hold">
+                                          <p:stCondLst>
+                                            <p:cond delay="0"/>
+                                          </p:stCondLst>
+                                        </p:cTn>
+                                        <p:tgtEl>
+                                          <p:spTgt spid="5"/>
+                                        </p:tgtEl>
+                                        <p:attrNameLst>
+                                          <p:attrName>style.visibility</p:attrName>
+                                        </p:attrNameLst>
+                                      </p:cBhvr>
+                                      <p:to>
+                                        <p:strVal val="visible"/>
+                                      </p:to>
+                                    </p:set>
+                                    <p:animEffect transition="in" filter="dissolve">
+                                      <p:cBhvr>
+                                        <p:cTn id="17" dur="500"/>
+                                        <p:tgtEl>
+                                          <p:spTgt spid="5"/>
+                                        </p:tgtEl>
+                                      </p:cBhvr>
+                                    </p:animEffect>
+                                  </p:childTnLst>
+                                </p:cTn>
+                              </p:par>
+                            </p:childTnLst>
+                          </p:cTn>
+                        </p:par>
+                      </p:childTnLst>
+                    </p:cTn>
+                  </p:par>
+                </p:childTnLst>
+              </p:cTn>
+              <p:prevCondLst>
+                <p:cond evt="onPrev" delay="0">
+                  <p:tgtEl>
+                    <p:sldTgt/>
+                  </p:tgtEl>
+                </p:cond>
+              </p:prevCondLst>
+              <p:nextCondLst>
+                <p:cond evt="onNext" delay="0">
+                  <p:tgtEl>
+                    <p:sldTgt/>
+                  </p:tgtEl>
+                </p:cond>
+              </p:nextCondLst>
+            </p:seq>
+          </p:childTnLst>
+        </p:cTn>
+      </p:par>
+    </p:tnLst>
+    <p:bldLst>
+      <p:bldP spid="5" grpId="0"/>
     </p:bldLst>
   </p:timing>
 </p:sld>
